--- a/docs/diagrams/ModelComponentClassDiagram.pptx
+++ b/docs/diagrams/ModelComponentClassDiagram.pptx
@@ -208,7 +208,7 @@
           <a:p>
             <a:fld id="{F5CC4B3F-88C1-4FFA-B1B6-F41C21DC6924}" type="datetimeFigureOut">
               <a:rPr lang="en-US" smtClean="0"/>
-              <a:t>10/23/2018</a:t>
+              <a:t>10/30/2018</a:t>
             </a:fld>
             <a:endParaRPr lang="en-US"/>
           </a:p>
@@ -654,7 +654,7 @@
           <a:p>
             <a:fld id="{78C97017-6FC3-485B-9764-EAC9E56C1D49}" type="datetimeFigureOut">
               <a:rPr lang="en-US" smtClean="0"/>
-              <a:t>10/23/2018</a:t>
+              <a:t>10/30/2018</a:t>
             </a:fld>
             <a:endParaRPr lang="en-US"/>
           </a:p>
@@ -822,7 +822,7 @@
           <a:p>
             <a:fld id="{78C97017-6FC3-485B-9764-EAC9E56C1D49}" type="datetimeFigureOut">
               <a:rPr lang="en-US" smtClean="0"/>
-              <a:t>10/23/2018</a:t>
+              <a:t>10/30/2018</a:t>
             </a:fld>
             <a:endParaRPr lang="en-US"/>
           </a:p>
@@ -1000,7 +1000,7 @@
           <a:p>
             <a:fld id="{78C97017-6FC3-485B-9764-EAC9E56C1D49}" type="datetimeFigureOut">
               <a:rPr lang="en-US" smtClean="0"/>
-              <a:t>10/23/2018</a:t>
+              <a:t>10/30/2018</a:t>
             </a:fld>
             <a:endParaRPr lang="en-US"/>
           </a:p>
@@ -1168,7 +1168,7 @@
           <a:p>
             <a:fld id="{78C97017-6FC3-485B-9764-EAC9E56C1D49}" type="datetimeFigureOut">
               <a:rPr lang="en-US" smtClean="0"/>
-              <a:t>10/23/2018</a:t>
+              <a:t>10/30/2018</a:t>
             </a:fld>
             <a:endParaRPr lang="en-US"/>
           </a:p>
@@ -1413,7 +1413,7 @@
           <a:p>
             <a:fld id="{78C97017-6FC3-485B-9764-EAC9E56C1D49}" type="datetimeFigureOut">
               <a:rPr lang="en-US" smtClean="0"/>
-              <a:t>10/23/2018</a:t>
+              <a:t>10/30/2018</a:t>
             </a:fld>
             <a:endParaRPr lang="en-US"/>
           </a:p>
@@ -1698,7 +1698,7 @@
           <a:p>
             <a:fld id="{78C97017-6FC3-485B-9764-EAC9E56C1D49}" type="datetimeFigureOut">
               <a:rPr lang="en-US" smtClean="0"/>
-              <a:t>10/23/2018</a:t>
+              <a:t>10/30/2018</a:t>
             </a:fld>
             <a:endParaRPr lang="en-US"/>
           </a:p>
@@ -2117,7 +2117,7 @@
           <a:p>
             <a:fld id="{78C97017-6FC3-485B-9764-EAC9E56C1D49}" type="datetimeFigureOut">
               <a:rPr lang="en-US" smtClean="0"/>
-              <a:t>10/23/2018</a:t>
+              <a:t>10/30/2018</a:t>
             </a:fld>
             <a:endParaRPr lang="en-US"/>
           </a:p>
@@ -2234,7 +2234,7 @@
           <a:p>
             <a:fld id="{78C97017-6FC3-485B-9764-EAC9E56C1D49}" type="datetimeFigureOut">
               <a:rPr lang="en-US" smtClean="0"/>
-              <a:t>10/23/2018</a:t>
+              <a:t>10/30/2018</a:t>
             </a:fld>
             <a:endParaRPr lang="en-US"/>
           </a:p>
@@ -2329,7 +2329,7 @@
           <a:p>
             <a:fld id="{78C97017-6FC3-485B-9764-EAC9E56C1D49}" type="datetimeFigureOut">
               <a:rPr lang="en-US" smtClean="0"/>
-              <a:t>10/23/2018</a:t>
+              <a:t>10/30/2018</a:t>
             </a:fld>
             <a:endParaRPr lang="en-US"/>
           </a:p>
@@ -2604,7 +2604,7 @@
           <a:p>
             <a:fld id="{78C97017-6FC3-485B-9764-EAC9E56C1D49}" type="datetimeFigureOut">
               <a:rPr lang="en-US" smtClean="0"/>
-              <a:t>10/23/2018</a:t>
+              <a:t>10/30/2018</a:t>
             </a:fld>
             <a:endParaRPr lang="en-US"/>
           </a:p>
@@ -2856,7 +2856,7 @@
           <a:p>
             <a:fld id="{78C97017-6FC3-485B-9764-EAC9E56C1D49}" type="datetimeFigureOut">
               <a:rPr lang="en-US" smtClean="0"/>
-              <a:t>10/23/2018</a:t>
+              <a:t>10/30/2018</a:t>
             </a:fld>
             <a:endParaRPr lang="en-US"/>
           </a:p>
@@ -3067,7 +3067,7 @@
           <a:p>
             <a:fld id="{78C97017-6FC3-485B-9764-EAC9E56C1D49}" type="datetimeFigureOut">
               <a:rPr lang="en-US" smtClean="0"/>
-              <a:t>10/23/2018</a:t>
+              <a:t>10/30/2018</a:t>
             </a:fld>
             <a:endParaRPr lang="en-US"/>
           </a:p>
@@ -4741,7 +4741,7 @@
         </p:nvSpPr>
         <p:spPr>
           <a:xfrm>
-            <a:off x="4043539" y="2113501"/>
+            <a:off x="3962400" y="1905000"/>
             <a:ext cx="1156969" cy="285783"/>
           </a:xfrm>
           <a:prstGeom prst="rect">
@@ -4807,8 +4807,8 @@
         </p:nvCxnSpPr>
         <p:spPr>
           <a:xfrm rot="5400000" flipH="1" flipV="1">
-            <a:off x="3520848" y="2442814"/>
-            <a:ext cx="709111" cy="336271"/>
+            <a:off x="3376028" y="2379132"/>
+            <a:ext cx="917612" cy="255132"/>
           </a:xfrm>
           <a:prstGeom prst="bentConnector2">
             <a:avLst/>
@@ -4848,17 +4848,20 @@
           </p:cNvPr>
           <p:cNvCxnSpPr>
             <a:cxnSpLocks/>
+            <a:stCxn id="71" idx="3"/>
             <a:endCxn id="67" idx="1"/>
           </p:cNvCxnSpPr>
           <p:nvPr/>
         </p:nvCxnSpPr>
         <p:spPr>
           <a:xfrm flipV="1">
-            <a:off x="5171947" y="2139646"/>
-            <a:ext cx="432916" cy="111294"/>
+            <a:off x="5335254" y="2036420"/>
+            <a:ext cx="269609" cy="1840"/>
           </a:xfrm>
           <a:prstGeom prst="bentConnector3">
-            <a:avLst/>
+            <a:avLst>
+              <a:gd name="adj1" fmla="val 50000"/>
+            </a:avLst>
           </a:prstGeom>
           <a:ln w="19050">
             <a:solidFill>
@@ -4898,7 +4901,7 @@
         </p:nvSpPr>
         <p:spPr>
           <a:xfrm>
-            <a:off x="5604863" y="1966266"/>
+            <a:off x="5604863" y="1863040"/>
             <a:ext cx="708186" cy="346760"/>
           </a:xfrm>
           <a:prstGeom prst="rect">
@@ -5050,7 +5053,7 @@
         </p:nvSpPr>
         <p:spPr>
           <a:xfrm>
-            <a:off x="5198996" y="2168721"/>
+            <a:off x="5099206" y="1951570"/>
             <a:ext cx="236048" cy="173380"/>
           </a:xfrm>
           <a:prstGeom prst="flowChartDecision">
@@ -5417,8 +5420,8 @@
         </p:nvSpPr>
         <p:spPr>
           <a:xfrm>
-            <a:off x="6984822" y="2465510"/>
-            <a:ext cx="708186" cy="285783"/>
+            <a:off x="6984822" y="2330853"/>
+            <a:ext cx="708186" cy="240930"/>
           </a:xfrm>
           <a:prstGeom prst="rect">
             <a:avLst/>
@@ -5536,8 +5539,8 @@
         </p:nvCxnSpPr>
         <p:spPr>
           <a:xfrm flipV="1">
-            <a:off x="6542503" y="2608402"/>
-            <a:ext cx="442319" cy="331476"/>
+            <a:off x="6542503" y="2451318"/>
+            <a:ext cx="442319" cy="488560"/>
           </a:xfrm>
           <a:prstGeom prst="bentConnector3">
             <a:avLst/>
@@ -5580,8 +5583,8 @@
         </p:nvSpPr>
         <p:spPr>
           <a:xfrm>
-            <a:off x="6984822" y="2788488"/>
-            <a:ext cx="708186" cy="285783"/>
+            <a:off x="6984822" y="2615386"/>
+            <a:ext cx="708186" cy="254803"/>
           </a:xfrm>
           <a:prstGeom prst="rect">
             <a:avLst/>
@@ -5638,6 +5641,7 @@
             </a:extLst>
           </p:cNvPr>
           <p:cNvCxnSpPr>
+            <a:cxnSpLocks/>
             <a:stCxn id="96" idx="3"/>
             <a:endCxn id="98" idx="1"/>
           </p:cNvCxnSpPr>
@@ -5645,8 +5649,8 @@
         </p:nvCxnSpPr>
         <p:spPr>
           <a:xfrm flipV="1">
-            <a:off x="6542503" y="2931380"/>
-            <a:ext cx="442319" cy="8498"/>
+            <a:off x="6542503" y="2742788"/>
+            <a:ext cx="442319" cy="197090"/>
           </a:xfrm>
           <a:prstGeom prst="bentConnector3">
             <a:avLst/>
@@ -5689,8 +5693,8 @@
         </p:nvSpPr>
         <p:spPr>
           <a:xfrm>
-            <a:off x="6984822" y="3111466"/>
-            <a:ext cx="708186" cy="285783"/>
+            <a:off x="6984822" y="2895600"/>
+            <a:ext cx="708186" cy="254803"/>
           </a:xfrm>
           <a:prstGeom prst="rect">
             <a:avLst/>
@@ -5747,6 +5751,7 @@
             </a:extLst>
           </p:cNvPr>
           <p:cNvCxnSpPr>
+            <a:cxnSpLocks/>
             <a:stCxn id="96" idx="3"/>
             <a:endCxn id="100" idx="1"/>
           </p:cNvCxnSpPr>
@@ -5755,7 +5760,7 @@
         <p:spPr>
           <a:xfrm>
             <a:off x="6542503" y="2939878"/>
-            <a:ext cx="442319" cy="314480"/>
+            <a:ext cx="442319" cy="83124"/>
           </a:xfrm>
           <a:prstGeom prst="bentConnector3">
             <a:avLst/>
@@ -5798,8 +5803,8 @@
         </p:nvSpPr>
         <p:spPr>
           <a:xfrm>
-            <a:off x="6984822" y="3434443"/>
-            <a:ext cx="708186" cy="285783"/>
+            <a:off x="6984822" y="3178433"/>
+            <a:ext cx="708186" cy="250567"/>
           </a:xfrm>
           <a:prstGeom prst="rect">
             <a:avLst/>
@@ -5856,6 +5861,7 @@
             </a:extLst>
           </p:cNvPr>
           <p:cNvCxnSpPr>
+            <a:cxnSpLocks/>
             <a:stCxn id="96" idx="3"/>
             <a:endCxn id="102" idx="1"/>
           </p:cNvCxnSpPr>
@@ -5864,7 +5870,7 @@
         <p:spPr>
           <a:xfrm>
             <a:off x="6542503" y="2939878"/>
-            <a:ext cx="442319" cy="637457"/>
+            <a:ext cx="442319" cy="363839"/>
           </a:xfrm>
           <a:prstGeom prst="bentConnector3">
             <a:avLst/>
@@ -5907,8 +5913,8 @@
         </p:nvSpPr>
         <p:spPr>
           <a:xfrm>
-            <a:off x="6981036" y="3757420"/>
-            <a:ext cx="708186" cy="285783"/>
+            <a:off x="6994195" y="3470320"/>
+            <a:ext cx="708186" cy="273969"/>
           </a:xfrm>
           <a:prstGeom prst="rect">
             <a:avLst/>
@@ -5935,19 +5941,19 @@
           </a:fontRef>
         </p:style>
         <p:txBody>
-          <a:bodyPr rtlCol="0" anchor="ctr"/>
+          <a:bodyPr lIns="0" rIns="0" rtlCol="0" anchor="ctr"/>
           <a:lstStyle/>
           <a:p>
             <a:pPr algn="ctr"/>
             <a:r>
-              <a:rPr lang="en-US" sz="700" dirty="0" err="1">
+              <a:rPr lang="en-US" sz="900" dirty="0" err="1">
                 <a:solidFill>
                   <a:srgbClr val="7030A0"/>
                 </a:solidFill>
               </a:rPr>
               <a:t>ProfilePicture</a:t>
             </a:r>
-            <a:endParaRPr lang="en-SG" sz="700" dirty="0">
+            <a:endParaRPr lang="en-SG" sz="900" dirty="0">
               <a:solidFill>
                 <a:srgbClr val="7030A0"/>
               </a:solidFill>
@@ -5974,7 +5980,7 @@
         <p:spPr>
           <a:xfrm>
             <a:off x="6542503" y="2939878"/>
-            <a:ext cx="438533" cy="960434"/>
+            <a:ext cx="451692" cy="667427"/>
           </a:xfrm>
           <a:prstGeom prst="bentConnector3">
             <a:avLst>
@@ -6019,7 +6025,7 @@
         </p:nvSpPr>
         <p:spPr>
           <a:xfrm>
-            <a:off x="6761769" y="4231787"/>
+            <a:off x="6821143" y="4267200"/>
             <a:ext cx="189257" cy="178683"/>
           </a:xfrm>
           <a:prstGeom prst="rect">
@@ -6043,68 +6049,6 @@
               <a:t>*</a:t>
             </a:r>
             <a:endParaRPr lang="en-SG" sz="1100" dirty="0">
-              <a:solidFill>
-                <a:srgbClr val="7030A0"/>
-              </a:solidFill>
-            </a:endParaRPr>
-          </a:p>
-        </p:txBody>
-      </p:sp>
-      <p:sp>
-        <p:nvSpPr>
-          <p:cNvPr id="108" name="Rectangle 8">
-            <a:extLst>
-              <a:ext uri="{FF2B5EF4-FFF2-40B4-BE49-F238E27FC236}">
-                <a16:creationId xmlns:a16="http://schemas.microsoft.com/office/drawing/2014/main" id="{A09BB0E0-3411-4B00-8067-0B6E8EA4C19B}"/>
-              </a:ext>
-            </a:extLst>
-          </p:cNvPr>
-          <p:cNvSpPr/>
-          <p:nvPr/>
-        </p:nvSpPr>
-        <p:spPr>
-          <a:xfrm>
-            <a:off x="6981036" y="4080397"/>
-            <a:ext cx="708186" cy="285783"/>
-          </a:xfrm>
-          <a:prstGeom prst="rect">
-            <a:avLst/>
-          </a:prstGeom>
-          <a:ln w="19050">
-            <a:solidFill>
-              <a:srgbClr val="7030A0"/>
-            </a:solidFill>
-          </a:ln>
-          <a:effectLst/>
-        </p:spPr>
-        <p:style>
-          <a:lnRef idx="1">
-            <a:schemeClr val="accent4"/>
-          </a:lnRef>
-          <a:fillRef idx="2">
-            <a:schemeClr val="accent4"/>
-          </a:fillRef>
-          <a:effectRef idx="1">
-            <a:schemeClr val="accent4"/>
-          </a:effectRef>
-          <a:fontRef idx="minor">
-            <a:schemeClr val="dk1"/>
-          </a:fontRef>
-        </p:style>
-        <p:txBody>
-          <a:bodyPr rtlCol="0" anchor="ctr"/>
-          <a:lstStyle/>
-          <a:p>
-            <a:pPr algn="ctr"/>
-            <a:r>
-              <a:rPr lang="en-US" sz="1050" dirty="0">
-                <a:solidFill>
-                  <a:srgbClr val="7030A0"/>
-                </a:solidFill>
-              </a:rPr>
-              <a:t>Tag</a:t>
-            </a:r>
-            <a:endParaRPr lang="en-SG" sz="1050" dirty="0">
               <a:solidFill>
                 <a:srgbClr val="7030A0"/>
               </a:solidFill>
@@ -6124,14 +6068,14 @@
           <p:cNvCxnSpPr>
             <a:cxnSpLocks/>
             <a:stCxn id="96" idx="3"/>
-            <a:endCxn id="108" idx="1"/>
+            <a:endCxn id="74" idx="1"/>
           </p:cNvCxnSpPr>
           <p:nvPr/>
         </p:nvCxnSpPr>
         <p:spPr>
           <a:xfrm>
             <a:off x="6542503" y="2939878"/>
-            <a:ext cx="438533" cy="1283411"/>
+            <a:ext cx="451504" cy="1273090"/>
           </a:xfrm>
           <a:prstGeom prst="bentConnector3">
             <a:avLst>
@@ -6176,7 +6120,7 @@
         </p:nvSpPr>
         <p:spPr>
           <a:xfrm>
-            <a:off x="6981036" y="4408581"/>
+            <a:off x="6992441" y="4420692"/>
             <a:ext cx="708186" cy="285783"/>
           </a:xfrm>
           <a:prstGeom prst="rect">
@@ -6243,7 +6187,7 @@
         <p:spPr>
           <a:xfrm>
             <a:off x="6542503" y="2939878"/>
-            <a:ext cx="438533" cy="1611595"/>
+            <a:ext cx="449938" cy="1623706"/>
           </a:xfrm>
           <a:prstGeom prst="bentConnector3">
             <a:avLst>
@@ -6288,7 +6232,7 @@
         </p:nvSpPr>
         <p:spPr>
           <a:xfrm>
-            <a:off x="6990409" y="719522"/>
+            <a:off x="6990409" y="609600"/>
             <a:ext cx="708186" cy="285783"/>
           </a:xfrm>
           <a:prstGeom prst="rect">
@@ -6350,7 +6294,7 @@
         </p:nvSpPr>
         <p:spPr>
           <a:xfrm>
-            <a:off x="6327778" y="2068302"/>
+            <a:off x="6327778" y="1950142"/>
             <a:ext cx="236048" cy="173380"/>
           </a:xfrm>
           <a:prstGeom prst="flowChartDecision">
@@ -6407,8 +6351,8 @@
         </p:nvCxnSpPr>
         <p:spPr>
           <a:xfrm flipV="1">
-            <a:off x="6563826" y="862414"/>
-            <a:ext cx="426583" cy="1292578"/>
+            <a:off x="6563826" y="752492"/>
+            <a:ext cx="426583" cy="1284340"/>
           </a:xfrm>
           <a:prstGeom prst="bentConnector3">
             <a:avLst/>
@@ -6451,7 +6395,7 @@
         </p:nvSpPr>
         <p:spPr>
           <a:xfrm>
-            <a:off x="6990409" y="1042500"/>
+            <a:off x="6990409" y="932578"/>
             <a:ext cx="708186" cy="285783"/>
           </a:xfrm>
           <a:prstGeom prst="rect">
@@ -6516,8 +6460,8 @@
         </p:nvCxnSpPr>
         <p:spPr>
           <a:xfrm flipV="1">
-            <a:off x="6563826" y="1185392"/>
-            <a:ext cx="426583" cy="969600"/>
+            <a:off x="6563826" y="1075470"/>
+            <a:ext cx="426583" cy="961362"/>
           </a:xfrm>
           <a:prstGeom prst="bentConnector3">
             <a:avLst/>
@@ -6560,7 +6504,7 @@
         </p:nvSpPr>
         <p:spPr>
           <a:xfrm>
-            <a:off x="6990409" y="1365478"/>
+            <a:off x="6990409" y="1255556"/>
             <a:ext cx="708186" cy="285783"/>
           </a:xfrm>
           <a:prstGeom prst="rect">
@@ -6625,8 +6569,8 @@
         </p:nvCxnSpPr>
         <p:spPr>
           <a:xfrm flipV="1">
-            <a:off x="6563826" y="1508370"/>
-            <a:ext cx="426583" cy="646622"/>
+            <a:off x="6563826" y="1398448"/>
+            <a:ext cx="426583" cy="638384"/>
           </a:xfrm>
           <a:prstGeom prst="bentConnector3">
             <a:avLst/>
@@ -6669,7 +6613,7 @@
         </p:nvSpPr>
         <p:spPr>
           <a:xfrm>
-            <a:off x="6990409" y="1688455"/>
+            <a:off x="6990409" y="1578533"/>
             <a:ext cx="708186" cy="285783"/>
           </a:xfrm>
           <a:prstGeom prst="rect">
@@ -6734,8 +6678,8 @@
         </p:nvCxnSpPr>
         <p:spPr>
           <a:xfrm flipV="1">
-            <a:off x="6563826" y="1831347"/>
-            <a:ext cx="426583" cy="323645"/>
+            <a:off x="6563826" y="1721425"/>
+            <a:ext cx="426583" cy="315407"/>
           </a:xfrm>
           <a:prstGeom prst="bentConnector3">
             <a:avLst/>
@@ -6778,7 +6722,7 @@
         </p:nvSpPr>
         <p:spPr>
           <a:xfrm>
-            <a:off x="6990409" y="2012101"/>
+            <a:off x="6990409" y="1902179"/>
             <a:ext cx="708186" cy="285783"/>
           </a:xfrm>
           <a:prstGeom prst="rect">
@@ -6844,8 +6788,8 @@
         </p:nvCxnSpPr>
         <p:spPr>
           <a:xfrm>
-            <a:off x="6563826" y="2154992"/>
-            <a:ext cx="426583" cy="1"/>
+            <a:off x="6563826" y="2036832"/>
+            <a:ext cx="426583" cy="8239"/>
           </a:xfrm>
           <a:prstGeom prst="bentConnector3">
             <a:avLst>
@@ -6893,13 +6837,13 @@
           <p:nvPr/>
         </p:nvCxnSpPr>
         <p:spPr>
-          <a:xfrm flipV="1">
-            <a:off x="7689222" y="2154993"/>
-            <a:ext cx="9373" cy="2396480"/>
+          <a:xfrm flipH="1" flipV="1">
+            <a:off x="7698595" y="2045071"/>
+            <a:ext cx="2032" cy="2518513"/>
           </a:xfrm>
           <a:prstGeom prst="bentConnector3">
             <a:avLst>
-              <a:gd name="adj1" fmla="val 2538920"/>
+              <a:gd name="adj1" fmla="val -9222982"/>
             </a:avLst>
           </a:prstGeom>
           <a:ln w="19050">
@@ -6940,7 +6884,7 @@
         </p:nvSpPr>
         <p:spPr>
           <a:xfrm>
-            <a:off x="8058291" y="4408580"/>
+            <a:off x="8077200" y="4408580"/>
             <a:ext cx="708186" cy="285783"/>
           </a:xfrm>
           <a:prstGeom prst="rect">
@@ -6988,56 +6932,6 @@
           </a:p>
         </p:txBody>
       </p:sp>
-      <p:cxnSp>
-        <p:nvCxnSpPr>
-          <p:cNvPr id="149" name="Elbow Connector 85">
-            <a:extLst>
-              <a:ext uri="{FF2B5EF4-FFF2-40B4-BE49-F238E27FC236}">
-                <a16:creationId xmlns:a16="http://schemas.microsoft.com/office/drawing/2014/main" id="{6BCC4F5D-C168-4010-8DC8-9B1F98AE6D1B}"/>
-              </a:ext>
-            </a:extLst>
-          </p:cNvPr>
-          <p:cNvCxnSpPr>
-            <a:cxnSpLocks/>
-            <a:stCxn id="110" idx="3"/>
-            <a:endCxn id="148" idx="1"/>
-          </p:cNvCxnSpPr>
-          <p:nvPr/>
-        </p:nvCxnSpPr>
-        <p:spPr>
-          <a:xfrm flipV="1">
-            <a:off x="7689222" y="4551472"/>
-            <a:ext cx="369069" cy="1"/>
-          </a:xfrm>
-          <a:prstGeom prst="bentConnector3">
-            <a:avLst>
-              <a:gd name="adj1" fmla="val 50000"/>
-            </a:avLst>
-          </a:prstGeom>
-          <a:ln w="19050">
-            <a:solidFill>
-              <a:srgbClr val="7030A0"/>
-            </a:solidFill>
-            <a:headEnd type="none" w="med" len="med"/>
-            <a:tailEnd type="arrow" w="med" len="med"/>
-          </a:ln>
-          <a:effectLst/>
-        </p:spPr>
-        <p:style>
-          <a:lnRef idx="1">
-            <a:schemeClr val="accent2"/>
-          </a:lnRef>
-          <a:fillRef idx="2">
-            <a:schemeClr val="accent2"/>
-          </a:fillRef>
-          <a:effectRef idx="1">
-            <a:schemeClr val="accent2"/>
-          </a:effectRef>
-          <a:fontRef idx="minor">
-            <a:schemeClr val="dk1"/>
-          </a:fontRef>
-        </p:style>
-      </p:cxnSp>
       <p:sp>
         <p:nvSpPr>
           <p:cNvPr id="152" name="TextBox 151">
@@ -7128,6 +7022,235 @@
           </a:p>
         </p:txBody>
       </p:sp>
+      <p:sp>
+        <p:nvSpPr>
+          <p:cNvPr id="74" name="Rectangle 8">
+            <a:extLst>
+              <a:ext uri="{FF2B5EF4-FFF2-40B4-BE49-F238E27FC236}">
+                <a16:creationId xmlns:a16="http://schemas.microsoft.com/office/drawing/2014/main" id="{F8BC612D-C501-4765-BFD5-BBAE409253E8}"/>
+              </a:ext>
+            </a:extLst>
+          </p:cNvPr>
+          <p:cNvSpPr/>
+          <p:nvPr/>
+        </p:nvSpPr>
+        <p:spPr>
+          <a:xfrm>
+            <a:off x="6994007" y="4056446"/>
+            <a:ext cx="708186" cy="313044"/>
+          </a:xfrm>
+          <a:prstGeom prst="rect">
+            <a:avLst/>
+          </a:prstGeom>
+          <a:ln w="19050">
+            <a:solidFill>
+              <a:srgbClr val="7030A0"/>
+            </a:solidFill>
+          </a:ln>
+          <a:effectLst/>
+        </p:spPr>
+        <p:style>
+          <a:lnRef idx="1">
+            <a:schemeClr val="accent4"/>
+          </a:lnRef>
+          <a:fillRef idx="2">
+            <a:schemeClr val="accent4"/>
+          </a:fillRef>
+          <a:effectRef idx="1">
+            <a:schemeClr val="accent4"/>
+          </a:effectRef>
+          <a:fontRef idx="minor">
+            <a:schemeClr val="dk1"/>
+          </a:fontRef>
+        </p:style>
+        <p:txBody>
+          <a:bodyPr rtlCol="0" anchor="ctr"/>
+          <a:lstStyle/>
+          <a:p>
+            <a:pPr algn="ctr"/>
+            <a:r>
+              <a:rPr lang="en-US" sz="800" dirty="0">
+                <a:solidFill>
+                  <a:srgbClr val="7030A0"/>
+                </a:solidFill>
+              </a:rPr>
+              <a:t>&lt;&lt;Set&gt;&gt; </a:t>
+            </a:r>
+          </a:p>
+          <a:p>
+            <a:pPr algn="ctr"/>
+            <a:r>
+              <a:rPr lang="en-US" sz="800" dirty="0">
+                <a:solidFill>
+                  <a:srgbClr val="7030A0"/>
+                </a:solidFill>
+              </a:rPr>
+              <a:t>Tag</a:t>
+            </a:r>
+            <a:endParaRPr lang="en-SG" sz="800" dirty="0">
+              <a:solidFill>
+                <a:srgbClr val="7030A0"/>
+              </a:solidFill>
+            </a:endParaRPr>
+          </a:p>
+        </p:txBody>
+      </p:sp>
+      <p:sp>
+        <p:nvSpPr>
+          <p:cNvPr id="112" name="Rectangle 8">
+            <a:extLst>
+              <a:ext uri="{FF2B5EF4-FFF2-40B4-BE49-F238E27FC236}">
+                <a16:creationId xmlns:a16="http://schemas.microsoft.com/office/drawing/2014/main" id="{EC735733-BBC2-48E9-BF55-8DE0F5009D3B}"/>
+              </a:ext>
+            </a:extLst>
+          </p:cNvPr>
+          <p:cNvSpPr/>
+          <p:nvPr/>
+        </p:nvSpPr>
+        <p:spPr>
+          <a:xfrm>
+            <a:off x="6990409" y="3790013"/>
+            <a:ext cx="708186" cy="227343"/>
+          </a:xfrm>
+          <a:prstGeom prst="rect">
+            <a:avLst/>
+          </a:prstGeom>
+          <a:ln w="19050">
+            <a:solidFill>
+              <a:srgbClr val="7030A0"/>
+            </a:solidFill>
+          </a:ln>
+          <a:effectLst/>
+        </p:spPr>
+        <p:style>
+          <a:lnRef idx="1">
+            <a:schemeClr val="accent4"/>
+          </a:lnRef>
+          <a:fillRef idx="2">
+            <a:schemeClr val="accent4"/>
+          </a:fillRef>
+          <a:effectRef idx="1">
+            <a:schemeClr val="accent4"/>
+          </a:effectRef>
+          <a:fontRef idx="minor">
+            <a:schemeClr val="dk1"/>
+          </a:fontRef>
+        </p:style>
+        <p:txBody>
+          <a:bodyPr rtlCol="0" anchor="ctr"/>
+          <a:lstStyle/>
+          <a:p>
+            <a:pPr algn="ctr"/>
+            <a:r>
+              <a:rPr lang="en-US" sz="1050" dirty="0">
+                <a:solidFill>
+                  <a:srgbClr val="7030A0"/>
+                </a:solidFill>
+              </a:rPr>
+              <a:t>Note</a:t>
+            </a:r>
+            <a:endParaRPr lang="en-SG" sz="1050" dirty="0">
+              <a:solidFill>
+                <a:srgbClr val="7030A0"/>
+              </a:solidFill>
+            </a:endParaRPr>
+          </a:p>
+        </p:txBody>
+      </p:sp>
+      <p:cxnSp>
+        <p:nvCxnSpPr>
+          <p:cNvPr id="113" name="Elbow Connector 85">
+            <a:extLst>
+              <a:ext uri="{FF2B5EF4-FFF2-40B4-BE49-F238E27FC236}">
+                <a16:creationId xmlns:a16="http://schemas.microsoft.com/office/drawing/2014/main" id="{6A188D13-5842-417B-B8CF-8655B67823D6}"/>
+              </a:ext>
+            </a:extLst>
+          </p:cNvPr>
+          <p:cNvCxnSpPr>
+            <a:cxnSpLocks/>
+            <a:stCxn id="96" idx="3"/>
+            <a:endCxn id="112" idx="1"/>
+          </p:cNvCxnSpPr>
+          <p:nvPr/>
+        </p:nvCxnSpPr>
+        <p:spPr>
+          <a:xfrm>
+            <a:off x="6542503" y="2939878"/>
+            <a:ext cx="447906" cy="963807"/>
+          </a:xfrm>
+          <a:prstGeom prst="bentConnector3">
+            <a:avLst>
+              <a:gd name="adj1" fmla="val 51839"/>
+            </a:avLst>
+          </a:prstGeom>
+          <a:ln w="19050">
+            <a:solidFill>
+              <a:srgbClr val="7030A0"/>
+            </a:solidFill>
+            <a:headEnd type="none" w="med" len="med"/>
+            <a:tailEnd type="arrow" w="med" len="med"/>
+          </a:ln>
+          <a:effectLst/>
+        </p:spPr>
+        <p:style>
+          <a:lnRef idx="1">
+            <a:schemeClr val="accent2"/>
+          </a:lnRef>
+          <a:fillRef idx="2">
+            <a:schemeClr val="accent2"/>
+          </a:fillRef>
+          <a:effectRef idx="1">
+            <a:schemeClr val="accent2"/>
+          </a:effectRef>
+          <a:fontRef idx="minor">
+            <a:schemeClr val="dk1"/>
+          </a:fontRef>
+        </p:style>
+      </p:cxnSp>
+      <p:cxnSp>
+        <p:nvCxnSpPr>
+          <p:cNvPr id="78" name="Straight Arrow Connector 77">
+            <a:extLst>
+              <a:ext uri="{FF2B5EF4-FFF2-40B4-BE49-F238E27FC236}">
+                <a16:creationId xmlns:a16="http://schemas.microsoft.com/office/drawing/2014/main" id="{59E25A25-6135-4A91-8763-08321A35E4C1}"/>
+              </a:ext>
+            </a:extLst>
+          </p:cNvPr>
+          <p:cNvCxnSpPr>
+            <a:stCxn id="110" idx="3"/>
+          </p:cNvCxnSpPr>
+          <p:nvPr/>
+        </p:nvCxnSpPr>
+        <p:spPr>
+          <a:xfrm flipV="1">
+            <a:off x="7700627" y="4551471"/>
+            <a:ext cx="376573" cy="12113"/>
+          </a:xfrm>
+          <a:prstGeom prst="straightConnector1">
+            <a:avLst/>
+          </a:prstGeom>
+          <a:ln w="19050">
+            <a:solidFill>
+              <a:schemeClr val="accent4"/>
+            </a:solidFill>
+            <a:tailEnd type="arrow"/>
+          </a:ln>
+        </p:spPr>
+        <p:style>
+          <a:lnRef idx="1">
+            <a:schemeClr val="accent1"/>
+          </a:lnRef>
+          <a:fillRef idx="0">
+            <a:schemeClr val="accent1"/>
+          </a:fillRef>
+          <a:effectRef idx="0">
+            <a:schemeClr val="accent1"/>
+          </a:effectRef>
+          <a:fontRef idx="minor">
+            <a:schemeClr val="tx1"/>
+          </a:fontRef>
+        </p:style>
+      </p:cxnSp>
     </p:spTree>
     <p:extLst>
       <p:ext uri="{BB962C8B-B14F-4D97-AF65-F5344CB8AC3E}">

--- a/docs/diagrams/ModelComponentClassDiagram.pptx
+++ b/docs/diagrams/ModelComponentClassDiagram.pptx
@@ -208,7 +208,7 @@
           <a:p>
             <a:fld id="{F5CC4B3F-88C1-4FFA-B1B6-F41C21DC6924}" type="datetimeFigureOut">
               <a:rPr lang="en-US" smtClean="0"/>
-              <a:t>10/23/2018</a:t>
+              <a:t>10/30/18</a:t>
             </a:fld>
             <a:endParaRPr lang="en-US"/>
           </a:p>
@@ -654,7 +654,7 @@
           <a:p>
             <a:fld id="{78C97017-6FC3-485B-9764-EAC9E56C1D49}" type="datetimeFigureOut">
               <a:rPr lang="en-US" smtClean="0"/>
-              <a:t>10/23/2018</a:t>
+              <a:t>10/30/18</a:t>
             </a:fld>
             <a:endParaRPr lang="en-US"/>
           </a:p>
@@ -822,7 +822,7 @@
           <a:p>
             <a:fld id="{78C97017-6FC3-485B-9764-EAC9E56C1D49}" type="datetimeFigureOut">
               <a:rPr lang="en-US" smtClean="0"/>
-              <a:t>10/23/2018</a:t>
+              <a:t>10/30/18</a:t>
             </a:fld>
             <a:endParaRPr lang="en-US"/>
           </a:p>
@@ -1000,7 +1000,7 @@
           <a:p>
             <a:fld id="{78C97017-6FC3-485B-9764-EAC9E56C1D49}" type="datetimeFigureOut">
               <a:rPr lang="en-US" smtClean="0"/>
-              <a:t>10/23/2018</a:t>
+              <a:t>10/30/18</a:t>
             </a:fld>
             <a:endParaRPr lang="en-US"/>
           </a:p>
@@ -1168,7 +1168,7 @@
           <a:p>
             <a:fld id="{78C97017-6FC3-485B-9764-EAC9E56C1D49}" type="datetimeFigureOut">
               <a:rPr lang="en-US" smtClean="0"/>
-              <a:t>10/23/2018</a:t>
+              <a:t>10/30/18</a:t>
             </a:fld>
             <a:endParaRPr lang="en-US"/>
           </a:p>
@@ -1413,7 +1413,7 @@
           <a:p>
             <a:fld id="{78C97017-6FC3-485B-9764-EAC9E56C1D49}" type="datetimeFigureOut">
               <a:rPr lang="en-US" smtClean="0"/>
-              <a:t>10/23/2018</a:t>
+              <a:t>10/30/18</a:t>
             </a:fld>
             <a:endParaRPr lang="en-US"/>
           </a:p>
@@ -1698,7 +1698,7 @@
           <a:p>
             <a:fld id="{78C97017-6FC3-485B-9764-EAC9E56C1D49}" type="datetimeFigureOut">
               <a:rPr lang="en-US" smtClean="0"/>
-              <a:t>10/23/2018</a:t>
+              <a:t>10/30/18</a:t>
             </a:fld>
             <a:endParaRPr lang="en-US"/>
           </a:p>
@@ -2117,7 +2117,7 @@
           <a:p>
             <a:fld id="{78C97017-6FC3-485B-9764-EAC9E56C1D49}" type="datetimeFigureOut">
               <a:rPr lang="en-US" smtClean="0"/>
-              <a:t>10/23/2018</a:t>
+              <a:t>10/30/18</a:t>
             </a:fld>
             <a:endParaRPr lang="en-US"/>
           </a:p>
@@ -2234,7 +2234,7 @@
           <a:p>
             <a:fld id="{78C97017-6FC3-485B-9764-EAC9E56C1D49}" type="datetimeFigureOut">
               <a:rPr lang="en-US" smtClean="0"/>
-              <a:t>10/23/2018</a:t>
+              <a:t>10/30/18</a:t>
             </a:fld>
             <a:endParaRPr lang="en-US"/>
           </a:p>
@@ -2329,7 +2329,7 @@
           <a:p>
             <a:fld id="{78C97017-6FC3-485B-9764-EAC9E56C1D49}" type="datetimeFigureOut">
               <a:rPr lang="en-US" smtClean="0"/>
-              <a:t>10/23/2018</a:t>
+              <a:t>10/30/18</a:t>
             </a:fld>
             <a:endParaRPr lang="en-US"/>
           </a:p>
@@ -2604,7 +2604,7 @@
           <a:p>
             <a:fld id="{78C97017-6FC3-485B-9764-EAC9E56C1D49}" type="datetimeFigureOut">
               <a:rPr lang="en-US" smtClean="0"/>
-              <a:t>10/23/2018</a:t>
+              <a:t>10/30/18</a:t>
             </a:fld>
             <a:endParaRPr lang="en-US"/>
           </a:p>
@@ -2856,7 +2856,7 @@
           <a:p>
             <a:fld id="{78C97017-6FC3-485B-9764-EAC9E56C1D49}" type="datetimeFigureOut">
               <a:rPr lang="en-US" smtClean="0"/>
-              <a:t>10/23/2018</a:t>
+              <a:t>10/30/18</a:t>
             </a:fld>
             <a:endParaRPr lang="en-US"/>
           </a:p>
@@ -3067,7 +3067,7 @@
           <a:p>
             <a:fld id="{78C97017-6FC3-485B-9764-EAC9E56C1D49}" type="datetimeFigureOut">
               <a:rPr lang="en-US" smtClean="0"/>
-              <a:t>10/23/2018</a:t>
+              <a:t>10/30/18</a:t>
             </a:fld>
             <a:endParaRPr lang="en-US"/>
           </a:p>
@@ -3450,8 +3450,8 @@
         </p:nvSpPr>
         <p:spPr>
           <a:xfrm>
-            <a:off x="407532" y="533400"/>
-            <a:ext cx="8538710" cy="4267917"/>
+            <a:off x="304800" y="384583"/>
+            <a:ext cx="8538710" cy="6248400"/>
           </a:xfrm>
           <a:prstGeom prst="roundRect">
             <a:avLst>
@@ -3511,7 +3511,7 @@
         </p:nvSpPr>
         <p:spPr>
           <a:xfrm>
-            <a:off x="2164847" y="3369880"/>
+            <a:off x="2062115" y="4055680"/>
             <a:ext cx="1093635" cy="346760"/>
           </a:xfrm>
           <a:prstGeom prst="rect">
@@ -3570,7 +3570,7 @@
         </p:nvSpPr>
         <p:spPr>
           <a:xfrm rot="16200000">
-            <a:off x="949215" y="3004390"/>
+            <a:off x="846483" y="3690190"/>
             <a:ext cx="1093635" cy="346760"/>
           </a:xfrm>
           <a:prstGeom prst="rect">
@@ -3631,7 +3631,7 @@
         </p:nvCxnSpPr>
         <p:spPr>
           <a:xfrm rot="5400000" flipH="1" flipV="1">
-            <a:off x="3443568" y="1215583"/>
+            <a:off x="3340836" y="1901383"/>
             <a:ext cx="613122" cy="4459404"/>
           </a:xfrm>
           <a:prstGeom prst="bentConnector3">
@@ -3672,7 +3672,7 @@
         </p:nvSpPr>
         <p:spPr>
           <a:xfrm rot="16200000">
-            <a:off x="243869" y="2767842"/>
+            <a:off x="141137" y="3453642"/>
             <a:ext cx="1093635" cy="346760"/>
           </a:xfrm>
           <a:prstGeom prst="rect">
@@ -3742,7 +3742,7 @@
         </p:nvSpPr>
         <p:spPr>
           <a:xfrm rot="16200000">
-            <a:off x="914577" y="2858931"/>
+            <a:off x="811845" y="3544731"/>
             <a:ext cx="270504" cy="175523"/>
           </a:xfrm>
           <a:prstGeom prst="triangle">
@@ -3792,7 +3792,7 @@
         </p:nvCxnSpPr>
         <p:spPr>
           <a:xfrm>
-            <a:off x="1897495" y="3543260"/>
+            <a:off x="1794763" y="4229060"/>
             <a:ext cx="267352" cy="0"/>
           </a:xfrm>
           <a:prstGeom prst="straightConnector1">
@@ -3830,7 +3830,7 @@
         </p:nvCxnSpPr>
         <p:spPr>
           <a:xfrm>
-            <a:off x="197758" y="2946693"/>
+            <a:off x="95026" y="3632493"/>
             <a:ext cx="419548" cy="2860"/>
           </a:xfrm>
           <a:prstGeom prst="bentConnector3">
@@ -3875,7 +3875,7 @@
         </p:nvCxnSpPr>
         <p:spPr>
           <a:xfrm flipV="1">
-            <a:off x="1137591" y="2946692"/>
+            <a:off x="1034859" y="3632492"/>
             <a:ext cx="216105" cy="1"/>
           </a:xfrm>
           <a:prstGeom prst="line">
@@ -3914,7 +3914,7 @@
         </p:nvSpPr>
         <p:spPr>
           <a:xfrm>
-            <a:off x="1661447" y="3456570"/>
+            <a:off x="1558715" y="4142370"/>
             <a:ext cx="236048" cy="173380"/>
           </a:xfrm>
           <a:prstGeom prst="flowChartDecision">
@@ -3959,7 +3959,7 @@
         </p:nvSpPr>
         <p:spPr>
           <a:xfrm>
-            <a:off x="2074073" y="2741551"/>
+            <a:off x="1971341" y="3427351"/>
             <a:ext cx="1447688" cy="346760"/>
           </a:xfrm>
           <a:prstGeom prst="rect">
@@ -4018,7 +4018,7 @@
         </p:nvCxnSpPr>
         <p:spPr>
           <a:xfrm>
-            <a:off x="1912027" y="2909673"/>
+            <a:off x="1809295" y="3595473"/>
             <a:ext cx="162046" cy="5258"/>
           </a:xfrm>
           <a:prstGeom prst="straightConnector1">
@@ -4056,7 +4056,7 @@
         </p:nvSpPr>
         <p:spPr>
           <a:xfrm>
-            <a:off x="1675979" y="2822983"/>
+            <a:off x="1573247" y="3508783"/>
             <a:ext cx="236048" cy="173380"/>
           </a:xfrm>
           <a:prstGeom prst="flowChartDecision">
@@ -4101,7 +4101,7 @@
         </p:nvSpPr>
         <p:spPr>
           <a:xfrm>
-            <a:off x="4049876" y="2770074"/>
+            <a:off x="3947144" y="3455874"/>
             <a:ext cx="1156969" cy="346760"/>
           </a:xfrm>
           <a:prstGeom prst="rect">
@@ -4157,7 +4157,7 @@
         </p:nvSpPr>
         <p:spPr>
           <a:xfrm>
-            <a:off x="3520913" y="2854841"/>
+            <a:off x="3418181" y="3540641"/>
             <a:ext cx="236048" cy="173380"/>
           </a:xfrm>
           <a:prstGeom prst="flowChartDecision">
@@ -4207,7 +4207,7 @@
         </p:nvCxnSpPr>
         <p:spPr>
           <a:xfrm>
-            <a:off x="3756961" y="2941531"/>
+            <a:off x="3654229" y="3627331"/>
             <a:ext cx="292915" cy="1923"/>
           </a:xfrm>
           <a:prstGeom prst="bentConnector3">
@@ -4245,7 +4245,7 @@
         </p:nvSpPr>
         <p:spPr>
           <a:xfrm>
-            <a:off x="5601344" y="2764706"/>
+            <a:off x="5498612" y="3450506"/>
             <a:ext cx="708186" cy="346760"/>
           </a:xfrm>
           <a:prstGeom prst="rect">
@@ -4301,7 +4301,7 @@
         </p:nvSpPr>
         <p:spPr>
           <a:xfrm>
-            <a:off x="5206127" y="2847705"/>
+            <a:off x="5103395" y="3533505"/>
             <a:ext cx="236048" cy="173380"/>
           </a:xfrm>
           <a:prstGeom prst="flowChartDecision">
@@ -4350,7 +4350,7 @@
         </p:nvCxnSpPr>
         <p:spPr>
           <a:xfrm>
-            <a:off x="5442175" y="2934395"/>
+            <a:off x="5339443" y="3620195"/>
             <a:ext cx="159169" cy="3691"/>
           </a:xfrm>
           <a:prstGeom prst="bentConnector3">
@@ -4388,7 +4388,7 @@
         </p:nvSpPr>
         <p:spPr>
           <a:xfrm rot="16200000">
-            <a:off x="5650553" y="3492945"/>
+            <a:off x="5547821" y="4178745"/>
             <a:ext cx="881018" cy="261610"/>
           </a:xfrm>
           <a:prstGeom prst="rect">
@@ -4427,7 +4427,7 @@
         </p:nvSpPr>
         <p:spPr>
           <a:xfrm>
-            <a:off x="1345068" y="4146131"/>
+            <a:off x="1242336" y="4831931"/>
             <a:ext cx="1066800" cy="346760"/>
           </a:xfrm>
           <a:prstGeom prst="rect">
@@ -4501,7 +4501,7 @@
         </p:nvCxnSpPr>
         <p:spPr>
           <a:xfrm rot="16200000" flipH="1">
-            <a:off x="652142" y="3626584"/>
+            <a:off x="549410" y="4312384"/>
             <a:ext cx="831471" cy="554381"/>
           </a:xfrm>
           <a:prstGeom prst="bentConnector2">
@@ -4540,7 +4540,7 @@
         </p:nvSpPr>
         <p:spPr>
           <a:xfrm>
-            <a:off x="3612639" y="2965504"/>
+            <a:off x="3509907" y="3651304"/>
             <a:ext cx="189257" cy="178683"/>
           </a:xfrm>
           <a:prstGeom prst="rect">
@@ -4579,7 +4579,7 @@
         </p:nvSpPr>
         <p:spPr>
           <a:xfrm>
-            <a:off x="5422923" y="3004557"/>
+            <a:off x="5320191" y="3690357"/>
             <a:ext cx="189257" cy="178683"/>
           </a:xfrm>
           <a:prstGeom prst="rect">
@@ -4618,7 +4618,7 @@
         </p:nvSpPr>
         <p:spPr>
           <a:xfrm>
-            <a:off x="1847834" y="2660458"/>
+            <a:off x="1745102" y="3346258"/>
             <a:ext cx="78378" cy="193767"/>
           </a:xfrm>
           <a:prstGeom prst="rect">
@@ -4657,7 +4657,7 @@
         </p:nvSpPr>
         <p:spPr>
           <a:xfrm>
-            <a:off x="1994737" y="3574377"/>
+            <a:off x="1892005" y="4260177"/>
             <a:ext cx="189257" cy="178683"/>
           </a:xfrm>
           <a:prstGeom prst="rect">
@@ -4696,7 +4696,7 @@
         </p:nvSpPr>
         <p:spPr>
           <a:xfrm>
-            <a:off x="5737563" y="3111466"/>
+            <a:off x="5634831" y="3797266"/>
             <a:ext cx="189257" cy="178683"/>
           </a:xfrm>
           <a:prstGeom prst="rect">
@@ -4741,7 +4741,7 @@
         </p:nvSpPr>
         <p:spPr>
           <a:xfrm>
-            <a:off x="4043539" y="2113501"/>
+            <a:off x="3940807" y="2799301"/>
             <a:ext cx="1156969" cy="285783"/>
           </a:xfrm>
           <a:prstGeom prst="rect">
@@ -4807,7 +4807,7 @@
         </p:nvCxnSpPr>
         <p:spPr>
           <a:xfrm rot="5400000" flipH="1" flipV="1">
-            <a:off x="3520848" y="2442814"/>
+            <a:off x="3418116" y="3128614"/>
             <a:ext cx="709111" cy="336271"/>
           </a:xfrm>
           <a:prstGeom prst="bentConnector2">
@@ -4854,7 +4854,7 @@
         </p:nvCxnSpPr>
         <p:spPr>
           <a:xfrm flipV="1">
-            <a:off x="5171947" y="2139646"/>
+            <a:off x="5069215" y="2825446"/>
             <a:ext cx="432916" cy="111294"/>
           </a:xfrm>
           <a:prstGeom prst="bentConnector3">
@@ -4898,7 +4898,7 @@
         </p:nvSpPr>
         <p:spPr>
           <a:xfrm>
-            <a:off x="5604863" y="1966266"/>
+            <a:off x="5502131" y="2652066"/>
             <a:ext cx="708186" cy="346760"/>
           </a:xfrm>
           <a:prstGeom prst="rect">
@@ -4960,7 +4960,7 @@
         </p:nvSpPr>
         <p:spPr>
           <a:xfrm>
-            <a:off x="5422923" y="2184654"/>
+            <a:off x="5320191" y="2870454"/>
             <a:ext cx="189257" cy="178683"/>
           </a:xfrm>
           <a:prstGeom prst="rect">
@@ -5005,7 +5005,7 @@
         </p:nvSpPr>
         <p:spPr>
           <a:xfrm>
-            <a:off x="3654767" y="2079612"/>
+            <a:off x="3552035" y="2765412"/>
             <a:ext cx="189257" cy="178683"/>
           </a:xfrm>
           <a:prstGeom prst="rect">
@@ -5050,7 +5050,7 @@
         </p:nvSpPr>
         <p:spPr>
           <a:xfrm>
-            <a:off x="5198996" y="2168721"/>
+            <a:off x="5096264" y="2854521"/>
             <a:ext cx="236048" cy="173380"/>
           </a:xfrm>
           <a:prstGeom prst="flowChartDecision">
@@ -5099,7 +5099,7 @@
         </p:nvCxnSpPr>
         <p:spPr>
           <a:xfrm rot="5400000">
-            <a:off x="2758303" y="2593993"/>
+            <a:off x="2655571" y="3279793"/>
             <a:ext cx="293825" cy="5938"/>
           </a:xfrm>
           <a:prstGeom prst="bentConnector3">
@@ -5140,7 +5140,7 @@
         </p:nvSpPr>
         <p:spPr>
           <a:xfrm rot="10800000" flipV="1">
-            <a:off x="2766991" y="2292988"/>
+            <a:off x="2664259" y="2978788"/>
             <a:ext cx="282387" cy="157062"/>
           </a:xfrm>
           <a:prstGeom prst="triangle">
@@ -5188,7 +5188,7 @@
         </p:nvSpPr>
         <p:spPr>
           <a:xfrm>
-            <a:off x="465614" y="1904784"/>
+            <a:off x="362882" y="2590584"/>
             <a:ext cx="1443661" cy="364396"/>
           </a:xfrm>
           <a:prstGeom prst="rect">
@@ -5259,7 +5259,7 @@
         </p:nvSpPr>
         <p:spPr>
           <a:xfrm>
-            <a:off x="2374873" y="1904784"/>
+            <a:off x="2272141" y="2590584"/>
             <a:ext cx="1060683" cy="364396"/>
           </a:xfrm>
           <a:prstGeom prst="rect">
@@ -5315,7 +5315,7 @@
         </p:nvSpPr>
         <p:spPr>
           <a:xfrm rot="16200000">
-            <a:off x="1873765" y="1975592"/>
+            <a:off x="1771033" y="2661392"/>
             <a:ext cx="271014" cy="187417"/>
           </a:xfrm>
           <a:prstGeom prst="triangle">
@@ -5370,7 +5370,7 @@
         </p:nvCxnSpPr>
         <p:spPr>
           <a:xfrm>
-            <a:off x="2102981" y="2084161"/>
+            <a:off x="2000249" y="2769961"/>
             <a:ext cx="271892" cy="2821"/>
           </a:xfrm>
           <a:prstGeom prst="bentConnector3">
@@ -5417,7 +5417,7 @@
         </p:nvSpPr>
         <p:spPr>
           <a:xfrm>
-            <a:off x="6984822" y="2465510"/>
+            <a:off x="6882090" y="3151310"/>
             <a:ext cx="708186" cy="285783"/>
           </a:xfrm>
           <a:prstGeom prst="rect">
@@ -5479,7 +5479,7 @@
         </p:nvSpPr>
         <p:spPr>
           <a:xfrm>
-            <a:off x="6306455" y="2853188"/>
+            <a:off x="6203723" y="3538988"/>
             <a:ext cx="236048" cy="173380"/>
           </a:xfrm>
           <a:prstGeom prst="flowChartDecision">
@@ -5536,7 +5536,7 @@
         </p:nvCxnSpPr>
         <p:spPr>
           <a:xfrm flipV="1">
-            <a:off x="6542503" y="2608402"/>
+            <a:off x="6439771" y="3294202"/>
             <a:ext cx="442319" cy="331476"/>
           </a:xfrm>
           <a:prstGeom prst="bentConnector3">
@@ -5580,7 +5580,7 @@
         </p:nvSpPr>
         <p:spPr>
           <a:xfrm>
-            <a:off x="6984822" y="2788488"/>
+            <a:off x="6882090" y="3474288"/>
             <a:ext cx="708186" cy="285783"/>
           </a:xfrm>
           <a:prstGeom prst="rect">
@@ -5645,7 +5645,7 @@
         </p:nvCxnSpPr>
         <p:spPr>
           <a:xfrm flipV="1">
-            <a:off x="6542503" y="2931380"/>
+            <a:off x="6439771" y="3617180"/>
             <a:ext cx="442319" cy="8498"/>
           </a:xfrm>
           <a:prstGeom prst="bentConnector3">
@@ -5689,7 +5689,7 @@
         </p:nvSpPr>
         <p:spPr>
           <a:xfrm>
-            <a:off x="6984822" y="3111466"/>
+            <a:off x="6882090" y="3797266"/>
             <a:ext cx="708186" cy="285783"/>
           </a:xfrm>
           <a:prstGeom prst="rect">
@@ -5754,7 +5754,7 @@
         </p:nvCxnSpPr>
         <p:spPr>
           <a:xfrm>
-            <a:off x="6542503" y="2939878"/>
+            <a:off x="6439771" y="3625678"/>
             <a:ext cx="442319" cy="314480"/>
           </a:xfrm>
           <a:prstGeom prst="bentConnector3">
@@ -5798,7 +5798,7 @@
         </p:nvSpPr>
         <p:spPr>
           <a:xfrm>
-            <a:off x="6984822" y="3434443"/>
+            <a:off x="6882090" y="4120243"/>
             <a:ext cx="708186" cy="285783"/>
           </a:xfrm>
           <a:prstGeom prst="rect">
@@ -5863,7 +5863,7 @@
         </p:nvCxnSpPr>
         <p:spPr>
           <a:xfrm>
-            <a:off x="6542503" y="2939878"/>
+            <a:off x="6439771" y="3625678"/>
             <a:ext cx="442319" cy="637457"/>
           </a:xfrm>
           <a:prstGeom prst="bentConnector3">
@@ -5907,7 +5907,7 @@
         </p:nvSpPr>
         <p:spPr>
           <a:xfrm>
-            <a:off x="6981036" y="3757420"/>
+            <a:off x="6878304" y="4443220"/>
             <a:ext cx="708186" cy="285783"/>
           </a:xfrm>
           <a:prstGeom prst="rect">
@@ -5973,7 +5973,7 @@
         </p:nvCxnSpPr>
         <p:spPr>
           <a:xfrm>
-            <a:off x="6542503" y="2939878"/>
+            <a:off x="6439771" y="3625678"/>
             <a:ext cx="438533" cy="960434"/>
           </a:xfrm>
           <a:prstGeom prst="bentConnector3">
@@ -6019,7 +6019,7 @@
         </p:nvSpPr>
         <p:spPr>
           <a:xfrm>
-            <a:off x="6761769" y="4231787"/>
+            <a:off x="6659037" y="4917587"/>
             <a:ext cx="189257" cy="178683"/>
           </a:xfrm>
           <a:prstGeom prst="rect">
@@ -6064,7 +6064,7 @@
         </p:nvSpPr>
         <p:spPr>
           <a:xfrm>
-            <a:off x="6981036" y="4080397"/>
+            <a:off x="6878304" y="4766197"/>
             <a:ext cx="708186" cy="285783"/>
           </a:xfrm>
           <a:prstGeom prst="rect">
@@ -6130,7 +6130,7 @@
         </p:nvCxnSpPr>
         <p:spPr>
           <a:xfrm>
-            <a:off x="6542503" y="2939878"/>
+            <a:off x="6439771" y="3625678"/>
             <a:ext cx="438533" cy="1283411"/>
           </a:xfrm>
           <a:prstGeom prst="bentConnector3">
@@ -6162,12 +6162,61 @@
           </a:fontRef>
         </p:style>
       </p:cxnSp>
-      <p:sp>
-        <p:nvSpPr>
-          <p:cNvPr id="110" name="Rectangle 8">
+      <p:cxnSp>
+        <p:nvCxnSpPr>
+          <p:cNvPr id="111" name="Elbow Connector 85">
             <a:extLst>
               <a:ext uri="{FF2B5EF4-FFF2-40B4-BE49-F238E27FC236}">
-                <a16:creationId xmlns:a16="http://schemas.microsoft.com/office/drawing/2014/main" id="{9B03F6C4-8967-4E9C-BE36-4BF33BF0922F}"/>
+                <a16:creationId xmlns:a16="http://schemas.microsoft.com/office/drawing/2014/main" id="{47D42322-0BDB-4AC2-A8B5-85DF76750308}"/>
+              </a:ext>
+            </a:extLst>
+          </p:cNvPr>
+          <p:cNvCxnSpPr>
+            <a:cxnSpLocks/>
+            <a:stCxn id="96" idx="3"/>
+          </p:cNvCxnSpPr>
+          <p:nvPr/>
+        </p:nvCxnSpPr>
+        <p:spPr>
+          <a:xfrm>
+            <a:off x="6439771" y="3625678"/>
+            <a:ext cx="438533" cy="1611595"/>
+          </a:xfrm>
+          <a:prstGeom prst="bentConnector3">
+            <a:avLst>
+              <a:gd name="adj1" fmla="val 50000"/>
+            </a:avLst>
+          </a:prstGeom>
+          <a:ln w="19050">
+            <a:solidFill>
+              <a:srgbClr val="7030A0"/>
+            </a:solidFill>
+            <a:headEnd type="none" w="med" len="med"/>
+            <a:tailEnd type="arrow" w="med" len="med"/>
+          </a:ln>
+          <a:effectLst/>
+        </p:spPr>
+        <p:style>
+          <a:lnRef idx="1">
+            <a:schemeClr val="accent2"/>
+          </a:lnRef>
+          <a:fillRef idx="2">
+            <a:schemeClr val="accent2"/>
+          </a:fillRef>
+          <a:effectRef idx="1">
+            <a:schemeClr val="accent2"/>
+          </a:effectRef>
+          <a:fontRef idx="minor">
+            <a:schemeClr val="dk1"/>
+          </a:fontRef>
+        </p:style>
+      </p:cxnSp>
+      <p:sp>
+        <p:nvSpPr>
+          <p:cNvPr id="116" name="Rectangle 8">
+            <a:extLst>
+              <a:ext uri="{FF2B5EF4-FFF2-40B4-BE49-F238E27FC236}">
+                <a16:creationId xmlns:a16="http://schemas.microsoft.com/office/drawing/2014/main" id="{FF7759CD-5658-4C0B-88CC-6486C1D6127B}"/>
               </a:ext>
             </a:extLst>
           </p:cNvPr>
@@ -6176,7 +6225,7 @@
         </p:nvSpPr>
         <p:spPr>
           <a:xfrm>
-            <a:off x="6981036" y="4408581"/>
+            <a:off x="6887677" y="1405322"/>
             <a:ext cx="708186" cy="285783"/>
           </a:xfrm>
           <a:prstGeom prst="rect">
@@ -6209,118 +6258,6 @@
           <a:p>
             <a:pPr algn="ctr"/>
             <a:r>
-              <a:rPr lang="en-US" sz="800" dirty="0">
-                <a:solidFill>
-                  <a:srgbClr val="7030A0"/>
-                </a:solidFill>
-              </a:rPr>
-              <a:t>&lt;&lt;Map&gt;&gt; String, Mark</a:t>
-            </a:r>
-            <a:endParaRPr lang="en-SG" sz="800" dirty="0">
-              <a:solidFill>
-                <a:srgbClr val="7030A0"/>
-              </a:solidFill>
-            </a:endParaRPr>
-          </a:p>
-        </p:txBody>
-      </p:sp>
-      <p:cxnSp>
-        <p:nvCxnSpPr>
-          <p:cNvPr id="111" name="Elbow Connector 85">
-            <a:extLst>
-              <a:ext uri="{FF2B5EF4-FFF2-40B4-BE49-F238E27FC236}">
-                <a16:creationId xmlns:a16="http://schemas.microsoft.com/office/drawing/2014/main" id="{47D42322-0BDB-4AC2-A8B5-85DF76750308}"/>
-              </a:ext>
-            </a:extLst>
-          </p:cNvPr>
-          <p:cNvCxnSpPr>
-            <a:cxnSpLocks/>
-            <a:stCxn id="96" idx="3"/>
-            <a:endCxn id="110" idx="1"/>
-          </p:cNvCxnSpPr>
-          <p:nvPr/>
-        </p:nvCxnSpPr>
-        <p:spPr>
-          <a:xfrm>
-            <a:off x="6542503" y="2939878"/>
-            <a:ext cx="438533" cy="1611595"/>
-          </a:xfrm>
-          <a:prstGeom prst="bentConnector3">
-            <a:avLst>
-              <a:gd name="adj1" fmla="val 50000"/>
-            </a:avLst>
-          </a:prstGeom>
-          <a:ln w="19050">
-            <a:solidFill>
-              <a:srgbClr val="7030A0"/>
-            </a:solidFill>
-            <a:headEnd type="none" w="med" len="med"/>
-            <a:tailEnd type="arrow" w="med" len="med"/>
-          </a:ln>
-          <a:effectLst/>
-        </p:spPr>
-        <p:style>
-          <a:lnRef idx="1">
-            <a:schemeClr val="accent2"/>
-          </a:lnRef>
-          <a:fillRef idx="2">
-            <a:schemeClr val="accent2"/>
-          </a:fillRef>
-          <a:effectRef idx="1">
-            <a:schemeClr val="accent2"/>
-          </a:effectRef>
-          <a:fontRef idx="minor">
-            <a:schemeClr val="dk1"/>
-          </a:fontRef>
-        </p:style>
-      </p:cxnSp>
-      <p:sp>
-        <p:nvSpPr>
-          <p:cNvPr id="116" name="Rectangle 8">
-            <a:extLst>
-              <a:ext uri="{FF2B5EF4-FFF2-40B4-BE49-F238E27FC236}">
-                <a16:creationId xmlns:a16="http://schemas.microsoft.com/office/drawing/2014/main" id="{FF7759CD-5658-4C0B-88CC-6486C1D6127B}"/>
-              </a:ext>
-            </a:extLst>
-          </p:cNvPr>
-          <p:cNvSpPr/>
-          <p:nvPr/>
-        </p:nvSpPr>
-        <p:spPr>
-          <a:xfrm>
-            <a:off x="6990409" y="719522"/>
-            <a:ext cx="708186" cy="285783"/>
-          </a:xfrm>
-          <a:prstGeom prst="rect">
-            <a:avLst/>
-          </a:prstGeom>
-          <a:ln w="19050">
-            <a:solidFill>
-              <a:srgbClr val="7030A0"/>
-            </a:solidFill>
-          </a:ln>
-          <a:effectLst/>
-        </p:spPr>
-        <p:style>
-          <a:lnRef idx="1">
-            <a:schemeClr val="accent4"/>
-          </a:lnRef>
-          <a:fillRef idx="2">
-            <a:schemeClr val="accent4"/>
-          </a:fillRef>
-          <a:effectRef idx="1">
-            <a:schemeClr val="accent4"/>
-          </a:effectRef>
-          <a:fontRef idx="minor">
-            <a:schemeClr val="dk1"/>
-          </a:fontRef>
-        </p:style>
-        <p:txBody>
-          <a:bodyPr rtlCol="0" anchor="ctr"/>
-          <a:lstStyle/>
-          <a:p>
-            <a:pPr algn="ctr"/>
-            <a:r>
               <a:rPr lang="en-US" sz="1050" dirty="0">
                 <a:solidFill>
                   <a:srgbClr val="7030A0"/>
@@ -6350,7 +6287,7 @@
         </p:nvSpPr>
         <p:spPr>
           <a:xfrm>
-            <a:off x="6327778" y="2068302"/>
+            <a:off x="6225046" y="2754102"/>
             <a:ext cx="236048" cy="173380"/>
           </a:xfrm>
           <a:prstGeom prst="flowChartDecision">
@@ -6407,7 +6344,7 @@
         </p:nvCxnSpPr>
         <p:spPr>
           <a:xfrm flipV="1">
-            <a:off x="6563826" y="862414"/>
+            <a:off x="6461094" y="1548214"/>
             <a:ext cx="426583" cy="1292578"/>
           </a:xfrm>
           <a:prstGeom prst="bentConnector3">
@@ -6451,7 +6388,7 @@
         </p:nvSpPr>
         <p:spPr>
           <a:xfrm>
-            <a:off x="6990409" y="1042500"/>
+            <a:off x="6887677" y="1728300"/>
             <a:ext cx="708186" cy="285783"/>
           </a:xfrm>
           <a:prstGeom prst="rect">
@@ -6516,7 +6453,7 @@
         </p:nvCxnSpPr>
         <p:spPr>
           <a:xfrm flipV="1">
-            <a:off x="6563826" y="1185392"/>
+            <a:off x="6461094" y="1871192"/>
             <a:ext cx="426583" cy="969600"/>
           </a:xfrm>
           <a:prstGeom prst="bentConnector3">
@@ -6560,7 +6497,7 @@
         </p:nvSpPr>
         <p:spPr>
           <a:xfrm>
-            <a:off x="6990409" y="1365478"/>
+            <a:off x="6887677" y="2051278"/>
             <a:ext cx="708186" cy="285783"/>
           </a:xfrm>
           <a:prstGeom prst="rect">
@@ -6625,7 +6562,7 @@
         </p:nvCxnSpPr>
         <p:spPr>
           <a:xfrm flipV="1">
-            <a:off x="6563826" y="1508370"/>
+            <a:off x="6461094" y="2194170"/>
             <a:ext cx="426583" cy="646622"/>
           </a:xfrm>
           <a:prstGeom prst="bentConnector3">
@@ -6669,7 +6606,7 @@
         </p:nvSpPr>
         <p:spPr>
           <a:xfrm>
-            <a:off x="6990409" y="1688455"/>
+            <a:off x="6887677" y="2374255"/>
             <a:ext cx="708186" cy="285783"/>
           </a:xfrm>
           <a:prstGeom prst="rect">
@@ -6734,7 +6671,7 @@
         </p:nvCxnSpPr>
         <p:spPr>
           <a:xfrm flipV="1">
-            <a:off x="6563826" y="1831347"/>
+            <a:off x="6461094" y="2517147"/>
             <a:ext cx="426583" cy="323645"/>
           </a:xfrm>
           <a:prstGeom prst="bentConnector3">
@@ -6778,7 +6715,7 @@
         </p:nvSpPr>
         <p:spPr>
           <a:xfrm>
-            <a:off x="6990409" y="2012101"/>
+            <a:off x="6887677" y="2697901"/>
             <a:ext cx="708186" cy="285783"/>
           </a:xfrm>
           <a:prstGeom prst="rect">
@@ -6844,7 +6781,7 @@
         </p:nvCxnSpPr>
         <p:spPr>
           <a:xfrm>
-            <a:off x="6563826" y="2154992"/>
+            <a:off x="6461094" y="2840792"/>
             <a:ext cx="426583" cy="1"/>
           </a:xfrm>
           <a:prstGeom prst="bentConnector3">
@@ -6878,29 +6815,26 @@
       </p:cxnSp>
       <p:cxnSp>
         <p:nvCxnSpPr>
-          <p:cNvPr id="145" name="Elbow Connector 85">
+          <p:cNvPr id="79" name="Elbow Connector 78">
             <a:extLst>
               <a:ext uri="{FF2B5EF4-FFF2-40B4-BE49-F238E27FC236}">
-                <a16:creationId xmlns:a16="http://schemas.microsoft.com/office/drawing/2014/main" id="{442574AE-2B20-4EAA-A346-7635CCF18566}"/>
+                <a16:creationId xmlns:a16="http://schemas.microsoft.com/office/drawing/2014/main" id="{F0B38BD1-0419-E741-8137-C2B4D26881F8}"/>
               </a:ext>
             </a:extLst>
           </p:cNvPr>
           <p:cNvCxnSpPr>
             <a:cxnSpLocks/>
-            <a:stCxn id="110" idx="3"/>
-            <a:endCxn id="130" idx="3"/>
+            <a:endCxn id="81" idx="1"/>
           </p:cNvCxnSpPr>
           <p:nvPr/>
         </p:nvCxnSpPr>
         <p:spPr>
-          <a:xfrm flipV="1">
-            <a:off x="7689222" y="2154993"/>
-            <a:ext cx="9373" cy="2396480"/>
-          </a:xfrm>
-          <a:prstGeom prst="bentConnector3">
-            <a:avLst>
-              <a:gd name="adj1" fmla="val 2538920"/>
-            </a:avLst>
+          <a:xfrm rot="5400000" flipH="1" flipV="1">
+            <a:off x="2919161" y="1961522"/>
+            <a:ext cx="1715158" cy="339372"/>
+          </a:xfrm>
+          <a:prstGeom prst="bentConnector2">
+            <a:avLst/>
           </a:prstGeom>
           <a:ln w="19050">
             <a:solidFill>
@@ -6928,10 +6862,55 @@
       </p:cxnSp>
       <p:sp>
         <p:nvSpPr>
-          <p:cNvPr id="148" name="Rectangle 8">
+          <p:cNvPr id="80" name="TextBox 79">
             <a:extLst>
               <a:ext uri="{FF2B5EF4-FFF2-40B4-BE49-F238E27FC236}">
-                <a16:creationId xmlns:a16="http://schemas.microsoft.com/office/drawing/2014/main" id="{30B75203-62A7-48A4-B47A-52E150261A54}"/>
+                <a16:creationId xmlns:a16="http://schemas.microsoft.com/office/drawing/2014/main" id="{36FB98B8-354C-E547-936B-3C5BB8B99B37}"/>
+              </a:ext>
+            </a:extLst>
+          </p:cNvPr>
+          <p:cNvSpPr txBox="1"/>
+          <p:nvPr/>
+        </p:nvSpPr>
+        <p:spPr>
+          <a:xfrm>
+            <a:off x="3418181" y="1125469"/>
+            <a:ext cx="189257" cy="178683"/>
+          </a:xfrm>
+          <a:prstGeom prst="rect">
+            <a:avLst/>
+          </a:prstGeom>
+          <a:noFill/>
+        </p:spPr>
+        <p:txBody>
+          <a:bodyPr wrap="square" lIns="0" tIns="0" rIns="0" bIns="0" rtlCol="0">
+            <a:noAutofit/>
+          </a:bodyPr>
+          <a:lstStyle/>
+          <a:p>
+            <a:pPr algn="ctr"/>
+            <a:r>
+              <a:rPr lang="en-US" sz="1100" dirty="0">
+                <a:solidFill>
+                  <a:srgbClr val="7030A0"/>
+                </a:solidFill>
+              </a:rPr>
+              <a:t>1</a:t>
+            </a:r>
+            <a:endParaRPr lang="en-SG" sz="1100" dirty="0">
+              <a:solidFill>
+                <a:srgbClr val="7030A0"/>
+              </a:solidFill>
+            </a:endParaRPr>
+          </a:p>
+        </p:txBody>
+      </p:sp>
+      <p:sp>
+        <p:nvSpPr>
+          <p:cNvPr id="81" name="Rectangle 8">
+            <a:extLst>
+              <a:ext uri="{FF2B5EF4-FFF2-40B4-BE49-F238E27FC236}">
+                <a16:creationId xmlns:a16="http://schemas.microsoft.com/office/drawing/2014/main" id="{55B20117-8130-B44C-BC39-355E72C07BA5}"/>
               </a:ext>
             </a:extLst>
           </p:cNvPr>
@@ -6940,8 +6919,8 @@
         </p:nvSpPr>
         <p:spPr>
           <a:xfrm>
-            <a:off x="8058291" y="4408580"/>
-            <a:ext cx="708186" cy="285783"/>
+            <a:off x="3946426" y="1130737"/>
+            <a:ext cx="1156969" cy="285783"/>
           </a:xfrm>
           <a:prstGeom prst="rect">
             <a:avLst/>
@@ -6973,14 +6952,14 @@
           <a:p>
             <a:pPr algn="ctr"/>
             <a:r>
-              <a:rPr lang="en-US" sz="1050" dirty="0">
+              <a:rPr lang="en-US" sz="800" dirty="0" err="1">
                 <a:solidFill>
                   <a:srgbClr val="7030A0"/>
                 </a:solidFill>
               </a:rPr>
-              <a:t>Mark</a:t>
-            </a:r>
-            <a:endParaRPr lang="en-SG" sz="1050" dirty="0">
+              <a:t>UniqueAssignmentList</a:t>
+            </a:r>
+            <a:endParaRPr lang="en-SG" sz="800" dirty="0">
               <a:solidFill>
                 <a:srgbClr val="7030A0"/>
               </a:solidFill>
@@ -6990,29 +6969,26 @@
       </p:sp>
       <p:cxnSp>
         <p:nvCxnSpPr>
-          <p:cNvPr id="149" name="Elbow Connector 85">
+          <p:cNvPr id="86" name="Elbow Connector 63">
             <a:extLst>
               <a:ext uri="{FF2B5EF4-FFF2-40B4-BE49-F238E27FC236}">
-                <a16:creationId xmlns:a16="http://schemas.microsoft.com/office/drawing/2014/main" id="{6BCC4F5D-C168-4010-8DC8-9B1F98AE6D1B}"/>
+                <a16:creationId xmlns:a16="http://schemas.microsoft.com/office/drawing/2014/main" id="{D7349BDE-276C-B84A-856C-DD8E7A239DFA}"/>
               </a:ext>
             </a:extLst>
           </p:cNvPr>
           <p:cNvCxnSpPr>
             <a:cxnSpLocks/>
-            <a:stCxn id="110" idx="3"/>
-            <a:endCxn id="148" idx="1"/>
+            <a:endCxn id="87" idx="1"/>
           </p:cNvCxnSpPr>
           <p:nvPr/>
         </p:nvCxnSpPr>
         <p:spPr>
           <a:xfrm flipV="1">
-            <a:off x="7689222" y="4551472"/>
-            <a:ext cx="369069" cy="1"/>
+            <a:off x="5070516" y="1125469"/>
+            <a:ext cx="432916" cy="111294"/>
           </a:xfrm>
           <a:prstGeom prst="bentConnector3">
-            <a:avLst>
-              <a:gd name="adj1" fmla="val 50000"/>
-            </a:avLst>
+            <a:avLst/>
           </a:prstGeom>
           <a:ln w="19050">
             <a:solidFill>
@@ -7040,10 +7016,399 @@
       </p:cxnSp>
       <p:sp>
         <p:nvSpPr>
-          <p:cNvPr id="152" name="TextBox 151">
+          <p:cNvPr id="87" name="Rectangle 8">
             <a:extLst>
               <a:ext uri="{FF2B5EF4-FFF2-40B4-BE49-F238E27FC236}">
-                <a16:creationId xmlns:a16="http://schemas.microsoft.com/office/drawing/2014/main" id="{37A29652-75BB-489C-BAE0-8C50B2D344D9}"/>
+                <a16:creationId xmlns:a16="http://schemas.microsoft.com/office/drawing/2014/main" id="{0AA58BE7-6048-0E4E-A3DB-304F197E6C04}"/>
+              </a:ext>
+            </a:extLst>
+          </p:cNvPr>
+          <p:cNvSpPr/>
+          <p:nvPr/>
+        </p:nvSpPr>
+        <p:spPr>
+          <a:xfrm>
+            <a:off x="5503432" y="952089"/>
+            <a:ext cx="708186" cy="346760"/>
+          </a:xfrm>
+          <a:prstGeom prst="rect">
+            <a:avLst/>
+          </a:prstGeom>
+          <a:ln w="19050">
+            <a:solidFill>
+              <a:srgbClr val="7030A0"/>
+            </a:solidFill>
+          </a:ln>
+          <a:effectLst/>
+        </p:spPr>
+        <p:style>
+          <a:lnRef idx="1">
+            <a:schemeClr val="accent4"/>
+          </a:lnRef>
+          <a:fillRef idx="2">
+            <a:schemeClr val="accent4"/>
+          </a:fillRef>
+          <a:effectRef idx="1">
+            <a:schemeClr val="accent4"/>
+          </a:effectRef>
+          <a:fontRef idx="minor">
+            <a:schemeClr val="dk1"/>
+          </a:fontRef>
+        </p:style>
+        <p:txBody>
+          <a:bodyPr rtlCol="0" anchor="ctr"/>
+          <a:lstStyle/>
+          <a:p>
+            <a:pPr algn="ctr"/>
+            <a:r>
+              <a:rPr lang="en-US" sz="800" dirty="0">
+                <a:solidFill>
+                  <a:srgbClr val="7030A0"/>
+                </a:solidFill>
+              </a:rPr>
+              <a:t>Attendance</a:t>
+            </a:r>
+            <a:endParaRPr lang="en-SG" sz="1050" dirty="0">
+              <a:solidFill>
+                <a:srgbClr val="7030A0"/>
+              </a:solidFill>
+            </a:endParaRPr>
+          </a:p>
+        </p:txBody>
+      </p:sp>
+      <p:sp>
+        <p:nvSpPr>
+          <p:cNvPr id="88" name="Flowchart: Decision 96">
+            <a:extLst>
+              <a:ext uri="{FF2B5EF4-FFF2-40B4-BE49-F238E27FC236}">
+                <a16:creationId xmlns:a16="http://schemas.microsoft.com/office/drawing/2014/main" id="{D5A6FF31-EF79-FF44-8F7B-59A14A6EB223}"/>
+              </a:ext>
+            </a:extLst>
+          </p:cNvPr>
+          <p:cNvSpPr/>
+          <p:nvPr/>
+        </p:nvSpPr>
+        <p:spPr>
+          <a:xfrm>
+            <a:off x="5097565" y="1154544"/>
+            <a:ext cx="236048" cy="173380"/>
+          </a:xfrm>
+          <a:prstGeom prst="flowChartDecision">
+            <a:avLst/>
+          </a:prstGeom>
+          <a:solidFill>
+            <a:srgbClr val="7030A0"/>
+          </a:solidFill>
+          <a:ln w="19050">
+            <a:solidFill>
+              <a:srgbClr val="7030A0"/>
+            </a:solidFill>
+          </a:ln>
+          <a:effectLst/>
+        </p:spPr>
+        <p:style>
+          <a:lnRef idx="1">
+            <a:schemeClr val="accent6"/>
+          </a:lnRef>
+          <a:fillRef idx="2">
+            <a:schemeClr val="accent6"/>
+          </a:fillRef>
+          <a:effectRef idx="1">
+            <a:schemeClr val="accent6"/>
+          </a:effectRef>
+          <a:fontRef idx="minor">
+            <a:schemeClr val="dk1"/>
+          </a:fontRef>
+        </p:style>
+        <p:txBody>
+          <a:bodyPr rtlCol="0" anchor="ctr"/>
+          <a:lstStyle/>
+          <a:p>
+            <a:pPr algn="ctr"/>
+            <a:endParaRPr lang="en-US" sz="1050"/>
+          </a:p>
+        </p:txBody>
+      </p:sp>
+      <p:sp>
+        <p:nvSpPr>
+          <p:cNvPr id="112" name="Flowchart: Decision 96">
+            <a:extLst>
+              <a:ext uri="{FF2B5EF4-FFF2-40B4-BE49-F238E27FC236}">
+                <a16:creationId xmlns:a16="http://schemas.microsoft.com/office/drawing/2014/main" id="{82AA1037-5A6F-7343-804A-12C82C4B9900}"/>
+              </a:ext>
+            </a:extLst>
+          </p:cNvPr>
+          <p:cNvSpPr/>
+          <p:nvPr/>
+        </p:nvSpPr>
+        <p:spPr>
+          <a:xfrm>
+            <a:off x="6225046" y="1002835"/>
+            <a:ext cx="236048" cy="173380"/>
+          </a:xfrm>
+          <a:prstGeom prst="flowChartDecision">
+            <a:avLst/>
+          </a:prstGeom>
+          <a:solidFill>
+            <a:srgbClr val="7030A0"/>
+          </a:solidFill>
+          <a:ln w="19050">
+            <a:solidFill>
+              <a:srgbClr val="7030A0"/>
+            </a:solidFill>
+          </a:ln>
+          <a:effectLst/>
+        </p:spPr>
+        <p:style>
+          <a:lnRef idx="1">
+            <a:schemeClr val="accent6"/>
+          </a:lnRef>
+          <a:fillRef idx="2">
+            <a:schemeClr val="accent6"/>
+          </a:fillRef>
+          <a:effectRef idx="1">
+            <a:schemeClr val="accent6"/>
+          </a:effectRef>
+          <a:fontRef idx="minor">
+            <a:schemeClr val="dk1"/>
+          </a:fontRef>
+        </p:style>
+        <p:txBody>
+          <a:bodyPr rtlCol="0" anchor="ctr"/>
+          <a:lstStyle/>
+          <a:p>
+            <a:pPr algn="ctr"/>
+            <a:endParaRPr lang="en-US" sz="1050" dirty="0"/>
+          </a:p>
+        </p:txBody>
+      </p:sp>
+      <p:sp>
+        <p:nvSpPr>
+          <p:cNvPr id="113" name="Rectangle 8">
+            <a:extLst>
+              <a:ext uri="{FF2B5EF4-FFF2-40B4-BE49-F238E27FC236}">
+                <a16:creationId xmlns:a16="http://schemas.microsoft.com/office/drawing/2014/main" id="{43FA5385-30A7-2C4E-99A4-D61C65B875E8}"/>
+              </a:ext>
+            </a:extLst>
+          </p:cNvPr>
+          <p:cNvSpPr/>
+          <p:nvPr/>
+        </p:nvSpPr>
+        <p:spPr>
+          <a:xfrm>
+            <a:off x="6887677" y="622988"/>
+            <a:ext cx="708186" cy="285783"/>
+          </a:xfrm>
+          <a:prstGeom prst="rect">
+            <a:avLst/>
+          </a:prstGeom>
+          <a:ln w="19050">
+            <a:solidFill>
+              <a:srgbClr val="7030A0"/>
+            </a:solidFill>
+          </a:ln>
+          <a:effectLst/>
+        </p:spPr>
+        <p:style>
+          <a:lnRef idx="1">
+            <a:schemeClr val="accent4"/>
+          </a:lnRef>
+          <a:fillRef idx="2">
+            <a:schemeClr val="accent4"/>
+          </a:fillRef>
+          <a:effectRef idx="1">
+            <a:schemeClr val="accent4"/>
+          </a:effectRef>
+          <a:fontRef idx="minor">
+            <a:schemeClr val="dk1"/>
+          </a:fontRef>
+        </p:style>
+        <p:txBody>
+          <a:bodyPr rtlCol="0" anchor="ctr"/>
+          <a:lstStyle/>
+          <a:p>
+            <a:pPr algn="ctr"/>
+            <a:r>
+              <a:rPr lang="en-US" sz="1050" dirty="0">
+                <a:solidFill>
+                  <a:srgbClr val="7030A0"/>
+                </a:solidFill>
+              </a:rPr>
+              <a:t>Deadline</a:t>
+            </a:r>
+            <a:endParaRPr lang="en-SG" sz="1050" dirty="0">
+              <a:solidFill>
+                <a:srgbClr val="7030A0"/>
+              </a:solidFill>
+            </a:endParaRPr>
+          </a:p>
+        </p:txBody>
+      </p:sp>
+      <p:cxnSp>
+        <p:nvCxnSpPr>
+          <p:cNvPr id="115" name="Elbow Connector 85">
+            <a:extLst>
+              <a:ext uri="{FF2B5EF4-FFF2-40B4-BE49-F238E27FC236}">
+                <a16:creationId xmlns:a16="http://schemas.microsoft.com/office/drawing/2014/main" id="{35055857-B792-D842-84A0-5E693A1C5484}"/>
+              </a:ext>
+            </a:extLst>
+          </p:cNvPr>
+          <p:cNvCxnSpPr>
+            <a:stCxn id="112" idx="3"/>
+            <a:endCxn id="113" idx="1"/>
+          </p:cNvCxnSpPr>
+          <p:nvPr/>
+        </p:nvCxnSpPr>
+        <p:spPr>
+          <a:xfrm flipV="1">
+            <a:off x="6461094" y="765880"/>
+            <a:ext cx="426583" cy="323645"/>
+          </a:xfrm>
+          <a:prstGeom prst="bentConnector3">
+            <a:avLst/>
+          </a:prstGeom>
+          <a:ln w="19050">
+            <a:solidFill>
+              <a:srgbClr val="7030A0"/>
+            </a:solidFill>
+            <a:headEnd type="none" w="med" len="med"/>
+            <a:tailEnd type="arrow" w="med" len="med"/>
+          </a:ln>
+          <a:effectLst/>
+        </p:spPr>
+        <p:style>
+          <a:lnRef idx="1">
+            <a:schemeClr val="accent2"/>
+          </a:lnRef>
+          <a:fillRef idx="2">
+            <a:schemeClr val="accent2"/>
+          </a:fillRef>
+          <a:effectRef idx="1">
+            <a:schemeClr val="accent2"/>
+          </a:effectRef>
+          <a:fontRef idx="minor">
+            <a:schemeClr val="dk1"/>
+          </a:fontRef>
+        </p:style>
+      </p:cxnSp>
+      <p:sp>
+        <p:nvSpPr>
+          <p:cNvPr id="132" name="Rectangle 8">
+            <a:extLst>
+              <a:ext uri="{FF2B5EF4-FFF2-40B4-BE49-F238E27FC236}">
+                <a16:creationId xmlns:a16="http://schemas.microsoft.com/office/drawing/2014/main" id="{9618CFFC-AD7F-8043-A28A-8D79EB6D6B95}"/>
+              </a:ext>
+            </a:extLst>
+          </p:cNvPr>
+          <p:cNvSpPr/>
+          <p:nvPr/>
+        </p:nvSpPr>
+        <p:spPr>
+          <a:xfrm>
+            <a:off x="6887677" y="946634"/>
+            <a:ext cx="708186" cy="285783"/>
+          </a:xfrm>
+          <a:prstGeom prst="rect">
+            <a:avLst/>
+          </a:prstGeom>
+          <a:ln w="19050">
+            <a:solidFill>
+              <a:srgbClr val="7030A0"/>
+            </a:solidFill>
+          </a:ln>
+          <a:effectLst/>
+        </p:spPr>
+        <p:style>
+          <a:lnRef idx="1">
+            <a:schemeClr val="accent4"/>
+          </a:lnRef>
+          <a:fillRef idx="2">
+            <a:schemeClr val="accent4"/>
+          </a:fillRef>
+          <a:effectRef idx="1">
+            <a:schemeClr val="accent4"/>
+          </a:effectRef>
+          <a:fontRef idx="minor">
+            <a:schemeClr val="dk1"/>
+          </a:fontRef>
+        </p:style>
+        <p:txBody>
+          <a:bodyPr rtlCol="0" anchor="ctr"/>
+          <a:lstStyle/>
+          <a:p>
+            <a:pPr algn="ctr"/>
+            <a:r>
+              <a:rPr lang="en-US" sz="1050" dirty="0">
+                <a:solidFill>
+                  <a:srgbClr val="7030A0"/>
+                </a:solidFill>
+              </a:rPr>
+              <a:t>String</a:t>
+            </a:r>
+            <a:endParaRPr lang="en-SG" sz="1050" dirty="0">
+              <a:solidFill>
+                <a:srgbClr val="7030A0"/>
+              </a:solidFill>
+            </a:endParaRPr>
+          </a:p>
+        </p:txBody>
+      </p:sp>
+      <p:cxnSp>
+        <p:nvCxnSpPr>
+          <p:cNvPr id="133" name="Elbow Connector 85">
+            <a:extLst>
+              <a:ext uri="{FF2B5EF4-FFF2-40B4-BE49-F238E27FC236}">
+                <a16:creationId xmlns:a16="http://schemas.microsoft.com/office/drawing/2014/main" id="{B3FA146A-17B3-2549-B3AC-A7587F8E7A7C}"/>
+              </a:ext>
+            </a:extLst>
+          </p:cNvPr>
+          <p:cNvCxnSpPr>
+            <a:cxnSpLocks/>
+            <a:stCxn id="112" idx="3"/>
+            <a:endCxn id="132" idx="1"/>
+          </p:cNvCxnSpPr>
+          <p:nvPr/>
+        </p:nvCxnSpPr>
+        <p:spPr>
+          <a:xfrm>
+            <a:off x="6461094" y="1089525"/>
+            <a:ext cx="426583" cy="1"/>
+          </a:xfrm>
+          <a:prstGeom prst="bentConnector3">
+            <a:avLst>
+              <a:gd name="adj1" fmla="val 50000"/>
+            </a:avLst>
+          </a:prstGeom>
+          <a:ln w="19050">
+            <a:solidFill>
+              <a:srgbClr val="7030A0"/>
+            </a:solidFill>
+            <a:headEnd type="none" w="med" len="med"/>
+            <a:tailEnd type="arrow" w="med" len="med"/>
+          </a:ln>
+          <a:effectLst/>
+        </p:spPr>
+        <p:style>
+          <a:lnRef idx="1">
+            <a:schemeClr val="accent2"/>
+          </a:lnRef>
+          <a:fillRef idx="2">
+            <a:schemeClr val="accent2"/>
+          </a:fillRef>
+          <a:effectRef idx="1">
+            <a:schemeClr val="accent2"/>
+          </a:effectRef>
+          <a:fontRef idx="minor">
+            <a:schemeClr val="dk1"/>
+          </a:fontRef>
+        </p:style>
+      </p:cxnSp>
+      <p:sp>
+        <p:nvSpPr>
+          <p:cNvPr id="146" name="TextBox 145">
+            <a:extLst>
+              <a:ext uri="{FF2B5EF4-FFF2-40B4-BE49-F238E27FC236}">
+                <a16:creationId xmlns:a16="http://schemas.microsoft.com/office/drawing/2014/main" id="{41AEFFA8-76DD-5B47-B688-AC56FFEFF91F}"/>
               </a:ext>
             </a:extLst>
           </p:cNvPr>
@@ -7052,7 +7417,7 @@
         </p:nvSpPr>
         <p:spPr>
           <a:xfrm>
-            <a:off x="7679049" y="2190646"/>
+            <a:off x="6670220" y="5247660"/>
             <a:ext cx="189257" cy="178683"/>
           </a:xfrm>
           <a:prstGeom prst="rect">
@@ -7085,10 +7450,72 @@
       </p:sp>
       <p:sp>
         <p:nvSpPr>
-          <p:cNvPr id="153" name="TextBox 152">
+          <p:cNvPr id="150" name="Rectangle 8">
             <a:extLst>
               <a:ext uri="{FF2B5EF4-FFF2-40B4-BE49-F238E27FC236}">
-                <a16:creationId xmlns:a16="http://schemas.microsoft.com/office/drawing/2014/main" id="{524D4CF8-3B5B-4B11-910C-9B0999752467}"/>
+                <a16:creationId xmlns:a16="http://schemas.microsoft.com/office/drawing/2014/main" id="{BFAA1485-76BF-B140-8139-45E29DE3943D}"/>
+              </a:ext>
+            </a:extLst>
+          </p:cNvPr>
+          <p:cNvSpPr/>
+          <p:nvPr/>
+        </p:nvSpPr>
+        <p:spPr>
+          <a:xfrm>
+            <a:off x="6878304" y="5089174"/>
+            <a:ext cx="708186" cy="285783"/>
+          </a:xfrm>
+          <a:prstGeom prst="rect">
+            <a:avLst/>
+          </a:prstGeom>
+          <a:ln w="19050">
+            <a:solidFill>
+              <a:srgbClr val="7030A0"/>
+            </a:solidFill>
+          </a:ln>
+          <a:effectLst/>
+        </p:spPr>
+        <p:style>
+          <a:lnRef idx="1">
+            <a:schemeClr val="accent4"/>
+          </a:lnRef>
+          <a:fillRef idx="2">
+            <a:schemeClr val="accent4"/>
+          </a:fillRef>
+          <a:effectRef idx="1">
+            <a:schemeClr val="accent4"/>
+          </a:effectRef>
+          <a:fontRef idx="minor">
+            <a:schemeClr val="dk1"/>
+          </a:fontRef>
+        </p:style>
+        <p:txBody>
+          <a:bodyPr rtlCol="0" anchor="ctr"/>
+          <a:lstStyle/>
+          <a:p>
+            <a:pPr algn="ctr"/>
+            <a:r>
+              <a:rPr lang="en-US" sz="1050" dirty="0">
+                <a:solidFill>
+                  <a:srgbClr val="7030A0"/>
+                </a:solidFill>
+              </a:rPr>
+              <a:t>Mark</a:t>
+            </a:r>
+            <a:endParaRPr lang="en-SG" sz="1050" dirty="0">
+              <a:solidFill>
+                <a:srgbClr val="7030A0"/>
+              </a:solidFill>
+            </a:endParaRPr>
+          </a:p>
+        </p:txBody>
+      </p:sp>
+      <p:sp>
+        <p:nvSpPr>
+          <p:cNvPr id="155" name="TextBox 154">
+            <a:extLst>
+              <a:ext uri="{FF2B5EF4-FFF2-40B4-BE49-F238E27FC236}">
+                <a16:creationId xmlns:a16="http://schemas.microsoft.com/office/drawing/2014/main" id="{920B0199-1783-F04A-9D2F-88002C3FC544}"/>
               </a:ext>
             </a:extLst>
           </p:cNvPr>
@@ -7097,7 +7524,7 @@
         </p:nvSpPr>
         <p:spPr>
           <a:xfrm>
-            <a:off x="7811743" y="4563584"/>
+            <a:off x="5292984" y="1166523"/>
             <a:ext cx="189257" cy="178683"/>
           </a:xfrm>
           <a:prstGeom prst="rect">

--- a/docs/diagrams/ModelComponentClassDiagram.pptx
+++ b/docs/diagrams/ModelComponentClassDiagram.pptx
@@ -175,7 +175,7 @@
             </a:lvl1pPr>
           </a:lstStyle>
           <a:p>
-            <a:endParaRPr lang="en-US"/>
+            <a:endParaRPr lang="en-US" dirty="0"/>
           </a:p>
         </p:txBody>
       </p:sp>
@@ -210,7 +210,7 @@
               <a:rPr lang="en-US" smtClean="0"/>
               <a:t>10/31/2018</a:t>
             </a:fld>
-            <a:endParaRPr lang="en-US"/>
+            <a:endParaRPr lang="en-US" dirty="0"/>
           </a:p>
         </p:txBody>
       </p:sp>
@@ -243,7 +243,7 @@
           <a:bodyPr vert="horz" lIns="91440" tIns="45720" rIns="91440" bIns="45720" rtlCol="0" anchor="ctr"/>
           <a:lstStyle/>
           <a:p>
-            <a:endParaRPr lang="en-US"/>
+            <a:endParaRPr lang="en-US" dirty="0"/>
           </a:p>
         </p:txBody>
       </p:sp>
@@ -333,7 +333,7 @@
             </a:lvl1pPr>
           </a:lstStyle>
           <a:p>
-            <a:endParaRPr lang="en-US"/>
+            <a:endParaRPr lang="en-US" dirty="0"/>
           </a:p>
         </p:txBody>
       </p:sp>
@@ -368,7 +368,7 @@
               <a:rPr lang="en-US" smtClean="0"/>
               <a:t>‹#›</a:t>
             </a:fld>
-            <a:endParaRPr lang="en-US"/>
+            <a:endParaRPr lang="en-US" dirty="0"/>
           </a:p>
         </p:txBody>
       </p:sp>
@@ -656,7 +656,7 @@
               <a:rPr lang="en-US" smtClean="0"/>
               <a:t>10/31/2018</a:t>
             </a:fld>
-            <a:endParaRPr lang="en-US"/>
+            <a:endParaRPr lang="en-US" dirty="0"/>
           </a:p>
         </p:txBody>
       </p:sp>
@@ -675,7 +675,7 @@
           <a:bodyPr/>
           <a:lstStyle/>
           <a:p>
-            <a:endParaRPr lang="en-US"/>
+            <a:endParaRPr lang="en-US" dirty="0"/>
           </a:p>
         </p:txBody>
       </p:sp>
@@ -698,7 +698,7 @@
               <a:rPr lang="en-US" smtClean="0"/>
               <a:t>‹#›</a:t>
             </a:fld>
-            <a:endParaRPr lang="en-US"/>
+            <a:endParaRPr lang="en-US" dirty="0"/>
           </a:p>
         </p:txBody>
       </p:sp>
@@ -824,7 +824,7 @@
               <a:rPr lang="en-US" smtClean="0"/>
               <a:t>10/31/2018</a:t>
             </a:fld>
-            <a:endParaRPr lang="en-US"/>
+            <a:endParaRPr lang="en-US" dirty="0"/>
           </a:p>
         </p:txBody>
       </p:sp>
@@ -843,7 +843,7 @@
           <a:bodyPr/>
           <a:lstStyle/>
           <a:p>
-            <a:endParaRPr lang="en-US"/>
+            <a:endParaRPr lang="en-US" dirty="0"/>
           </a:p>
         </p:txBody>
       </p:sp>
@@ -866,7 +866,7 @@
               <a:rPr lang="en-US" smtClean="0"/>
               <a:t>‹#›</a:t>
             </a:fld>
-            <a:endParaRPr lang="en-US"/>
+            <a:endParaRPr lang="en-US" dirty="0"/>
           </a:p>
         </p:txBody>
       </p:sp>
@@ -1002,7 +1002,7 @@
               <a:rPr lang="en-US" smtClean="0"/>
               <a:t>10/31/2018</a:t>
             </a:fld>
-            <a:endParaRPr lang="en-US"/>
+            <a:endParaRPr lang="en-US" dirty="0"/>
           </a:p>
         </p:txBody>
       </p:sp>
@@ -1021,7 +1021,7 @@
           <a:bodyPr/>
           <a:lstStyle/>
           <a:p>
-            <a:endParaRPr lang="en-US"/>
+            <a:endParaRPr lang="en-US" dirty="0"/>
           </a:p>
         </p:txBody>
       </p:sp>
@@ -1044,7 +1044,7 @@
               <a:rPr lang="en-US" smtClean="0"/>
               <a:t>‹#›</a:t>
             </a:fld>
-            <a:endParaRPr lang="en-US"/>
+            <a:endParaRPr lang="en-US" dirty="0"/>
           </a:p>
         </p:txBody>
       </p:sp>
@@ -1170,7 +1170,7 @@
               <a:rPr lang="en-US" smtClean="0"/>
               <a:t>10/31/2018</a:t>
             </a:fld>
-            <a:endParaRPr lang="en-US"/>
+            <a:endParaRPr lang="en-US" dirty="0"/>
           </a:p>
         </p:txBody>
       </p:sp>
@@ -1189,7 +1189,7 @@
           <a:bodyPr/>
           <a:lstStyle/>
           <a:p>
-            <a:endParaRPr lang="en-US"/>
+            <a:endParaRPr lang="en-US" dirty="0"/>
           </a:p>
         </p:txBody>
       </p:sp>
@@ -1212,7 +1212,7 @@
               <a:rPr lang="en-US" smtClean="0"/>
               <a:t>‹#›</a:t>
             </a:fld>
-            <a:endParaRPr lang="en-US"/>
+            <a:endParaRPr lang="en-US" dirty="0"/>
           </a:p>
         </p:txBody>
       </p:sp>
@@ -1415,7 +1415,7 @@
               <a:rPr lang="en-US" smtClean="0"/>
               <a:t>10/31/2018</a:t>
             </a:fld>
-            <a:endParaRPr lang="en-US"/>
+            <a:endParaRPr lang="en-US" dirty="0"/>
           </a:p>
         </p:txBody>
       </p:sp>
@@ -1434,7 +1434,7 @@
           <a:bodyPr/>
           <a:lstStyle/>
           <a:p>
-            <a:endParaRPr lang="en-US"/>
+            <a:endParaRPr lang="en-US" dirty="0"/>
           </a:p>
         </p:txBody>
       </p:sp>
@@ -1457,7 +1457,7 @@
               <a:rPr lang="en-US" smtClean="0"/>
               <a:t>‹#›</a:t>
             </a:fld>
-            <a:endParaRPr lang="en-US"/>
+            <a:endParaRPr lang="en-US" dirty="0"/>
           </a:p>
         </p:txBody>
       </p:sp>
@@ -1700,7 +1700,7 @@
               <a:rPr lang="en-US" smtClean="0"/>
               <a:t>10/31/2018</a:t>
             </a:fld>
-            <a:endParaRPr lang="en-US"/>
+            <a:endParaRPr lang="en-US" dirty="0"/>
           </a:p>
         </p:txBody>
       </p:sp>
@@ -1719,7 +1719,7 @@
           <a:bodyPr/>
           <a:lstStyle/>
           <a:p>
-            <a:endParaRPr lang="en-US"/>
+            <a:endParaRPr lang="en-US" dirty="0"/>
           </a:p>
         </p:txBody>
       </p:sp>
@@ -1742,7 +1742,7 @@
               <a:rPr lang="en-US" smtClean="0"/>
               <a:t>‹#›</a:t>
             </a:fld>
-            <a:endParaRPr lang="en-US"/>
+            <a:endParaRPr lang="en-US" dirty="0"/>
           </a:p>
         </p:txBody>
       </p:sp>
@@ -2119,7 +2119,7 @@
               <a:rPr lang="en-US" smtClean="0"/>
               <a:t>10/31/2018</a:t>
             </a:fld>
-            <a:endParaRPr lang="en-US"/>
+            <a:endParaRPr lang="en-US" dirty="0"/>
           </a:p>
         </p:txBody>
       </p:sp>
@@ -2138,7 +2138,7 @@
           <a:bodyPr/>
           <a:lstStyle/>
           <a:p>
-            <a:endParaRPr lang="en-US"/>
+            <a:endParaRPr lang="en-US" dirty="0"/>
           </a:p>
         </p:txBody>
       </p:sp>
@@ -2161,7 +2161,7 @@
               <a:rPr lang="en-US" smtClean="0"/>
               <a:t>‹#›</a:t>
             </a:fld>
-            <a:endParaRPr lang="en-US"/>
+            <a:endParaRPr lang="en-US" dirty="0"/>
           </a:p>
         </p:txBody>
       </p:sp>
@@ -2236,7 +2236,7 @@
               <a:rPr lang="en-US" smtClean="0"/>
               <a:t>10/31/2018</a:t>
             </a:fld>
-            <a:endParaRPr lang="en-US"/>
+            <a:endParaRPr lang="en-US" dirty="0"/>
           </a:p>
         </p:txBody>
       </p:sp>
@@ -2255,7 +2255,7 @@
           <a:bodyPr/>
           <a:lstStyle/>
           <a:p>
-            <a:endParaRPr lang="en-US"/>
+            <a:endParaRPr lang="en-US" dirty="0"/>
           </a:p>
         </p:txBody>
       </p:sp>
@@ -2278,7 +2278,7 @@
               <a:rPr lang="en-US" smtClean="0"/>
               <a:t>‹#›</a:t>
             </a:fld>
-            <a:endParaRPr lang="en-US"/>
+            <a:endParaRPr lang="en-US" dirty="0"/>
           </a:p>
         </p:txBody>
       </p:sp>
@@ -2331,7 +2331,7 @@
               <a:rPr lang="en-US" smtClean="0"/>
               <a:t>10/31/2018</a:t>
             </a:fld>
-            <a:endParaRPr lang="en-US"/>
+            <a:endParaRPr lang="en-US" dirty="0"/>
           </a:p>
         </p:txBody>
       </p:sp>
@@ -2350,7 +2350,7 @@
           <a:bodyPr/>
           <a:lstStyle/>
           <a:p>
-            <a:endParaRPr lang="en-US"/>
+            <a:endParaRPr lang="en-US" dirty="0"/>
           </a:p>
         </p:txBody>
       </p:sp>
@@ -2373,7 +2373,7 @@
               <a:rPr lang="en-US" smtClean="0"/>
               <a:t>‹#›</a:t>
             </a:fld>
-            <a:endParaRPr lang="en-US"/>
+            <a:endParaRPr lang="en-US" dirty="0"/>
           </a:p>
         </p:txBody>
       </p:sp>
@@ -2606,7 +2606,7 @@
               <a:rPr lang="en-US" smtClean="0"/>
               <a:t>10/31/2018</a:t>
             </a:fld>
-            <a:endParaRPr lang="en-US"/>
+            <a:endParaRPr lang="en-US" dirty="0"/>
           </a:p>
         </p:txBody>
       </p:sp>
@@ -2625,7 +2625,7 @@
           <a:bodyPr/>
           <a:lstStyle/>
           <a:p>
-            <a:endParaRPr lang="en-US"/>
+            <a:endParaRPr lang="en-US" dirty="0"/>
           </a:p>
         </p:txBody>
       </p:sp>
@@ -2648,7 +2648,7 @@
               <a:rPr lang="en-US" smtClean="0"/>
               <a:t>‹#›</a:t>
             </a:fld>
-            <a:endParaRPr lang="en-US"/>
+            <a:endParaRPr lang="en-US" dirty="0"/>
           </a:p>
         </p:txBody>
       </p:sp>
@@ -2770,7 +2770,7 @@
             </a:lvl9pPr>
           </a:lstStyle>
           <a:p>
-            <a:endParaRPr lang="en-US"/>
+            <a:endParaRPr lang="en-US" dirty="0"/>
           </a:p>
         </p:txBody>
       </p:sp>
@@ -2858,7 +2858,7 @@
               <a:rPr lang="en-US" smtClean="0"/>
               <a:t>10/31/2018</a:t>
             </a:fld>
-            <a:endParaRPr lang="en-US"/>
+            <a:endParaRPr lang="en-US" dirty="0"/>
           </a:p>
         </p:txBody>
       </p:sp>
@@ -2877,7 +2877,7 @@
           <a:bodyPr/>
           <a:lstStyle/>
           <a:p>
-            <a:endParaRPr lang="en-US"/>
+            <a:endParaRPr lang="en-US" dirty="0"/>
           </a:p>
         </p:txBody>
       </p:sp>
@@ -2900,7 +2900,7 @@
               <a:rPr lang="en-US" smtClean="0"/>
               <a:t>‹#›</a:t>
             </a:fld>
-            <a:endParaRPr lang="en-US"/>
+            <a:endParaRPr lang="en-US" dirty="0"/>
           </a:p>
         </p:txBody>
       </p:sp>
@@ -3069,7 +3069,7 @@
               <a:rPr lang="en-US" smtClean="0"/>
               <a:t>10/31/2018</a:t>
             </a:fld>
-            <a:endParaRPr lang="en-US"/>
+            <a:endParaRPr lang="en-US" dirty="0"/>
           </a:p>
         </p:txBody>
       </p:sp>
@@ -3106,7 +3106,7 @@
             </a:lvl1pPr>
           </a:lstStyle>
           <a:p>
-            <a:endParaRPr lang="en-US"/>
+            <a:endParaRPr lang="en-US" dirty="0"/>
           </a:p>
         </p:txBody>
       </p:sp>
@@ -3147,7 +3147,7 @@
               <a:rPr lang="en-US" smtClean="0"/>
               <a:t>‹#›</a:t>
             </a:fld>
-            <a:endParaRPr lang="en-US"/>
+            <a:endParaRPr lang="en-US" dirty="0"/>
           </a:p>
         </p:txBody>
       </p:sp>
@@ -3547,7 +3547,7 @@
           <a:p>
             <a:pPr algn="ctr"/>
             <a:r>
-              <a:rPr lang="en-US" sz="1050" dirty="0" err="1">
+              <a:rPr lang="en-US" sz="1050" dirty="0">
                 <a:solidFill>
                   <a:schemeClr val="bg1"/>
                 </a:solidFill>
@@ -3606,7 +3606,7 @@
           <a:p>
             <a:pPr algn="ctr"/>
             <a:r>
-              <a:rPr lang="en-US" sz="1050" dirty="0" err="1">
+              <a:rPr lang="en-US" sz="1050" dirty="0">
                 <a:solidFill>
                   <a:schemeClr val="bg1"/>
                 </a:solidFill>
@@ -3777,7 +3777,7 @@
           <a:lstStyle/>
           <a:p>
             <a:pPr algn="ctr"/>
-            <a:endParaRPr lang="en-SG" sz="1050"/>
+            <a:endParaRPr lang="en-SG" sz="1050" dirty="0"/>
           </a:p>
         </p:txBody>
       </p:sp>
@@ -3947,7 +3947,7 @@
           <a:lstStyle/>
           <a:p>
             <a:pPr algn="ctr"/>
-            <a:endParaRPr lang="en-US" sz="1050"/>
+            <a:endParaRPr lang="en-US" sz="1050" dirty="0"/>
           </a:p>
         </p:txBody>
       </p:sp>
@@ -3992,7 +3992,7 @@
           <a:p>
             <a:pPr algn="ctr"/>
             <a:r>
-              <a:rPr lang="en-US" sz="1050" dirty="0" err="1">
+              <a:rPr lang="en-US" sz="1050" dirty="0">
                 <a:solidFill>
                   <a:srgbClr val="7030A0"/>
                 </a:solidFill>
@@ -4089,7 +4089,7 @@
           <a:lstStyle/>
           <a:p>
             <a:pPr algn="ctr"/>
-            <a:endParaRPr lang="en-US" sz="1050"/>
+            <a:endParaRPr lang="en-US" sz="1050" dirty="0"/>
           </a:p>
         </p:txBody>
       </p:sp>
@@ -4134,7 +4134,7 @@
           <a:p>
             <a:pPr algn="ctr"/>
             <a:r>
-              <a:rPr lang="en-US" sz="1050" dirty="0" err="1">
+              <a:rPr lang="en-US" sz="1050" dirty="0">
                 <a:solidFill>
                   <a:srgbClr val="7030A0"/>
                 </a:solidFill>
@@ -4192,7 +4192,7 @@
           <a:lstStyle/>
           <a:p>
             <a:pPr algn="ctr"/>
-            <a:endParaRPr lang="en-US" sz="1050"/>
+            <a:endParaRPr lang="en-US" sz="1050" dirty="0"/>
           </a:p>
         </p:txBody>
       </p:sp>
@@ -4334,7 +4334,7 @@
           <a:lstStyle/>
           <a:p>
             <a:pPr algn="ctr"/>
-            <a:endParaRPr lang="en-US" sz="1050"/>
+            <a:endParaRPr lang="en-US" sz="1050" dirty="0"/>
           </a:p>
         </p:txBody>
       </p:sp>
@@ -4468,14 +4468,14 @@
               <a:t>&lt;&lt;interface&gt;&gt;</a:t>
             </a:r>
             <a:br>
-              <a:rPr lang="en-US" sz="1050">
+              <a:rPr lang="en-US" sz="1050" dirty="0">
                 <a:solidFill>
                   <a:srgbClr val="7030A0"/>
                 </a:solidFill>
               </a:rPr>
             </a:br>
             <a:r>
-              <a:rPr lang="en-US" sz="1050" dirty="0" err="1">
+              <a:rPr lang="en-US" sz="1050" dirty="0">
                 <a:solidFill>
                   <a:srgbClr val="7030A0"/>
                 </a:solidFill>
@@ -4774,7 +4774,7 @@
           <a:p>
             <a:pPr algn="ctr"/>
             <a:r>
-              <a:rPr lang="en-US" sz="800" dirty="0" err="1">
+              <a:rPr lang="en-US" sz="800" dirty="0">
                 <a:solidFill>
                   <a:srgbClr val="7030A0"/>
                 </a:solidFill>
@@ -5088,7 +5088,7 @@
           <a:lstStyle/>
           <a:p>
             <a:pPr algn="ctr"/>
-            <a:endParaRPr lang="en-US" sz="1050"/>
+            <a:endParaRPr lang="en-US" sz="1050" dirty="0"/>
           </a:p>
         </p:txBody>
       </p:sp>
@@ -5175,7 +5175,7 @@
           <a:lstStyle/>
           <a:p>
             <a:pPr algn="ctr"/>
-            <a:endParaRPr lang="en-SG" sz="1050" b="1">
+            <a:endParaRPr lang="en-SG" sz="1050" b="1" dirty="0">
               <a:solidFill>
                 <a:srgbClr val="92D050"/>
               </a:solidFill>
@@ -5239,7 +5239,7 @@
               </a:rPr>
             </a:br>
             <a:r>
-              <a:rPr lang="en-US" sz="1050" dirty="0" err="1">
+              <a:rPr lang="en-US" sz="1050" dirty="0">
                 <a:solidFill>
                   <a:srgbClr val="7030A0"/>
                 </a:solidFill>
@@ -5295,7 +5295,7 @@
           <a:p>
             <a:pPr algn="ctr"/>
             <a:r>
-              <a:rPr lang="en-US" sz="1050" dirty="0" err="1">
+              <a:rPr lang="en-US" sz="1050" dirty="0">
                 <a:solidFill>
                   <a:srgbClr val="7030A0"/>
                 </a:solidFill>
@@ -5358,7 +5358,7 @@
           <a:lstStyle/>
           <a:p>
             <a:pPr algn="ctr"/>
-            <a:endParaRPr lang="en-SG" sz="1050"/>
+            <a:endParaRPr lang="en-SG" sz="1050" dirty="0"/>
           </a:p>
         </p:txBody>
       </p:sp>
@@ -5946,7 +5946,7 @@
           <a:p>
             <a:pPr algn="ctr"/>
             <a:r>
-              <a:rPr lang="en-US" sz="900" dirty="0" err="1">
+              <a:rPr lang="en-US" sz="900" dirty="0">
                 <a:solidFill>
                   <a:srgbClr val="7030A0"/>
                 </a:solidFill>

--- a/docs/diagrams/ModelComponentClassDiagram.pptx
+++ b/docs/diagrams/ModelComponentClassDiagram.pptx
@@ -175,7 +175,7 @@
             </a:lvl1pPr>
           </a:lstStyle>
           <a:p>
-            <a:endParaRPr lang="en-US" dirty="0"/>
+            <a:endParaRPr lang="en-US"/>
           </a:p>
         </p:txBody>
       </p:sp>
@@ -208,9 +208,9 @@
           <a:p>
             <a:fld id="{F5CC4B3F-88C1-4FFA-B1B6-F41C21DC6924}" type="datetimeFigureOut">
               <a:rPr lang="en-US" smtClean="0"/>
-              <a:t>10/31/2018</a:t>
+              <a:t>11/10/18</a:t>
             </a:fld>
-            <a:endParaRPr lang="en-US" dirty="0"/>
+            <a:endParaRPr lang="en-US"/>
           </a:p>
         </p:txBody>
       </p:sp>
@@ -243,7 +243,7 @@
           <a:bodyPr vert="horz" lIns="91440" tIns="45720" rIns="91440" bIns="45720" rtlCol="0" anchor="ctr"/>
           <a:lstStyle/>
           <a:p>
-            <a:endParaRPr lang="en-US" dirty="0"/>
+            <a:endParaRPr lang="en-US"/>
           </a:p>
         </p:txBody>
       </p:sp>
@@ -333,7 +333,7 @@
             </a:lvl1pPr>
           </a:lstStyle>
           <a:p>
-            <a:endParaRPr lang="en-US" dirty="0"/>
+            <a:endParaRPr lang="en-US"/>
           </a:p>
         </p:txBody>
       </p:sp>
@@ -368,7 +368,7 @@
               <a:rPr lang="en-US" smtClean="0"/>
               <a:t>‹#›</a:t>
             </a:fld>
-            <a:endParaRPr lang="en-US" dirty="0"/>
+            <a:endParaRPr lang="en-US"/>
           </a:p>
         </p:txBody>
       </p:sp>
@@ -654,9 +654,9 @@
           <a:p>
             <a:fld id="{78C97017-6FC3-485B-9764-EAC9E56C1D49}" type="datetimeFigureOut">
               <a:rPr lang="en-US" smtClean="0"/>
-              <a:t>10/31/2018</a:t>
+              <a:t>11/10/18</a:t>
             </a:fld>
-            <a:endParaRPr lang="en-US" dirty="0"/>
+            <a:endParaRPr lang="en-US"/>
           </a:p>
         </p:txBody>
       </p:sp>
@@ -675,7 +675,7 @@
           <a:bodyPr/>
           <a:lstStyle/>
           <a:p>
-            <a:endParaRPr lang="en-US" dirty="0"/>
+            <a:endParaRPr lang="en-US"/>
           </a:p>
         </p:txBody>
       </p:sp>
@@ -698,7 +698,7 @@
               <a:rPr lang="en-US" smtClean="0"/>
               <a:t>‹#›</a:t>
             </a:fld>
-            <a:endParaRPr lang="en-US" dirty="0"/>
+            <a:endParaRPr lang="en-US"/>
           </a:p>
         </p:txBody>
       </p:sp>
@@ -822,9 +822,9 @@
           <a:p>
             <a:fld id="{78C97017-6FC3-485B-9764-EAC9E56C1D49}" type="datetimeFigureOut">
               <a:rPr lang="en-US" smtClean="0"/>
-              <a:t>10/31/2018</a:t>
+              <a:t>11/10/18</a:t>
             </a:fld>
-            <a:endParaRPr lang="en-US" dirty="0"/>
+            <a:endParaRPr lang="en-US"/>
           </a:p>
         </p:txBody>
       </p:sp>
@@ -843,7 +843,7 @@
           <a:bodyPr/>
           <a:lstStyle/>
           <a:p>
-            <a:endParaRPr lang="en-US" dirty="0"/>
+            <a:endParaRPr lang="en-US"/>
           </a:p>
         </p:txBody>
       </p:sp>
@@ -866,7 +866,7 @@
               <a:rPr lang="en-US" smtClean="0"/>
               <a:t>‹#›</a:t>
             </a:fld>
-            <a:endParaRPr lang="en-US" dirty="0"/>
+            <a:endParaRPr lang="en-US"/>
           </a:p>
         </p:txBody>
       </p:sp>
@@ -1000,9 +1000,9 @@
           <a:p>
             <a:fld id="{78C97017-6FC3-485B-9764-EAC9E56C1D49}" type="datetimeFigureOut">
               <a:rPr lang="en-US" smtClean="0"/>
-              <a:t>10/31/2018</a:t>
+              <a:t>11/10/18</a:t>
             </a:fld>
-            <a:endParaRPr lang="en-US" dirty="0"/>
+            <a:endParaRPr lang="en-US"/>
           </a:p>
         </p:txBody>
       </p:sp>
@@ -1021,7 +1021,7 @@
           <a:bodyPr/>
           <a:lstStyle/>
           <a:p>
-            <a:endParaRPr lang="en-US" dirty="0"/>
+            <a:endParaRPr lang="en-US"/>
           </a:p>
         </p:txBody>
       </p:sp>
@@ -1044,7 +1044,7 @@
               <a:rPr lang="en-US" smtClean="0"/>
               <a:t>‹#›</a:t>
             </a:fld>
-            <a:endParaRPr lang="en-US" dirty="0"/>
+            <a:endParaRPr lang="en-US"/>
           </a:p>
         </p:txBody>
       </p:sp>
@@ -1168,9 +1168,9 @@
           <a:p>
             <a:fld id="{78C97017-6FC3-485B-9764-EAC9E56C1D49}" type="datetimeFigureOut">
               <a:rPr lang="en-US" smtClean="0"/>
-              <a:t>10/31/2018</a:t>
+              <a:t>11/10/18</a:t>
             </a:fld>
-            <a:endParaRPr lang="en-US" dirty="0"/>
+            <a:endParaRPr lang="en-US"/>
           </a:p>
         </p:txBody>
       </p:sp>
@@ -1189,7 +1189,7 @@
           <a:bodyPr/>
           <a:lstStyle/>
           <a:p>
-            <a:endParaRPr lang="en-US" dirty="0"/>
+            <a:endParaRPr lang="en-US"/>
           </a:p>
         </p:txBody>
       </p:sp>
@@ -1212,7 +1212,7 @@
               <a:rPr lang="en-US" smtClean="0"/>
               <a:t>‹#›</a:t>
             </a:fld>
-            <a:endParaRPr lang="en-US" dirty="0"/>
+            <a:endParaRPr lang="en-US"/>
           </a:p>
         </p:txBody>
       </p:sp>
@@ -1413,9 +1413,9 @@
           <a:p>
             <a:fld id="{78C97017-6FC3-485B-9764-EAC9E56C1D49}" type="datetimeFigureOut">
               <a:rPr lang="en-US" smtClean="0"/>
-              <a:t>10/31/2018</a:t>
+              <a:t>11/10/18</a:t>
             </a:fld>
-            <a:endParaRPr lang="en-US" dirty="0"/>
+            <a:endParaRPr lang="en-US"/>
           </a:p>
         </p:txBody>
       </p:sp>
@@ -1434,7 +1434,7 @@
           <a:bodyPr/>
           <a:lstStyle/>
           <a:p>
-            <a:endParaRPr lang="en-US" dirty="0"/>
+            <a:endParaRPr lang="en-US"/>
           </a:p>
         </p:txBody>
       </p:sp>
@@ -1457,7 +1457,7 @@
               <a:rPr lang="en-US" smtClean="0"/>
               <a:t>‹#›</a:t>
             </a:fld>
-            <a:endParaRPr lang="en-US" dirty="0"/>
+            <a:endParaRPr lang="en-US"/>
           </a:p>
         </p:txBody>
       </p:sp>
@@ -1698,9 +1698,9 @@
           <a:p>
             <a:fld id="{78C97017-6FC3-485B-9764-EAC9E56C1D49}" type="datetimeFigureOut">
               <a:rPr lang="en-US" smtClean="0"/>
-              <a:t>10/31/2018</a:t>
+              <a:t>11/10/18</a:t>
             </a:fld>
-            <a:endParaRPr lang="en-US" dirty="0"/>
+            <a:endParaRPr lang="en-US"/>
           </a:p>
         </p:txBody>
       </p:sp>
@@ -1719,7 +1719,7 @@
           <a:bodyPr/>
           <a:lstStyle/>
           <a:p>
-            <a:endParaRPr lang="en-US" dirty="0"/>
+            <a:endParaRPr lang="en-US"/>
           </a:p>
         </p:txBody>
       </p:sp>
@@ -1742,7 +1742,7 @@
               <a:rPr lang="en-US" smtClean="0"/>
               <a:t>‹#›</a:t>
             </a:fld>
-            <a:endParaRPr lang="en-US" dirty="0"/>
+            <a:endParaRPr lang="en-US"/>
           </a:p>
         </p:txBody>
       </p:sp>
@@ -2117,9 +2117,9 @@
           <a:p>
             <a:fld id="{78C97017-6FC3-485B-9764-EAC9E56C1D49}" type="datetimeFigureOut">
               <a:rPr lang="en-US" smtClean="0"/>
-              <a:t>10/31/2018</a:t>
+              <a:t>11/10/18</a:t>
             </a:fld>
-            <a:endParaRPr lang="en-US" dirty="0"/>
+            <a:endParaRPr lang="en-US"/>
           </a:p>
         </p:txBody>
       </p:sp>
@@ -2138,7 +2138,7 @@
           <a:bodyPr/>
           <a:lstStyle/>
           <a:p>
-            <a:endParaRPr lang="en-US" dirty="0"/>
+            <a:endParaRPr lang="en-US"/>
           </a:p>
         </p:txBody>
       </p:sp>
@@ -2161,7 +2161,7 @@
               <a:rPr lang="en-US" smtClean="0"/>
               <a:t>‹#›</a:t>
             </a:fld>
-            <a:endParaRPr lang="en-US" dirty="0"/>
+            <a:endParaRPr lang="en-US"/>
           </a:p>
         </p:txBody>
       </p:sp>
@@ -2234,9 +2234,9 @@
           <a:p>
             <a:fld id="{78C97017-6FC3-485B-9764-EAC9E56C1D49}" type="datetimeFigureOut">
               <a:rPr lang="en-US" smtClean="0"/>
-              <a:t>10/31/2018</a:t>
+              <a:t>11/10/18</a:t>
             </a:fld>
-            <a:endParaRPr lang="en-US" dirty="0"/>
+            <a:endParaRPr lang="en-US"/>
           </a:p>
         </p:txBody>
       </p:sp>
@@ -2255,7 +2255,7 @@
           <a:bodyPr/>
           <a:lstStyle/>
           <a:p>
-            <a:endParaRPr lang="en-US" dirty="0"/>
+            <a:endParaRPr lang="en-US"/>
           </a:p>
         </p:txBody>
       </p:sp>
@@ -2278,7 +2278,7 @@
               <a:rPr lang="en-US" smtClean="0"/>
               <a:t>‹#›</a:t>
             </a:fld>
-            <a:endParaRPr lang="en-US" dirty="0"/>
+            <a:endParaRPr lang="en-US"/>
           </a:p>
         </p:txBody>
       </p:sp>
@@ -2329,9 +2329,9 @@
           <a:p>
             <a:fld id="{78C97017-6FC3-485B-9764-EAC9E56C1D49}" type="datetimeFigureOut">
               <a:rPr lang="en-US" smtClean="0"/>
-              <a:t>10/31/2018</a:t>
+              <a:t>11/10/18</a:t>
             </a:fld>
-            <a:endParaRPr lang="en-US" dirty="0"/>
+            <a:endParaRPr lang="en-US"/>
           </a:p>
         </p:txBody>
       </p:sp>
@@ -2350,7 +2350,7 @@
           <a:bodyPr/>
           <a:lstStyle/>
           <a:p>
-            <a:endParaRPr lang="en-US" dirty="0"/>
+            <a:endParaRPr lang="en-US"/>
           </a:p>
         </p:txBody>
       </p:sp>
@@ -2373,7 +2373,7 @@
               <a:rPr lang="en-US" smtClean="0"/>
               <a:t>‹#›</a:t>
             </a:fld>
-            <a:endParaRPr lang="en-US" dirty="0"/>
+            <a:endParaRPr lang="en-US"/>
           </a:p>
         </p:txBody>
       </p:sp>
@@ -2604,9 +2604,9 @@
           <a:p>
             <a:fld id="{78C97017-6FC3-485B-9764-EAC9E56C1D49}" type="datetimeFigureOut">
               <a:rPr lang="en-US" smtClean="0"/>
-              <a:t>10/31/2018</a:t>
+              <a:t>11/10/18</a:t>
             </a:fld>
-            <a:endParaRPr lang="en-US" dirty="0"/>
+            <a:endParaRPr lang="en-US"/>
           </a:p>
         </p:txBody>
       </p:sp>
@@ -2625,7 +2625,7 @@
           <a:bodyPr/>
           <a:lstStyle/>
           <a:p>
-            <a:endParaRPr lang="en-US" dirty="0"/>
+            <a:endParaRPr lang="en-US"/>
           </a:p>
         </p:txBody>
       </p:sp>
@@ -2648,7 +2648,7 @@
               <a:rPr lang="en-US" smtClean="0"/>
               <a:t>‹#›</a:t>
             </a:fld>
-            <a:endParaRPr lang="en-US" dirty="0"/>
+            <a:endParaRPr lang="en-US"/>
           </a:p>
         </p:txBody>
       </p:sp>
@@ -2770,7 +2770,7 @@
             </a:lvl9pPr>
           </a:lstStyle>
           <a:p>
-            <a:endParaRPr lang="en-US" dirty="0"/>
+            <a:endParaRPr lang="en-US"/>
           </a:p>
         </p:txBody>
       </p:sp>
@@ -2856,9 +2856,9 @@
           <a:p>
             <a:fld id="{78C97017-6FC3-485B-9764-EAC9E56C1D49}" type="datetimeFigureOut">
               <a:rPr lang="en-US" smtClean="0"/>
-              <a:t>10/31/2018</a:t>
+              <a:t>11/10/18</a:t>
             </a:fld>
-            <a:endParaRPr lang="en-US" dirty="0"/>
+            <a:endParaRPr lang="en-US"/>
           </a:p>
         </p:txBody>
       </p:sp>
@@ -2877,7 +2877,7 @@
           <a:bodyPr/>
           <a:lstStyle/>
           <a:p>
-            <a:endParaRPr lang="en-US" dirty="0"/>
+            <a:endParaRPr lang="en-US"/>
           </a:p>
         </p:txBody>
       </p:sp>
@@ -2900,7 +2900,7 @@
               <a:rPr lang="en-US" smtClean="0"/>
               <a:t>‹#›</a:t>
             </a:fld>
-            <a:endParaRPr lang="en-US" dirty="0"/>
+            <a:endParaRPr lang="en-US"/>
           </a:p>
         </p:txBody>
       </p:sp>
@@ -3067,9 +3067,9 @@
           <a:p>
             <a:fld id="{78C97017-6FC3-485B-9764-EAC9E56C1D49}" type="datetimeFigureOut">
               <a:rPr lang="en-US" smtClean="0"/>
-              <a:t>10/31/2018</a:t>
+              <a:t>11/10/18</a:t>
             </a:fld>
-            <a:endParaRPr lang="en-US" dirty="0"/>
+            <a:endParaRPr lang="en-US"/>
           </a:p>
         </p:txBody>
       </p:sp>
@@ -3106,7 +3106,7 @@
             </a:lvl1pPr>
           </a:lstStyle>
           <a:p>
-            <a:endParaRPr lang="en-US" dirty="0"/>
+            <a:endParaRPr lang="en-US"/>
           </a:p>
         </p:txBody>
       </p:sp>
@@ -3147,7 +3147,7 @@
               <a:rPr lang="en-US" smtClean="0"/>
               <a:t>‹#›</a:t>
             </a:fld>
-            <a:endParaRPr lang="en-US" dirty="0"/>
+            <a:endParaRPr lang="en-US"/>
           </a:p>
         </p:txBody>
       </p:sp>
@@ -3450,8 +3450,8 @@
         </p:nvSpPr>
         <p:spPr>
           <a:xfrm>
-            <a:off x="407532" y="533400"/>
-            <a:ext cx="8538710" cy="4267917"/>
+            <a:off x="304800" y="384583"/>
+            <a:ext cx="8538710" cy="6248400"/>
           </a:xfrm>
           <a:prstGeom prst="roundRect">
             <a:avLst>
@@ -3511,7 +3511,7 @@
         </p:nvSpPr>
         <p:spPr>
           <a:xfrm>
-            <a:off x="2164847" y="3369880"/>
+            <a:off x="2062115" y="4055680"/>
             <a:ext cx="1093635" cy="346760"/>
           </a:xfrm>
           <a:prstGeom prst="rect">
@@ -3547,7 +3547,7 @@
           <a:p>
             <a:pPr algn="ctr"/>
             <a:r>
-              <a:rPr lang="en-US" sz="1050" dirty="0">
+              <a:rPr lang="en-US" sz="1050" dirty="0" err="1">
                 <a:solidFill>
                   <a:schemeClr val="bg1"/>
                 </a:solidFill>
@@ -3570,7 +3570,7 @@
         </p:nvSpPr>
         <p:spPr>
           <a:xfrm rot="16200000">
-            <a:off x="949215" y="3004390"/>
+            <a:off x="846483" y="3690190"/>
             <a:ext cx="1093635" cy="346760"/>
           </a:xfrm>
           <a:prstGeom prst="rect">
@@ -3606,7 +3606,7 @@
           <a:p>
             <a:pPr algn="ctr"/>
             <a:r>
-              <a:rPr lang="en-US" sz="1050" dirty="0">
+              <a:rPr lang="en-US" sz="1050" dirty="0" err="1">
                 <a:solidFill>
                   <a:schemeClr val="bg1"/>
                 </a:solidFill>
@@ -3631,7 +3631,7 @@
         </p:nvCxnSpPr>
         <p:spPr>
           <a:xfrm rot="5400000" flipH="1" flipV="1">
-            <a:off x="3443568" y="1215583"/>
+            <a:off x="3340836" y="1901383"/>
             <a:ext cx="613122" cy="4459404"/>
           </a:xfrm>
           <a:prstGeom prst="bentConnector3">
@@ -3672,7 +3672,7 @@
         </p:nvSpPr>
         <p:spPr>
           <a:xfrm rot="16200000">
-            <a:off x="243869" y="2767842"/>
+            <a:off x="141137" y="3453642"/>
             <a:ext cx="1093635" cy="346760"/>
           </a:xfrm>
           <a:prstGeom prst="rect">
@@ -3742,7 +3742,7 @@
         </p:nvSpPr>
         <p:spPr>
           <a:xfrm rot="16200000">
-            <a:off x="914577" y="2858931"/>
+            <a:off x="811845" y="3544731"/>
             <a:ext cx="270504" cy="175523"/>
           </a:xfrm>
           <a:prstGeom prst="triangle">
@@ -3777,7 +3777,7 @@
           <a:lstStyle/>
           <a:p>
             <a:pPr algn="ctr"/>
-            <a:endParaRPr lang="en-SG" sz="1050" dirty="0"/>
+            <a:endParaRPr lang="en-SG" sz="1050"/>
           </a:p>
         </p:txBody>
       </p:sp>
@@ -3792,7 +3792,7 @@
         </p:nvCxnSpPr>
         <p:spPr>
           <a:xfrm>
-            <a:off x="1897495" y="3543260"/>
+            <a:off x="1794763" y="4229060"/>
             <a:ext cx="267352" cy="0"/>
           </a:xfrm>
           <a:prstGeom prst="straightConnector1">
@@ -3830,7 +3830,7 @@
         </p:nvCxnSpPr>
         <p:spPr>
           <a:xfrm>
-            <a:off x="197758" y="2946693"/>
+            <a:off x="95026" y="3632493"/>
             <a:ext cx="419548" cy="2860"/>
           </a:xfrm>
           <a:prstGeom prst="bentConnector3">
@@ -3875,7 +3875,7 @@
         </p:nvCxnSpPr>
         <p:spPr>
           <a:xfrm flipV="1">
-            <a:off x="1137591" y="2946692"/>
+            <a:off x="1034859" y="3632492"/>
             <a:ext cx="216105" cy="1"/>
           </a:xfrm>
           <a:prstGeom prst="line">
@@ -3914,7 +3914,7 @@
         </p:nvSpPr>
         <p:spPr>
           <a:xfrm>
-            <a:off x="1661447" y="3456570"/>
+            <a:off x="1558715" y="4142370"/>
             <a:ext cx="236048" cy="173380"/>
           </a:xfrm>
           <a:prstGeom prst="flowChartDecision">
@@ -3947,7 +3947,7 @@
           <a:lstStyle/>
           <a:p>
             <a:pPr algn="ctr"/>
-            <a:endParaRPr lang="en-US" sz="1050" dirty="0"/>
+            <a:endParaRPr lang="en-US" sz="1050"/>
           </a:p>
         </p:txBody>
       </p:sp>
@@ -3959,7 +3959,7 @@
         </p:nvSpPr>
         <p:spPr>
           <a:xfrm>
-            <a:off x="2074073" y="2741551"/>
+            <a:off x="1971341" y="3427351"/>
             <a:ext cx="1447688" cy="346760"/>
           </a:xfrm>
           <a:prstGeom prst="rect">
@@ -3992,7 +3992,7 @@
           <a:p>
             <a:pPr algn="ctr"/>
             <a:r>
-              <a:rPr lang="en-US" sz="1050" dirty="0">
+              <a:rPr lang="en-US" sz="1050" dirty="0" err="1">
                 <a:solidFill>
                   <a:srgbClr val="7030A0"/>
                 </a:solidFill>
@@ -4018,7 +4018,7 @@
         </p:nvCxnSpPr>
         <p:spPr>
           <a:xfrm>
-            <a:off x="1912027" y="2909673"/>
+            <a:off x="1809295" y="3595473"/>
             <a:ext cx="162046" cy="5258"/>
           </a:xfrm>
           <a:prstGeom prst="straightConnector1">
@@ -4056,7 +4056,7 @@
         </p:nvSpPr>
         <p:spPr>
           <a:xfrm>
-            <a:off x="1675979" y="2822983"/>
+            <a:off x="1573247" y="3508783"/>
             <a:ext cx="236048" cy="173380"/>
           </a:xfrm>
           <a:prstGeom prst="flowChartDecision">
@@ -4089,7 +4089,7 @@
           <a:lstStyle/>
           <a:p>
             <a:pPr algn="ctr"/>
-            <a:endParaRPr lang="en-US" sz="1050" dirty="0"/>
+            <a:endParaRPr lang="en-US" sz="1050"/>
           </a:p>
         </p:txBody>
       </p:sp>
@@ -4101,7 +4101,7 @@
         </p:nvSpPr>
         <p:spPr>
           <a:xfrm>
-            <a:off x="4049876" y="2770074"/>
+            <a:off x="3947144" y="3455874"/>
             <a:ext cx="1156969" cy="346760"/>
           </a:xfrm>
           <a:prstGeom prst="rect">
@@ -4134,7 +4134,7 @@
           <a:p>
             <a:pPr algn="ctr"/>
             <a:r>
-              <a:rPr lang="en-US" sz="1050" dirty="0">
+              <a:rPr lang="en-US" sz="1050" dirty="0" err="1">
                 <a:solidFill>
                   <a:srgbClr val="7030A0"/>
                 </a:solidFill>
@@ -4157,7 +4157,7 @@
         </p:nvSpPr>
         <p:spPr>
           <a:xfrm>
-            <a:off x="3520913" y="2854841"/>
+            <a:off x="3418181" y="3540641"/>
             <a:ext cx="236048" cy="173380"/>
           </a:xfrm>
           <a:prstGeom prst="flowChartDecision">
@@ -4192,7 +4192,7 @@
           <a:lstStyle/>
           <a:p>
             <a:pPr algn="ctr"/>
-            <a:endParaRPr lang="en-US" sz="1050" dirty="0"/>
+            <a:endParaRPr lang="en-US" sz="1050"/>
           </a:p>
         </p:txBody>
       </p:sp>
@@ -4207,7 +4207,7 @@
         </p:nvCxnSpPr>
         <p:spPr>
           <a:xfrm>
-            <a:off x="3756961" y="2941531"/>
+            <a:off x="3654229" y="3627331"/>
             <a:ext cx="292915" cy="1923"/>
           </a:xfrm>
           <a:prstGeom prst="bentConnector3">
@@ -4245,7 +4245,7 @@
         </p:nvSpPr>
         <p:spPr>
           <a:xfrm>
-            <a:off x="5601344" y="2764706"/>
+            <a:off x="5498612" y="3450506"/>
             <a:ext cx="708186" cy="346760"/>
           </a:xfrm>
           <a:prstGeom prst="rect">
@@ -4301,7 +4301,7 @@
         </p:nvSpPr>
         <p:spPr>
           <a:xfrm>
-            <a:off x="5206127" y="2847705"/>
+            <a:off x="5103395" y="3533505"/>
             <a:ext cx="236048" cy="173380"/>
           </a:xfrm>
           <a:prstGeom prst="flowChartDecision">
@@ -4334,7 +4334,7 @@
           <a:lstStyle/>
           <a:p>
             <a:pPr algn="ctr"/>
-            <a:endParaRPr lang="en-US" sz="1050" dirty="0"/>
+            <a:endParaRPr lang="en-US" sz="1050"/>
           </a:p>
         </p:txBody>
       </p:sp>
@@ -4350,7 +4350,7 @@
         </p:nvCxnSpPr>
         <p:spPr>
           <a:xfrm>
-            <a:off x="5442175" y="2934395"/>
+            <a:off x="5339443" y="3620195"/>
             <a:ext cx="159169" cy="3691"/>
           </a:xfrm>
           <a:prstGeom prst="bentConnector3">
@@ -4388,7 +4388,7 @@
         </p:nvSpPr>
         <p:spPr>
           <a:xfrm rot="16200000">
-            <a:off x="5650553" y="3492945"/>
+            <a:off x="5547821" y="4178745"/>
             <a:ext cx="881018" cy="261610"/>
           </a:xfrm>
           <a:prstGeom prst="rect">
@@ -4427,7 +4427,7 @@
         </p:nvSpPr>
         <p:spPr>
           <a:xfrm>
-            <a:off x="1345068" y="4146131"/>
+            <a:off x="1242336" y="4831931"/>
             <a:ext cx="1066800" cy="346760"/>
           </a:xfrm>
           <a:prstGeom prst="rect">
@@ -4468,14 +4468,14 @@
               <a:t>&lt;&lt;interface&gt;&gt;</a:t>
             </a:r>
             <a:br>
-              <a:rPr lang="en-US" sz="1050" dirty="0">
+              <a:rPr lang="en-US" sz="1050">
                 <a:solidFill>
                   <a:srgbClr val="7030A0"/>
                 </a:solidFill>
               </a:rPr>
             </a:br>
             <a:r>
-              <a:rPr lang="en-US" sz="1050" dirty="0">
+              <a:rPr lang="en-US" sz="1050" dirty="0" err="1">
                 <a:solidFill>
                   <a:srgbClr val="7030A0"/>
                 </a:solidFill>
@@ -4501,7 +4501,7 @@
         </p:nvCxnSpPr>
         <p:spPr>
           <a:xfrm rot="16200000" flipH="1">
-            <a:off x="652142" y="3626584"/>
+            <a:off x="549410" y="4312384"/>
             <a:ext cx="831471" cy="554381"/>
           </a:xfrm>
           <a:prstGeom prst="bentConnector2">
@@ -4540,7 +4540,7 @@
         </p:nvSpPr>
         <p:spPr>
           <a:xfrm>
-            <a:off x="3612639" y="2965504"/>
+            <a:off x="3509907" y="3651304"/>
             <a:ext cx="189257" cy="178683"/>
           </a:xfrm>
           <a:prstGeom prst="rect">
@@ -4579,7 +4579,7 @@
         </p:nvSpPr>
         <p:spPr>
           <a:xfrm>
-            <a:off x="5422923" y="3004557"/>
+            <a:off x="5320191" y="3690357"/>
             <a:ext cx="189257" cy="178683"/>
           </a:xfrm>
           <a:prstGeom prst="rect">
@@ -4618,7 +4618,7 @@
         </p:nvSpPr>
         <p:spPr>
           <a:xfrm>
-            <a:off x="1847834" y="2660458"/>
+            <a:off x="1745102" y="3346258"/>
             <a:ext cx="78378" cy="193767"/>
           </a:xfrm>
           <a:prstGeom prst="rect">
@@ -4657,7 +4657,7 @@
         </p:nvSpPr>
         <p:spPr>
           <a:xfrm>
-            <a:off x="1994737" y="3574377"/>
+            <a:off x="1892005" y="4260177"/>
             <a:ext cx="189257" cy="178683"/>
           </a:xfrm>
           <a:prstGeom prst="rect">
@@ -4696,7 +4696,7 @@
         </p:nvSpPr>
         <p:spPr>
           <a:xfrm>
-            <a:off x="5737563" y="3111466"/>
+            <a:off x="5634831" y="3797266"/>
             <a:ext cx="189257" cy="178683"/>
           </a:xfrm>
           <a:prstGeom prst="rect">
@@ -4741,7 +4741,7 @@
         </p:nvSpPr>
         <p:spPr>
           <a:xfrm>
-            <a:off x="3962400" y="1905000"/>
+            <a:off x="3940807" y="2799301"/>
             <a:ext cx="1156969" cy="285783"/>
           </a:xfrm>
           <a:prstGeom prst="rect">
@@ -4774,7 +4774,7 @@
           <a:p>
             <a:pPr algn="ctr"/>
             <a:r>
-              <a:rPr lang="en-US" sz="800" dirty="0">
+              <a:rPr lang="en-US" sz="800" dirty="0" err="1">
                 <a:solidFill>
                   <a:srgbClr val="7030A0"/>
                 </a:solidFill>
@@ -4807,8 +4807,8 @@
         </p:nvCxnSpPr>
         <p:spPr>
           <a:xfrm rot="5400000" flipH="1" flipV="1">
-            <a:off x="3376028" y="2379132"/>
-            <a:ext cx="917612" cy="255132"/>
+            <a:off x="3418116" y="3128614"/>
+            <a:ext cx="709111" cy="336271"/>
           </a:xfrm>
           <a:prstGeom prst="bentConnector2">
             <a:avLst/>
@@ -4848,20 +4848,17 @@
           </p:cNvPr>
           <p:cNvCxnSpPr>
             <a:cxnSpLocks/>
-            <a:stCxn id="71" idx="3"/>
             <a:endCxn id="67" idx="1"/>
           </p:cNvCxnSpPr>
           <p:nvPr/>
         </p:nvCxnSpPr>
         <p:spPr>
           <a:xfrm flipV="1">
-            <a:off x="5335254" y="2036420"/>
-            <a:ext cx="269609" cy="1840"/>
+            <a:off x="5069215" y="2825446"/>
+            <a:ext cx="432916" cy="111294"/>
           </a:xfrm>
           <a:prstGeom prst="bentConnector3">
-            <a:avLst>
-              <a:gd name="adj1" fmla="val 50000"/>
-            </a:avLst>
+            <a:avLst/>
           </a:prstGeom>
           <a:ln w="19050">
             <a:solidFill>
@@ -4901,7 +4898,7 @@
         </p:nvSpPr>
         <p:spPr>
           <a:xfrm>
-            <a:off x="5604863" y="1863040"/>
+            <a:off x="5502131" y="2652066"/>
             <a:ext cx="708186" cy="346760"/>
           </a:xfrm>
           <a:prstGeom prst="rect">
@@ -4963,7 +4960,7 @@
         </p:nvSpPr>
         <p:spPr>
           <a:xfrm>
-            <a:off x="5422923" y="2184654"/>
+            <a:off x="5320191" y="2870454"/>
             <a:ext cx="189257" cy="178683"/>
           </a:xfrm>
           <a:prstGeom prst="rect">
@@ -5008,7 +5005,7 @@
         </p:nvSpPr>
         <p:spPr>
           <a:xfrm>
-            <a:off x="3654767" y="2079612"/>
+            <a:off x="3578219" y="2772782"/>
             <a:ext cx="189257" cy="178683"/>
           </a:xfrm>
           <a:prstGeom prst="rect">
@@ -5053,7 +5050,7 @@
         </p:nvSpPr>
         <p:spPr>
           <a:xfrm>
-            <a:off x="5099206" y="1951570"/>
+            <a:off x="5096264" y="2854521"/>
             <a:ext cx="236048" cy="173380"/>
           </a:xfrm>
           <a:prstGeom prst="flowChartDecision">
@@ -5088,7 +5085,7 @@
           <a:lstStyle/>
           <a:p>
             <a:pPr algn="ctr"/>
-            <a:endParaRPr lang="en-US" sz="1050" dirty="0"/>
+            <a:endParaRPr lang="en-US" sz="1050"/>
           </a:p>
         </p:txBody>
       </p:sp>
@@ -5102,7 +5099,7 @@
         </p:nvCxnSpPr>
         <p:spPr>
           <a:xfrm rot="5400000">
-            <a:off x="2758303" y="2593993"/>
+            <a:off x="2655571" y="3279793"/>
             <a:ext cx="293825" cy="5938"/>
           </a:xfrm>
           <a:prstGeom prst="bentConnector3">
@@ -5143,7 +5140,7 @@
         </p:nvSpPr>
         <p:spPr>
           <a:xfrm rot="10800000" flipV="1">
-            <a:off x="2766991" y="2292988"/>
+            <a:off x="2664259" y="2978788"/>
             <a:ext cx="282387" cy="157062"/>
           </a:xfrm>
           <a:prstGeom prst="triangle">
@@ -5175,7 +5172,7 @@
           <a:lstStyle/>
           <a:p>
             <a:pPr algn="ctr"/>
-            <a:endParaRPr lang="en-SG" sz="1050" b="1" dirty="0">
+            <a:endParaRPr lang="en-SG" sz="1050" b="1">
               <a:solidFill>
                 <a:srgbClr val="92D050"/>
               </a:solidFill>
@@ -5191,7 +5188,7 @@
         </p:nvSpPr>
         <p:spPr>
           <a:xfrm>
-            <a:off x="465614" y="1904784"/>
+            <a:off x="362882" y="2590584"/>
             <a:ext cx="1443661" cy="364396"/>
           </a:xfrm>
           <a:prstGeom prst="rect">
@@ -5239,7 +5236,7 @@
               </a:rPr>
             </a:br>
             <a:r>
-              <a:rPr lang="en-US" sz="1050" dirty="0">
+              <a:rPr lang="en-US" sz="1050" dirty="0" err="1">
                 <a:solidFill>
                   <a:srgbClr val="7030A0"/>
                 </a:solidFill>
@@ -5262,7 +5259,7 @@
         </p:nvSpPr>
         <p:spPr>
           <a:xfrm>
-            <a:off x="2374873" y="1904784"/>
+            <a:off x="2272141" y="2590584"/>
             <a:ext cx="1060683" cy="364396"/>
           </a:xfrm>
           <a:prstGeom prst="rect">
@@ -5295,7 +5292,7 @@
           <a:p>
             <a:pPr algn="ctr"/>
             <a:r>
-              <a:rPr lang="en-US" sz="1050" dirty="0">
+              <a:rPr lang="en-US" sz="1050" dirty="0" err="1">
                 <a:solidFill>
                   <a:srgbClr val="7030A0"/>
                 </a:solidFill>
@@ -5318,7 +5315,7 @@
         </p:nvSpPr>
         <p:spPr>
           <a:xfrm rot="16200000">
-            <a:off x="1873765" y="1975592"/>
+            <a:off x="1771033" y="2661392"/>
             <a:ext cx="271014" cy="187417"/>
           </a:xfrm>
           <a:prstGeom prst="triangle">
@@ -5358,7 +5355,7 @@
           <a:lstStyle/>
           <a:p>
             <a:pPr algn="ctr"/>
-            <a:endParaRPr lang="en-SG" sz="1050" dirty="0"/>
+            <a:endParaRPr lang="en-SG" sz="1050"/>
           </a:p>
         </p:txBody>
       </p:sp>
@@ -5373,7 +5370,7 @@
         </p:nvCxnSpPr>
         <p:spPr>
           <a:xfrm>
-            <a:off x="2102981" y="2084161"/>
+            <a:off x="2000249" y="2769961"/>
             <a:ext cx="271892" cy="2821"/>
           </a:xfrm>
           <a:prstGeom prst="bentConnector3">
@@ -5420,8 +5417,8 @@
         </p:nvSpPr>
         <p:spPr>
           <a:xfrm>
-            <a:off x="6984822" y="2330853"/>
-            <a:ext cx="708186" cy="240930"/>
+            <a:off x="6882090" y="3151310"/>
+            <a:ext cx="708186" cy="285783"/>
           </a:xfrm>
           <a:prstGeom prst="rect">
             <a:avLst/>
@@ -5482,7 +5479,7 @@
         </p:nvSpPr>
         <p:spPr>
           <a:xfrm>
-            <a:off x="6306455" y="2853188"/>
+            <a:off x="6203723" y="3538988"/>
             <a:ext cx="236048" cy="173380"/>
           </a:xfrm>
           <a:prstGeom prst="flowChartDecision">
@@ -5539,8 +5536,8 @@
         </p:nvCxnSpPr>
         <p:spPr>
           <a:xfrm flipV="1">
-            <a:off x="6542503" y="2451318"/>
-            <a:ext cx="442319" cy="488560"/>
+            <a:off x="6439771" y="3294202"/>
+            <a:ext cx="442319" cy="331476"/>
           </a:xfrm>
           <a:prstGeom prst="bentConnector3">
             <a:avLst/>
@@ -5583,8 +5580,8 @@
         </p:nvSpPr>
         <p:spPr>
           <a:xfrm>
-            <a:off x="6984822" y="2615386"/>
-            <a:ext cx="708186" cy="254803"/>
+            <a:off x="6882090" y="3474288"/>
+            <a:ext cx="708186" cy="285783"/>
           </a:xfrm>
           <a:prstGeom prst="rect">
             <a:avLst/>
@@ -5641,7 +5638,6 @@
             </a:extLst>
           </p:cNvPr>
           <p:cNvCxnSpPr>
-            <a:cxnSpLocks/>
             <a:stCxn id="96" idx="3"/>
             <a:endCxn id="98" idx="1"/>
           </p:cNvCxnSpPr>
@@ -5649,8 +5645,8 @@
         </p:nvCxnSpPr>
         <p:spPr>
           <a:xfrm flipV="1">
-            <a:off x="6542503" y="2742788"/>
-            <a:ext cx="442319" cy="197090"/>
+            <a:off x="6439771" y="3617180"/>
+            <a:ext cx="442319" cy="8498"/>
           </a:xfrm>
           <a:prstGeom prst="bentConnector3">
             <a:avLst/>
@@ -5693,8 +5689,8 @@
         </p:nvSpPr>
         <p:spPr>
           <a:xfrm>
-            <a:off x="6984822" y="2895600"/>
-            <a:ext cx="708186" cy="254803"/>
+            <a:off x="6882090" y="3797266"/>
+            <a:ext cx="708186" cy="285783"/>
           </a:xfrm>
           <a:prstGeom prst="rect">
             <a:avLst/>
@@ -5751,7 +5747,6 @@
             </a:extLst>
           </p:cNvPr>
           <p:cNvCxnSpPr>
-            <a:cxnSpLocks/>
             <a:stCxn id="96" idx="3"/>
             <a:endCxn id="100" idx="1"/>
           </p:cNvCxnSpPr>
@@ -5759,8 +5754,8 @@
         </p:nvCxnSpPr>
         <p:spPr>
           <a:xfrm>
-            <a:off x="6542503" y="2939878"/>
-            <a:ext cx="442319" cy="83124"/>
+            <a:off x="6439771" y="3625678"/>
+            <a:ext cx="442319" cy="314480"/>
           </a:xfrm>
           <a:prstGeom prst="bentConnector3">
             <a:avLst/>
@@ -5803,8 +5798,8 @@
         </p:nvSpPr>
         <p:spPr>
           <a:xfrm>
-            <a:off x="6984822" y="3178433"/>
-            <a:ext cx="708186" cy="250567"/>
+            <a:off x="6882090" y="4120243"/>
+            <a:ext cx="708186" cy="285783"/>
           </a:xfrm>
           <a:prstGeom prst="rect">
             <a:avLst/>
@@ -5861,7 +5856,6 @@
             </a:extLst>
           </p:cNvPr>
           <p:cNvCxnSpPr>
-            <a:cxnSpLocks/>
             <a:stCxn id="96" idx="3"/>
             <a:endCxn id="102" idx="1"/>
           </p:cNvCxnSpPr>
@@ -5869,8 +5863,8 @@
         </p:nvCxnSpPr>
         <p:spPr>
           <a:xfrm>
-            <a:off x="6542503" y="2939878"/>
-            <a:ext cx="442319" cy="363839"/>
+            <a:off x="6439771" y="3625678"/>
+            <a:ext cx="442319" cy="637457"/>
           </a:xfrm>
           <a:prstGeom prst="bentConnector3">
             <a:avLst/>
@@ -5899,12 +5893,106 @@
           </a:fontRef>
         </p:style>
       </p:cxnSp>
-      <p:sp>
-        <p:nvSpPr>
-          <p:cNvPr id="104" name="Rectangle 8">
+      <p:cxnSp>
+        <p:nvCxnSpPr>
+          <p:cNvPr id="105" name="Elbow Connector 85">
             <a:extLst>
               <a:ext uri="{FF2B5EF4-FFF2-40B4-BE49-F238E27FC236}">
-                <a16:creationId xmlns:a16="http://schemas.microsoft.com/office/drawing/2014/main" id="{92F58ECE-69AB-4F0C-AE85-56AF9FFB5467}"/>
+                <a16:creationId xmlns:a16="http://schemas.microsoft.com/office/drawing/2014/main" id="{D575BF71-B8D7-4AF1-A7C7-6C0209C5615F}"/>
+              </a:ext>
+            </a:extLst>
+          </p:cNvPr>
+          <p:cNvCxnSpPr>
+            <a:cxnSpLocks/>
+            <a:stCxn id="96" idx="3"/>
+          </p:cNvCxnSpPr>
+          <p:nvPr/>
+        </p:nvCxnSpPr>
+        <p:spPr>
+          <a:xfrm>
+            <a:off x="6439771" y="3625678"/>
+            <a:ext cx="438533" cy="960434"/>
+          </a:xfrm>
+          <a:prstGeom prst="bentConnector3">
+            <a:avLst>
+              <a:gd name="adj1" fmla="val 50000"/>
+            </a:avLst>
+          </a:prstGeom>
+          <a:ln w="19050">
+            <a:solidFill>
+              <a:srgbClr val="7030A0"/>
+            </a:solidFill>
+            <a:headEnd type="none" w="med" len="med"/>
+            <a:tailEnd type="arrow" w="med" len="med"/>
+          </a:ln>
+          <a:effectLst/>
+        </p:spPr>
+        <p:style>
+          <a:lnRef idx="1">
+            <a:schemeClr val="accent2"/>
+          </a:lnRef>
+          <a:fillRef idx="2">
+            <a:schemeClr val="accent2"/>
+          </a:fillRef>
+          <a:effectRef idx="1">
+            <a:schemeClr val="accent2"/>
+          </a:effectRef>
+          <a:fontRef idx="minor">
+            <a:schemeClr val="dk1"/>
+          </a:fontRef>
+        </p:style>
+      </p:cxnSp>
+      <p:sp>
+        <p:nvSpPr>
+          <p:cNvPr id="106" name="TextBox 105">
+            <a:extLst>
+              <a:ext uri="{FF2B5EF4-FFF2-40B4-BE49-F238E27FC236}">
+                <a16:creationId xmlns:a16="http://schemas.microsoft.com/office/drawing/2014/main" id="{9EE718F2-82EE-4E68-B394-15F28C76E8BD}"/>
+              </a:ext>
+            </a:extLst>
+          </p:cNvPr>
+          <p:cNvSpPr txBox="1"/>
+          <p:nvPr/>
+        </p:nvSpPr>
+        <p:spPr>
+          <a:xfrm>
+            <a:off x="6650540" y="5212064"/>
+            <a:ext cx="189257" cy="178683"/>
+          </a:xfrm>
+          <a:prstGeom prst="rect">
+            <a:avLst/>
+          </a:prstGeom>
+          <a:noFill/>
+        </p:spPr>
+        <p:txBody>
+          <a:bodyPr wrap="square" lIns="0" tIns="0" rIns="0" bIns="0" rtlCol="0">
+            <a:noAutofit/>
+          </a:bodyPr>
+          <a:lstStyle/>
+          <a:p>
+            <a:pPr algn="ctr"/>
+            <a:r>
+              <a:rPr lang="en-US" sz="1100" dirty="0">
+                <a:solidFill>
+                  <a:srgbClr val="7030A0"/>
+                </a:solidFill>
+              </a:rPr>
+              <a:t>*</a:t>
+            </a:r>
+            <a:endParaRPr lang="en-SG" sz="1100" dirty="0">
+              <a:solidFill>
+                <a:srgbClr val="7030A0"/>
+              </a:solidFill>
+            </a:endParaRPr>
+          </a:p>
+        </p:txBody>
+      </p:sp>
+      <p:sp>
+        <p:nvSpPr>
+          <p:cNvPr id="108" name="Rectangle 8">
+            <a:extLst>
+              <a:ext uri="{FF2B5EF4-FFF2-40B4-BE49-F238E27FC236}">
+                <a16:creationId xmlns:a16="http://schemas.microsoft.com/office/drawing/2014/main" id="{A09BB0E0-3411-4B00-8067-0B6E8EA4C19B}"/>
               </a:ext>
             </a:extLst>
           </p:cNvPr>
@@ -5913,8 +6001,8 @@
         </p:nvSpPr>
         <p:spPr>
           <a:xfrm>
-            <a:off x="6994195" y="3470320"/>
-            <a:ext cx="708186" cy="273969"/>
+            <a:off x="6869807" y="5060674"/>
+            <a:ext cx="708186" cy="285783"/>
           </a:xfrm>
           <a:prstGeom prst="rect">
             <a:avLst/>
@@ -5941,114 +6029,19 @@
           </a:fontRef>
         </p:style>
         <p:txBody>
-          <a:bodyPr lIns="0" rIns="0" rtlCol="0" anchor="ctr"/>
+          <a:bodyPr rtlCol="0" anchor="ctr"/>
           <a:lstStyle/>
           <a:p>
             <a:pPr algn="ctr"/>
             <a:r>
-              <a:rPr lang="en-US" sz="900" dirty="0">
+              <a:rPr lang="en-US" sz="1050" dirty="0">
                 <a:solidFill>
                   <a:srgbClr val="7030A0"/>
                 </a:solidFill>
               </a:rPr>
-              <a:t>ProfilePhoto</a:t>
-            </a:r>
-            <a:endParaRPr lang="en-SG" sz="900" dirty="0">
-              <a:solidFill>
-                <a:srgbClr val="7030A0"/>
-              </a:solidFill>
-            </a:endParaRPr>
-          </a:p>
-        </p:txBody>
-      </p:sp>
-      <p:cxnSp>
-        <p:nvCxnSpPr>
-          <p:cNvPr id="105" name="Elbow Connector 85">
-            <a:extLst>
-              <a:ext uri="{FF2B5EF4-FFF2-40B4-BE49-F238E27FC236}">
-                <a16:creationId xmlns:a16="http://schemas.microsoft.com/office/drawing/2014/main" id="{D575BF71-B8D7-4AF1-A7C7-6C0209C5615F}"/>
-              </a:ext>
-            </a:extLst>
-          </p:cNvPr>
-          <p:cNvCxnSpPr>
-            <a:cxnSpLocks/>
-            <a:stCxn id="96" idx="3"/>
-            <a:endCxn id="104" idx="1"/>
-          </p:cNvCxnSpPr>
-          <p:nvPr/>
-        </p:nvCxnSpPr>
-        <p:spPr>
-          <a:xfrm>
-            <a:off x="6542503" y="2939878"/>
-            <a:ext cx="451692" cy="667427"/>
-          </a:xfrm>
-          <a:prstGeom prst="bentConnector3">
-            <a:avLst>
-              <a:gd name="adj1" fmla="val 50000"/>
-            </a:avLst>
-          </a:prstGeom>
-          <a:ln w="19050">
-            <a:solidFill>
-              <a:srgbClr val="7030A0"/>
-            </a:solidFill>
-            <a:headEnd type="none" w="med" len="med"/>
-            <a:tailEnd type="arrow" w="med" len="med"/>
-          </a:ln>
-          <a:effectLst/>
-        </p:spPr>
-        <p:style>
-          <a:lnRef idx="1">
-            <a:schemeClr val="accent2"/>
-          </a:lnRef>
-          <a:fillRef idx="2">
-            <a:schemeClr val="accent2"/>
-          </a:fillRef>
-          <a:effectRef idx="1">
-            <a:schemeClr val="accent2"/>
-          </a:effectRef>
-          <a:fontRef idx="minor">
-            <a:schemeClr val="dk1"/>
-          </a:fontRef>
-        </p:style>
-      </p:cxnSp>
-      <p:sp>
-        <p:nvSpPr>
-          <p:cNvPr id="106" name="TextBox 105">
-            <a:extLst>
-              <a:ext uri="{FF2B5EF4-FFF2-40B4-BE49-F238E27FC236}">
-                <a16:creationId xmlns:a16="http://schemas.microsoft.com/office/drawing/2014/main" id="{9EE718F2-82EE-4E68-B394-15F28C76E8BD}"/>
-              </a:ext>
-            </a:extLst>
-          </p:cNvPr>
-          <p:cNvSpPr txBox="1"/>
-          <p:nvPr/>
-        </p:nvSpPr>
-        <p:spPr>
-          <a:xfrm>
-            <a:off x="6821143" y="4267200"/>
-            <a:ext cx="189257" cy="178683"/>
-          </a:xfrm>
-          <a:prstGeom prst="rect">
-            <a:avLst/>
-          </a:prstGeom>
-          <a:noFill/>
-        </p:spPr>
-        <p:txBody>
-          <a:bodyPr wrap="square" lIns="0" tIns="0" rIns="0" bIns="0" rtlCol="0">
-            <a:noAutofit/>
-          </a:bodyPr>
-          <a:lstStyle/>
-          <a:p>
-            <a:pPr algn="ctr"/>
-            <a:r>
-              <a:rPr lang="en-US" sz="1100" dirty="0">
-                <a:solidFill>
-                  <a:srgbClr val="7030A0"/>
-                </a:solidFill>
-              </a:rPr>
-              <a:t>*</a:t>
-            </a:r>
-            <a:endParaRPr lang="en-SG" sz="1100" dirty="0">
+              <a:t>Tag</a:t>
+            </a:r>
+            <a:endParaRPr lang="en-SG" sz="1050" dirty="0">
               <a:solidFill>
                 <a:srgbClr val="7030A0"/>
               </a:solidFill>
@@ -6068,14 +6061,14 @@
           <p:cNvCxnSpPr>
             <a:cxnSpLocks/>
             <a:stCxn id="96" idx="3"/>
-            <a:endCxn id="74" idx="1"/>
+            <a:endCxn id="108" idx="1"/>
           </p:cNvCxnSpPr>
           <p:nvPr/>
         </p:nvCxnSpPr>
         <p:spPr>
           <a:xfrm>
-            <a:off x="6542503" y="2939878"/>
-            <a:ext cx="451504" cy="1273090"/>
+            <a:off x="6439771" y="3625678"/>
+            <a:ext cx="430036" cy="1577888"/>
           </a:xfrm>
           <a:prstGeom prst="bentConnector3">
             <a:avLst>
@@ -6108,10 +6101,10 @@
       </p:cxnSp>
       <p:sp>
         <p:nvSpPr>
-          <p:cNvPr id="110" name="Rectangle 8">
+          <p:cNvPr id="116" name="Rectangle 8">
             <a:extLst>
               <a:ext uri="{FF2B5EF4-FFF2-40B4-BE49-F238E27FC236}">
-                <a16:creationId xmlns:a16="http://schemas.microsoft.com/office/drawing/2014/main" id="{9B03F6C4-8967-4E9C-BE36-4BF33BF0922F}"/>
+                <a16:creationId xmlns:a16="http://schemas.microsoft.com/office/drawing/2014/main" id="{FF7759CD-5658-4C0B-88CC-6486C1D6127B}"/>
               </a:ext>
             </a:extLst>
           </p:cNvPr>
@@ -6120,7 +6113,7 @@
         </p:nvSpPr>
         <p:spPr>
           <a:xfrm>
-            <a:off x="6992441" y="4420692"/>
+            <a:off x="6887677" y="1405322"/>
             <a:ext cx="708186" cy="285783"/>
           </a:xfrm>
           <a:prstGeom prst="rect">
@@ -6153,118 +6146,6 @@
           <a:p>
             <a:pPr algn="ctr"/>
             <a:r>
-              <a:rPr lang="en-US" sz="800" dirty="0">
-                <a:solidFill>
-                  <a:srgbClr val="7030A0"/>
-                </a:solidFill>
-              </a:rPr>
-              <a:t>&lt;&lt;Map&gt;&gt; String, Mark</a:t>
-            </a:r>
-            <a:endParaRPr lang="en-SG" sz="800" dirty="0">
-              <a:solidFill>
-                <a:srgbClr val="7030A0"/>
-              </a:solidFill>
-            </a:endParaRPr>
-          </a:p>
-        </p:txBody>
-      </p:sp>
-      <p:cxnSp>
-        <p:nvCxnSpPr>
-          <p:cNvPr id="111" name="Elbow Connector 85">
-            <a:extLst>
-              <a:ext uri="{FF2B5EF4-FFF2-40B4-BE49-F238E27FC236}">
-                <a16:creationId xmlns:a16="http://schemas.microsoft.com/office/drawing/2014/main" id="{47D42322-0BDB-4AC2-A8B5-85DF76750308}"/>
-              </a:ext>
-            </a:extLst>
-          </p:cNvPr>
-          <p:cNvCxnSpPr>
-            <a:cxnSpLocks/>
-            <a:stCxn id="96" idx="3"/>
-            <a:endCxn id="110" idx="1"/>
-          </p:cNvCxnSpPr>
-          <p:nvPr/>
-        </p:nvCxnSpPr>
-        <p:spPr>
-          <a:xfrm>
-            <a:off x="6542503" y="2939878"/>
-            <a:ext cx="449938" cy="1623706"/>
-          </a:xfrm>
-          <a:prstGeom prst="bentConnector3">
-            <a:avLst>
-              <a:gd name="adj1" fmla="val 50000"/>
-            </a:avLst>
-          </a:prstGeom>
-          <a:ln w="19050">
-            <a:solidFill>
-              <a:srgbClr val="7030A0"/>
-            </a:solidFill>
-            <a:headEnd type="none" w="med" len="med"/>
-            <a:tailEnd type="arrow" w="med" len="med"/>
-          </a:ln>
-          <a:effectLst/>
-        </p:spPr>
-        <p:style>
-          <a:lnRef idx="1">
-            <a:schemeClr val="accent2"/>
-          </a:lnRef>
-          <a:fillRef idx="2">
-            <a:schemeClr val="accent2"/>
-          </a:fillRef>
-          <a:effectRef idx="1">
-            <a:schemeClr val="accent2"/>
-          </a:effectRef>
-          <a:fontRef idx="minor">
-            <a:schemeClr val="dk1"/>
-          </a:fontRef>
-        </p:style>
-      </p:cxnSp>
-      <p:sp>
-        <p:nvSpPr>
-          <p:cNvPr id="116" name="Rectangle 8">
-            <a:extLst>
-              <a:ext uri="{FF2B5EF4-FFF2-40B4-BE49-F238E27FC236}">
-                <a16:creationId xmlns:a16="http://schemas.microsoft.com/office/drawing/2014/main" id="{FF7759CD-5658-4C0B-88CC-6486C1D6127B}"/>
-              </a:ext>
-            </a:extLst>
-          </p:cNvPr>
-          <p:cNvSpPr/>
-          <p:nvPr/>
-        </p:nvSpPr>
-        <p:spPr>
-          <a:xfrm>
-            <a:off x="6990409" y="609600"/>
-            <a:ext cx="708186" cy="285783"/>
-          </a:xfrm>
-          <a:prstGeom prst="rect">
-            <a:avLst/>
-          </a:prstGeom>
-          <a:ln w="19050">
-            <a:solidFill>
-              <a:srgbClr val="7030A0"/>
-            </a:solidFill>
-          </a:ln>
-          <a:effectLst/>
-        </p:spPr>
-        <p:style>
-          <a:lnRef idx="1">
-            <a:schemeClr val="accent4"/>
-          </a:lnRef>
-          <a:fillRef idx="2">
-            <a:schemeClr val="accent4"/>
-          </a:fillRef>
-          <a:effectRef idx="1">
-            <a:schemeClr val="accent4"/>
-          </a:effectRef>
-          <a:fontRef idx="minor">
-            <a:schemeClr val="dk1"/>
-          </a:fontRef>
-        </p:style>
-        <p:txBody>
-          <a:bodyPr rtlCol="0" anchor="ctr"/>
-          <a:lstStyle/>
-          <a:p>
-            <a:pPr algn="ctr"/>
-            <a:r>
               <a:rPr lang="en-US" sz="1050" dirty="0">
                 <a:solidFill>
                   <a:srgbClr val="7030A0"/>
@@ -6294,7 +6175,7 @@
         </p:nvSpPr>
         <p:spPr>
           <a:xfrm>
-            <a:off x="6327778" y="1950142"/>
+            <a:off x="6225046" y="2754102"/>
             <a:ext cx="236048" cy="173380"/>
           </a:xfrm>
           <a:prstGeom prst="flowChartDecision">
@@ -6351,8 +6232,8 @@
         </p:nvCxnSpPr>
         <p:spPr>
           <a:xfrm flipV="1">
-            <a:off x="6563826" y="752492"/>
-            <a:ext cx="426583" cy="1284340"/>
+            <a:off x="6461094" y="1548214"/>
+            <a:ext cx="426583" cy="1292578"/>
           </a:xfrm>
           <a:prstGeom prst="bentConnector3">
             <a:avLst/>
@@ -6395,7 +6276,7 @@
         </p:nvSpPr>
         <p:spPr>
           <a:xfrm>
-            <a:off x="6990409" y="932578"/>
+            <a:off x="6887677" y="1728300"/>
             <a:ext cx="708186" cy="285783"/>
           </a:xfrm>
           <a:prstGeom prst="rect">
@@ -6460,8 +6341,8 @@
         </p:nvCxnSpPr>
         <p:spPr>
           <a:xfrm flipV="1">
-            <a:off x="6563826" y="1075470"/>
-            <a:ext cx="426583" cy="961362"/>
+            <a:off x="6461094" y="1871192"/>
+            <a:ext cx="426583" cy="969600"/>
           </a:xfrm>
           <a:prstGeom prst="bentConnector3">
             <a:avLst/>
@@ -6504,7 +6385,7 @@
         </p:nvSpPr>
         <p:spPr>
           <a:xfrm>
-            <a:off x="6990409" y="1255556"/>
+            <a:off x="6887677" y="2051278"/>
             <a:ext cx="708186" cy="285783"/>
           </a:xfrm>
           <a:prstGeom prst="rect">
@@ -6569,8 +6450,8 @@
         </p:nvCxnSpPr>
         <p:spPr>
           <a:xfrm flipV="1">
-            <a:off x="6563826" y="1398448"/>
-            <a:ext cx="426583" cy="638384"/>
+            <a:off x="6461094" y="2194170"/>
+            <a:ext cx="426583" cy="646622"/>
           </a:xfrm>
           <a:prstGeom prst="bentConnector3">
             <a:avLst/>
@@ -6613,7 +6494,7 @@
         </p:nvSpPr>
         <p:spPr>
           <a:xfrm>
-            <a:off x="6990409" y="1578533"/>
+            <a:off x="6887677" y="2374255"/>
             <a:ext cx="708186" cy="285783"/>
           </a:xfrm>
           <a:prstGeom prst="rect">
@@ -6678,8 +6559,8 @@
         </p:nvCxnSpPr>
         <p:spPr>
           <a:xfrm flipV="1">
-            <a:off x="6563826" y="1721425"/>
-            <a:ext cx="426583" cy="315407"/>
+            <a:off x="6461094" y="2517147"/>
+            <a:ext cx="426583" cy="323645"/>
           </a:xfrm>
           <a:prstGeom prst="bentConnector3">
             <a:avLst/>
@@ -6722,7 +6603,7 @@
         </p:nvSpPr>
         <p:spPr>
           <a:xfrm>
-            <a:off x="6990409" y="1902179"/>
+            <a:off x="6887677" y="2697901"/>
             <a:ext cx="708186" cy="285783"/>
           </a:xfrm>
           <a:prstGeom prst="rect">
@@ -6788,8 +6669,8 @@
         </p:nvCxnSpPr>
         <p:spPr>
           <a:xfrm>
-            <a:off x="6563826" y="2036832"/>
-            <a:ext cx="426583" cy="8239"/>
+            <a:off x="6461094" y="2840792"/>
+            <a:ext cx="426583" cy="1"/>
           </a:xfrm>
           <a:prstGeom prst="bentConnector3">
             <a:avLst>
@@ -6822,29 +6703,26 @@
       </p:cxnSp>
       <p:cxnSp>
         <p:nvCxnSpPr>
-          <p:cNvPr id="145" name="Elbow Connector 85">
+          <p:cNvPr id="79" name="Elbow Connector 78">
             <a:extLst>
               <a:ext uri="{FF2B5EF4-FFF2-40B4-BE49-F238E27FC236}">
-                <a16:creationId xmlns:a16="http://schemas.microsoft.com/office/drawing/2014/main" id="{442574AE-2B20-4EAA-A346-7635CCF18566}"/>
+                <a16:creationId xmlns:a16="http://schemas.microsoft.com/office/drawing/2014/main" id="{F0B38BD1-0419-E741-8137-C2B4D26881F8}"/>
               </a:ext>
             </a:extLst>
           </p:cNvPr>
           <p:cNvCxnSpPr>
             <a:cxnSpLocks/>
-            <a:stCxn id="110" idx="3"/>
-            <a:endCxn id="130" idx="3"/>
+            <a:endCxn id="81" idx="1"/>
           </p:cNvCxnSpPr>
           <p:nvPr/>
         </p:nvCxnSpPr>
         <p:spPr>
-          <a:xfrm flipH="1" flipV="1">
-            <a:off x="7698595" y="2045071"/>
-            <a:ext cx="2032" cy="2518513"/>
-          </a:xfrm>
-          <a:prstGeom prst="bentConnector3">
-            <a:avLst>
-              <a:gd name="adj1" fmla="val -9222982"/>
-            </a:avLst>
+          <a:xfrm rot="5400000" flipH="1" flipV="1">
+            <a:off x="2919161" y="1961522"/>
+            <a:ext cx="1715158" cy="339372"/>
+          </a:xfrm>
+          <a:prstGeom prst="bentConnector2">
+            <a:avLst/>
           </a:prstGeom>
           <a:ln w="19050">
             <a:solidFill>
@@ -6872,10 +6750,55 @@
       </p:cxnSp>
       <p:sp>
         <p:nvSpPr>
-          <p:cNvPr id="148" name="Rectangle 8">
+          <p:cNvPr id="80" name="TextBox 79">
             <a:extLst>
               <a:ext uri="{FF2B5EF4-FFF2-40B4-BE49-F238E27FC236}">
-                <a16:creationId xmlns:a16="http://schemas.microsoft.com/office/drawing/2014/main" id="{30B75203-62A7-48A4-B47A-52E150261A54}"/>
+                <a16:creationId xmlns:a16="http://schemas.microsoft.com/office/drawing/2014/main" id="{36FB98B8-354C-E547-936B-3C5BB8B99B37}"/>
+              </a:ext>
+            </a:extLst>
+          </p:cNvPr>
+          <p:cNvSpPr txBox="1"/>
+          <p:nvPr/>
+        </p:nvSpPr>
+        <p:spPr>
+          <a:xfrm>
+            <a:off x="3418181" y="1125469"/>
+            <a:ext cx="189257" cy="178683"/>
+          </a:xfrm>
+          <a:prstGeom prst="rect">
+            <a:avLst/>
+          </a:prstGeom>
+          <a:noFill/>
+        </p:spPr>
+        <p:txBody>
+          <a:bodyPr wrap="square" lIns="0" tIns="0" rIns="0" bIns="0" rtlCol="0">
+            <a:noAutofit/>
+          </a:bodyPr>
+          <a:lstStyle/>
+          <a:p>
+            <a:pPr algn="ctr"/>
+            <a:r>
+              <a:rPr lang="en-US" sz="1100" dirty="0">
+                <a:solidFill>
+                  <a:srgbClr val="7030A0"/>
+                </a:solidFill>
+              </a:rPr>
+              <a:t>1</a:t>
+            </a:r>
+            <a:endParaRPr lang="en-SG" sz="1100" dirty="0">
+              <a:solidFill>
+                <a:srgbClr val="7030A0"/>
+              </a:solidFill>
+            </a:endParaRPr>
+          </a:p>
+        </p:txBody>
+      </p:sp>
+      <p:sp>
+        <p:nvSpPr>
+          <p:cNvPr id="81" name="Rectangle 8">
+            <a:extLst>
+              <a:ext uri="{FF2B5EF4-FFF2-40B4-BE49-F238E27FC236}">
+                <a16:creationId xmlns:a16="http://schemas.microsoft.com/office/drawing/2014/main" id="{55B20117-8130-B44C-BC39-355E72C07BA5}"/>
               </a:ext>
             </a:extLst>
           </p:cNvPr>
@@ -6884,8 +6807,8 @@
         </p:nvSpPr>
         <p:spPr>
           <a:xfrm>
-            <a:off x="8077200" y="4408580"/>
-            <a:ext cx="708186" cy="285783"/>
+            <a:off x="3946426" y="1130737"/>
+            <a:ext cx="1156969" cy="285783"/>
           </a:xfrm>
           <a:prstGeom prst="rect">
             <a:avLst/>
@@ -6917,14 +6840,14 @@
           <a:p>
             <a:pPr algn="ctr"/>
             <a:r>
-              <a:rPr lang="en-US" sz="1050" dirty="0">
+              <a:rPr lang="en-US" sz="800" dirty="0" err="1">
                 <a:solidFill>
                   <a:srgbClr val="7030A0"/>
                 </a:solidFill>
               </a:rPr>
-              <a:t>Mark</a:t>
-            </a:r>
-            <a:endParaRPr lang="en-SG" sz="1050" dirty="0">
+              <a:t>UniqueAttendanceList</a:t>
+            </a:r>
+            <a:endParaRPr lang="en-SG" sz="800" dirty="0">
               <a:solidFill>
                 <a:srgbClr val="7030A0"/>
               </a:solidFill>
@@ -6932,102 +6855,59 @@
           </a:p>
         </p:txBody>
       </p:sp>
-      <p:sp>
-        <p:nvSpPr>
-          <p:cNvPr id="152" name="TextBox 151">
+      <p:cxnSp>
+        <p:nvCxnSpPr>
+          <p:cNvPr id="86" name="Elbow Connector 63">
             <a:extLst>
               <a:ext uri="{FF2B5EF4-FFF2-40B4-BE49-F238E27FC236}">
-                <a16:creationId xmlns:a16="http://schemas.microsoft.com/office/drawing/2014/main" id="{37A29652-75BB-489C-BAE0-8C50B2D344D9}"/>
+                <a16:creationId xmlns:a16="http://schemas.microsoft.com/office/drawing/2014/main" id="{D7349BDE-276C-B84A-856C-DD8E7A239DFA}"/>
               </a:ext>
             </a:extLst>
           </p:cNvPr>
-          <p:cNvSpPr txBox="1"/>
+          <p:cNvCxnSpPr>
+            <a:cxnSpLocks/>
+            <a:endCxn id="87" idx="1"/>
+          </p:cNvCxnSpPr>
           <p:nvPr/>
-        </p:nvSpPr>
-        <p:spPr>
-          <a:xfrm>
-            <a:off x="7679049" y="2190646"/>
-            <a:ext cx="189257" cy="178683"/>
-          </a:xfrm>
-          <a:prstGeom prst="rect">
+        </p:nvCxnSpPr>
+        <p:spPr>
+          <a:xfrm flipV="1">
+            <a:off x="5070516" y="1125469"/>
+            <a:ext cx="432916" cy="111294"/>
+          </a:xfrm>
+          <a:prstGeom prst="bentConnector3">
             <a:avLst/>
           </a:prstGeom>
-          <a:noFill/>
-        </p:spPr>
-        <p:txBody>
-          <a:bodyPr wrap="square" lIns="0" tIns="0" rIns="0" bIns="0" rtlCol="0">
-            <a:noAutofit/>
-          </a:bodyPr>
-          <a:lstStyle/>
-          <a:p>
-            <a:pPr algn="ctr"/>
-            <a:r>
-              <a:rPr lang="en-US" sz="1100" dirty="0">
-                <a:solidFill>
-                  <a:srgbClr val="7030A0"/>
-                </a:solidFill>
-              </a:rPr>
-              <a:t>*</a:t>
-            </a:r>
-            <a:endParaRPr lang="en-SG" sz="1100" dirty="0">
-              <a:solidFill>
-                <a:srgbClr val="7030A0"/>
-              </a:solidFill>
-            </a:endParaRPr>
-          </a:p>
-        </p:txBody>
-      </p:sp>
-      <p:sp>
-        <p:nvSpPr>
-          <p:cNvPr id="153" name="TextBox 152">
+          <a:ln w="19050">
+            <a:solidFill>
+              <a:srgbClr val="7030A0"/>
+            </a:solidFill>
+            <a:headEnd type="none" w="med" len="med"/>
+            <a:tailEnd type="arrow" w="med" len="med"/>
+          </a:ln>
+          <a:effectLst/>
+        </p:spPr>
+        <p:style>
+          <a:lnRef idx="1">
+            <a:schemeClr val="accent2"/>
+          </a:lnRef>
+          <a:fillRef idx="2">
+            <a:schemeClr val="accent2"/>
+          </a:fillRef>
+          <a:effectRef idx="1">
+            <a:schemeClr val="accent2"/>
+          </a:effectRef>
+          <a:fontRef idx="minor">
+            <a:schemeClr val="dk1"/>
+          </a:fontRef>
+        </p:style>
+      </p:cxnSp>
+      <p:sp>
+        <p:nvSpPr>
+          <p:cNvPr id="87" name="Rectangle 8">
             <a:extLst>
               <a:ext uri="{FF2B5EF4-FFF2-40B4-BE49-F238E27FC236}">
-                <a16:creationId xmlns:a16="http://schemas.microsoft.com/office/drawing/2014/main" id="{524D4CF8-3B5B-4B11-910C-9B0999752467}"/>
-              </a:ext>
-            </a:extLst>
-          </p:cNvPr>
-          <p:cNvSpPr txBox="1"/>
-          <p:nvPr/>
-        </p:nvSpPr>
-        <p:spPr>
-          <a:xfrm>
-            <a:off x="7811743" y="4563584"/>
-            <a:ext cx="189257" cy="178683"/>
-          </a:xfrm>
-          <a:prstGeom prst="rect">
-            <a:avLst/>
-          </a:prstGeom>
-          <a:noFill/>
-        </p:spPr>
-        <p:txBody>
-          <a:bodyPr wrap="square" lIns="0" tIns="0" rIns="0" bIns="0" rtlCol="0">
-            <a:noAutofit/>
-          </a:bodyPr>
-          <a:lstStyle/>
-          <a:p>
-            <a:pPr algn="ctr"/>
-            <a:r>
-              <a:rPr lang="en-US" sz="1100" dirty="0">
-                <a:solidFill>
-                  <a:srgbClr val="7030A0"/>
-                </a:solidFill>
-              </a:rPr>
-              <a:t>*</a:t>
-            </a:r>
-            <a:endParaRPr lang="en-SG" sz="1100" dirty="0">
-              <a:solidFill>
-                <a:srgbClr val="7030A0"/>
-              </a:solidFill>
-            </a:endParaRPr>
-          </a:p>
-        </p:txBody>
-      </p:sp>
-      <p:sp>
-        <p:nvSpPr>
-          <p:cNvPr id="74" name="Rectangle 8">
-            <a:extLst>
-              <a:ext uri="{FF2B5EF4-FFF2-40B4-BE49-F238E27FC236}">
-                <a16:creationId xmlns:a16="http://schemas.microsoft.com/office/drawing/2014/main" id="{F8BC612D-C501-4765-BFD5-BBAE409253E8}"/>
+                <a16:creationId xmlns:a16="http://schemas.microsoft.com/office/drawing/2014/main" id="{0AA58BE7-6048-0E4E-A3DB-304F197E6C04}"/>
               </a:ext>
             </a:extLst>
           </p:cNvPr>
@@ -7036,8 +6916,8 @@
         </p:nvSpPr>
         <p:spPr>
           <a:xfrm>
-            <a:off x="6994007" y="4056446"/>
-            <a:ext cx="708186" cy="313044"/>
+            <a:off x="5503432" y="952089"/>
+            <a:ext cx="708186" cy="346760"/>
           </a:xfrm>
           <a:prstGeom prst="rect">
             <a:avLst/>
@@ -7074,20 +6954,9 @@
                   <a:srgbClr val="7030A0"/>
                 </a:solidFill>
               </a:rPr>
-              <a:t>&lt;&lt;Set&gt;&gt; </a:t>
-            </a:r>
-          </a:p>
-          <a:p>
-            <a:pPr algn="ctr"/>
-            <a:r>
-              <a:rPr lang="en-US" sz="800" dirty="0">
-                <a:solidFill>
-                  <a:srgbClr val="7030A0"/>
-                </a:solidFill>
-              </a:rPr>
-              <a:t>Tag</a:t>
-            </a:r>
-            <a:endParaRPr lang="en-SG" sz="800" dirty="0">
+              <a:t>Attendance</a:t>
+            </a:r>
+            <a:endParaRPr lang="en-SG" sz="1050" dirty="0">
               <a:solidFill>
                 <a:srgbClr val="7030A0"/>
               </a:solidFill>
@@ -7097,10 +6966,10 @@
       </p:sp>
       <p:sp>
         <p:nvSpPr>
-          <p:cNvPr id="112" name="Rectangle 8">
+          <p:cNvPr id="88" name="Flowchart: Decision 96">
             <a:extLst>
               <a:ext uri="{FF2B5EF4-FFF2-40B4-BE49-F238E27FC236}">
-                <a16:creationId xmlns:a16="http://schemas.microsoft.com/office/drawing/2014/main" id="{EC735733-BBC2-48E9-BF55-8DE0F5009D3B}"/>
+                <a16:creationId xmlns:a16="http://schemas.microsoft.com/office/drawing/2014/main" id="{D5A6FF31-EF79-FF44-8F7B-59A14A6EB223}"/>
               </a:ext>
             </a:extLst>
           </p:cNvPr>
@@ -7109,8 +6978,114 @@
         </p:nvSpPr>
         <p:spPr>
           <a:xfrm>
-            <a:off x="6990409" y="3790013"/>
-            <a:ext cx="708186" cy="227343"/>
+            <a:off x="5097565" y="1154544"/>
+            <a:ext cx="236048" cy="173380"/>
+          </a:xfrm>
+          <a:prstGeom prst="flowChartDecision">
+            <a:avLst/>
+          </a:prstGeom>
+          <a:solidFill>
+            <a:srgbClr val="7030A0"/>
+          </a:solidFill>
+          <a:ln w="19050">
+            <a:solidFill>
+              <a:srgbClr val="7030A0"/>
+            </a:solidFill>
+          </a:ln>
+          <a:effectLst/>
+        </p:spPr>
+        <p:style>
+          <a:lnRef idx="1">
+            <a:schemeClr val="accent6"/>
+          </a:lnRef>
+          <a:fillRef idx="2">
+            <a:schemeClr val="accent6"/>
+          </a:fillRef>
+          <a:effectRef idx="1">
+            <a:schemeClr val="accent6"/>
+          </a:effectRef>
+          <a:fontRef idx="minor">
+            <a:schemeClr val="dk1"/>
+          </a:fontRef>
+        </p:style>
+        <p:txBody>
+          <a:bodyPr rtlCol="0" anchor="ctr"/>
+          <a:lstStyle/>
+          <a:p>
+            <a:pPr algn="ctr"/>
+            <a:endParaRPr lang="en-US" sz="1050"/>
+          </a:p>
+        </p:txBody>
+      </p:sp>
+      <p:sp>
+        <p:nvSpPr>
+          <p:cNvPr id="112" name="Flowchart: Decision 96">
+            <a:extLst>
+              <a:ext uri="{FF2B5EF4-FFF2-40B4-BE49-F238E27FC236}">
+                <a16:creationId xmlns:a16="http://schemas.microsoft.com/office/drawing/2014/main" id="{82AA1037-5A6F-7343-804A-12C82C4B9900}"/>
+              </a:ext>
+            </a:extLst>
+          </p:cNvPr>
+          <p:cNvSpPr/>
+          <p:nvPr/>
+        </p:nvSpPr>
+        <p:spPr>
+          <a:xfrm>
+            <a:off x="6225046" y="1002835"/>
+            <a:ext cx="236048" cy="173380"/>
+          </a:xfrm>
+          <a:prstGeom prst="flowChartDecision">
+            <a:avLst/>
+          </a:prstGeom>
+          <a:solidFill>
+            <a:srgbClr val="7030A0"/>
+          </a:solidFill>
+          <a:ln w="19050">
+            <a:solidFill>
+              <a:srgbClr val="7030A0"/>
+            </a:solidFill>
+          </a:ln>
+          <a:effectLst/>
+        </p:spPr>
+        <p:style>
+          <a:lnRef idx="1">
+            <a:schemeClr val="accent6"/>
+          </a:lnRef>
+          <a:fillRef idx="2">
+            <a:schemeClr val="accent6"/>
+          </a:fillRef>
+          <a:effectRef idx="1">
+            <a:schemeClr val="accent6"/>
+          </a:effectRef>
+          <a:fontRef idx="minor">
+            <a:schemeClr val="dk1"/>
+          </a:fontRef>
+        </p:style>
+        <p:txBody>
+          <a:bodyPr rtlCol="0" anchor="ctr"/>
+          <a:lstStyle/>
+          <a:p>
+            <a:pPr algn="ctr"/>
+            <a:endParaRPr lang="en-US" sz="1050" dirty="0"/>
+          </a:p>
+        </p:txBody>
+      </p:sp>
+      <p:sp>
+        <p:nvSpPr>
+          <p:cNvPr id="113" name="Rectangle 8">
+            <a:extLst>
+              <a:ext uri="{FF2B5EF4-FFF2-40B4-BE49-F238E27FC236}">
+                <a16:creationId xmlns:a16="http://schemas.microsoft.com/office/drawing/2014/main" id="{43FA5385-30A7-2C4E-99A4-D61C65B875E8}"/>
+              </a:ext>
+            </a:extLst>
+          </p:cNvPr>
+          <p:cNvSpPr/>
+          <p:nvPr/>
+        </p:nvSpPr>
+        <p:spPr>
+          <a:xfrm>
+            <a:off x="6887677" y="622988"/>
+            <a:ext cx="708186" cy="285783"/>
           </a:xfrm>
           <a:prstGeom prst="rect">
             <a:avLst/>
@@ -7147,7 +7122,7 @@
                   <a:srgbClr val="7030A0"/>
                 </a:solidFill>
               </a:rPr>
-              <a:t>Note</a:t>
+              <a:t>Deadline</a:t>
             </a:r>
             <a:endParaRPr lang="en-SG" sz="1050" dirty="0">
               <a:solidFill>
@@ -7159,29 +7134,26 @@
       </p:sp>
       <p:cxnSp>
         <p:nvCxnSpPr>
-          <p:cNvPr id="113" name="Elbow Connector 85">
+          <p:cNvPr id="115" name="Elbow Connector 85">
             <a:extLst>
               <a:ext uri="{FF2B5EF4-FFF2-40B4-BE49-F238E27FC236}">
-                <a16:creationId xmlns:a16="http://schemas.microsoft.com/office/drawing/2014/main" id="{6A188D13-5842-417B-B8CF-8655B67823D6}"/>
+                <a16:creationId xmlns:a16="http://schemas.microsoft.com/office/drawing/2014/main" id="{35055857-B792-D842-84A0-5E693A1C5484}"/>
               </a:ext>
             </a:extLst>
           </p:cNvPr>
           <p:cNvCxnSpPr>
-            <a:cxnSpLocks/>
-            <a:stCxn id="96" idx="3"/>
-            <a:endCxn id="112" idx="1"/>
+            <a:stCxn id="112" idx="3"/>
+            <a:endCxn id="113" idx="1"/>
           </p:cNvCxnSpPr>
           <p:nvPr/>
         </p:nvCxnSpPr>
         <p:spPr>
-          <a:xfrm>
-            <a:off x="6542503" y="2939878"/>
-            <a:ext cx="447906" cy="963807"/>
+          <a:xfrm flipV="1">
+            <a:off x="6461094" y="765880"/>
+            <a:ext cx="426583" cy="323645"/>
           </a:xfrm>
           <a:prstGeom prst="bentConnector3">
-            <a:avLst>
-              <a:gd name="adj1" fmla="val 51839"/>
-            </a:avLst>
+            <a:avLst/>
           </a:prstGeom>
           <a:ln w="19050">
             <a:solidFill>
@@ -7207,47 +7179,488 @@
           </a:fontRef>
         </p:style>
       </p:cxnSp>
+      <p:sp>
+        <p:nvSpPr>
+          <p:cNvPr id="132" name="Rectangle 8">
+            <a:extLst>
+              <a:ext uri="{FF2B5EF4-FFF2-40B4-BE49-F238E27FC236}">
+                <a16:creationId xmlns:a16="http://schemas.microsoft.com/office/drawing/2014/main" id="{9618CFFC-AD7F-8043-A28A-8D79EB6D6B95}"/>
+              </a:ext>
+            </a:extLst>
+          </p:cNvPr>
+          <p:cNvSpPr/>
+          <p:nvPr/>
+        </p:nvSpPr>
+        <p:spPr>
+          <a:xfrm>
+            <a:off x="6887677" y="946634"/>
+            <a:ext cx="708186" cy="285783"/>
+          </a:xfrm>
+          <a:prstGeom prst="rect">
+            <a:avLst/>
+          </a:prstGeom>
+          <a:ln w="19050">
+            <a:solidFill>
+              <a:srgbClr val="7030A0"/>
+            </a:solidFill>
+          </a:ln>
+          <a:effectLst/>
+        </p:spPr>
+        <p:style>
+          <a:lnRef idx="1">
+            <a:schemeClr val="accent4"/>
+          </a:lnRef>
+          <a:fillRef idx="2">
+            <a:schemeClr val="accent4"/>
+          </a:fillRef>
+          <a:effectRef idx="1">
+            <a:schemeClr val="accent4"/>
+          </a:effectRef>
+          <a:fontRef idx="minor">
+            <a:schemeClr val="dk1"/>
+          </a:fontRef>
+        </p:style>
+        <p:txBody>
+          <a:bodyPr rtlCol="0" anchor="ctr"/>
+          <a:lstStyle/>
+          <a:p>
+            <a:pPr algn="ctr"/>
+            <a:r>
+              <a:rPr lang="en-US" sz="1050" dirty="0">
+                <a:solidFill>
+                  <a:srgbClr val="7030A0"/>
+                </a:solidFill>
+              </a:rPr>
+              <a:t>String</a:t>
+            </a:r>
+            <a:endParaRPr lang="en-SG" sz="1050" dirty="0">
+              <a:solidFill>
+                <a:srgbClr val="7030A0"/>
+              </a:solidFill>
+            </a:endParaRPr>
+          </a:p>
+        </p:txBody>
+      </p:sp>
       <p:cxnSp>
         <p:nvCxnSpPr>
-          <p:cNvPr id="78" name="Straight Arrow Connector 77">
+          <p:cNvPr id="133" name="Elbow Connector 85">
             <a:extLst>
               <a:ext uri="{FF2B5EF4-FFF2-40B4-BE49-F238E27FC236}">
-                <a16:creationId xmlns:a16="http://schemas.microsoft.com/office/drawing/2014/main" id="{59E25A25-6135-4A91-8763-08321A35E4C1}"/>
+                <a16:creationId xmlns:a16="http://schemas.microsoft.com/office/drawing/2014/main" id="{B3FA146A-17B3-2549-B3AC-A7587F8E7A7C}"/>
               </a:ext>
             </a:extLst>
           </p:cNvPr>
           <p:cNvCxnSpPr>
-            <a:stCxn id="110" idx="3"/>
+            <a:cxnSpLocks/>
+            <a:stCxn id="112" idx="3"/>
+            <a:endCxn id="132" idx="1"/>
           </p:cNvCxnSpPr>
           <p:nvPr/>
         </p:nvCxnSpPr>
         <p:spPr>
-          <a:xfrm flipV="1">
-            <a:off x="7700627" y="4551471"/>
-            <a:ext cx="376573" cy="12113"/>
-          </a:xfrm>
-          <a:prstGeom prst="straightConnector1">
-            <a:avLst/>
+          <a:xfrm>
+            <a:off x="6461094" y="1089525"/>
+            <a:ext cx="426583" cy="1"/>
+          </a:xfrm>
+          <a:prstGeom prst="bentConnector3">
+            <a:avLst>
+              <a:gd name="adj1" fmla="val 50000"/>
+            </a:avLst>
           </a:prstGeom>
           <a:ln w="19050">
             <a:solidFill>
-              <a:schemeClr val="accent4"/>
+              <a:srgbClr val="7030A0"/>
             </a:solidFill>
-            <a:tailEnd type="arrow"/>
+            <a:headEnd type="none" w="med" len="med"/>
+            <a:tailEnd type="arrow" w="med" len="med"/>
           </a:ln>
+          <a:effectLst/>
         </p:spPr>
         <p:style>
           <a:lnRef idx="1">
-            <a:schemeClr val="accent1"/>
+            <a:schemeClr val="accent2"/>
           </a:lnRef>
-          <a:fillRef idx="0">
-            <a:schemeClr val="accent1"/>
+          <a:fillRef idx="2">
+            <a:schemeClr val="accent2"/>
           </a:fillRef>
-          <a:effectRef idx="0">
-            <a:schemeClr val="accent1"/>
+          <a:effectRef idx="1">
+            <a:schemeClr val="accent2"/>
           </a:effectRef>
           <a:fontRef idx="minor">
-            <a:schemeClr val="tx1"/>
+            <a:schemeClr val="dk1"/>
+          </a:fontRef>
+        </p:style>
+      </p:cxnSp>
+      <p:sp>
+        <p:nvSpPr>
+          <p:cNvPr id="146" name="TextBox 145">
+            <a:extLst>
+              <a:ext uri="{FF2B5EF4-FFF2-40B4-BE49-F238E27FC236}">
+                <a16:creationId xmlns:a16="http://schemas.microsoft.com/office/drawing/2014/main" id="{41AEFFA8-76DD-5B47-B688-AC56FFEFF91F}"/>
+              </a:ext>
+            </a:extLst>
+          </p:cNvPr>
+          <p:cNvSpPr txBox="1"/>
+          <p:nvPr/>
+        </p:nvSpPr>
+        <p:spPr>
+          <a:xfrm>
+            <a:off x="6661723" y="5542137"/>
+            <a:ext cx="189257" cy="178683"/>
+          </a:xfrm>
+          <a:prstGeom prst="rect">
+            <a:avLst/>
+          </a:prstGeom>
+          <a:noFill/>
+        </p:spPr>
+        <p:txBody>
+          <a:bodyPr wrap="square" lIns="0" tIns="0" rIns="0" bIns="0" rtlCol="0">
+            <a:noAutofit/>
+          </a:bodyPr>
+          <a:lstStyle/>
+          <a:p>
+            <a:pPr algn="ctr"/>
+            <a:r>
+              <a:rPr lang="en-US" sz="1100" dirty="0">
+                <a:solidFill>
+                  <a:srgbClr val="7030A0"/>
+                </a:solidFill>
+              </a:rPr>
+              <a:t>*</a:t>
+            </a:r>
+            <a:endParaRPr lang="en-SG" sz="1100" dirty="0">
+              <a:solidFill>
+                <a:srgbClr val="7030A0"/>
+              </a:solidFill>
+            </a:endParaRPr>
+          </a:p>
+        </p:txBody>
+      </p:sp>
+      <p:sp>
+        <p:nvSpPr>
+          <p:cNvPr id="150" name="Rectangle 8">
+            <a:extLst>
+              <a:ext uri="{FF2B5EF4-FFF2-40B4-BE49-F238E27FC236}">
+                <a16:creationId xmlns:a16="http://schemas.microsoft.com/office/drawing/2014/main" id="{BFAA1485-76BF-B140-8139-45E29DE3943D}"/>
+              </a:ext>
+            </a:extLst>
+          </p:cNvPr>
+          <p:cNvSpPr/>
+          <p:nvPr/>
+        </p:nvSpPr>
+        <p:spPr>
+          <a:xfrm>
+            <a:off x="6869807" y="5383651"/>
+            <a:ext cx="708186" cy="285783"/>
+          </a:xfrm>
+          <a:prstGeom prst="rect">
+            <a:avLst/>
+          </a:prstGeom>
+          <a:ln w="19050">
+            <a:solidFill>
+              <a:srgbClr val="7030A0"/>
+            </a:solidFill>
+          </a:ln>
+          <a:effectLst/>
+        </p:spPr>
+        <p:style>
+          <a:lnRef idx="1">
+            <a:schemeClr val="accent4"/>
+          </a:lnRef>
+          <a:fillRef idx="2">
+            <a:schemeClr val="accent4"/>
+          </a:fillRef>
+          <a:effectRef idx="1">
+            <a:schemeClr val="accent4"/>
+          </a:effectRef>
+          <a:fontRef idx="minor">
+            <a:schemeClr val="dk1"/>
+          </a:fontRef>
+        </p:style>
+        <p:txBody>
+          <a:bodyPr rtlCol="0" anchor="ctr"/>
+          <a:lstStyle/>
+          <a:p>
+            <a:pPr algn="ctr"/>
+            <a:r>
+              <a:rPr lang="en-US" sz="1050" dirty="0">
+                <a:solidFill>
+                  <a:srgbClr val="7030A0"/>
+                </a:solidFill>
+              </a:rPr>
+              <a:t>Mark</a:t>
+            </a:r>
+            <a:endParaRPr lang="en-SG" sz="1050" dirty="0">
+              <a:solidFill>
+                <a:srgbClr val="7030A0"/>
+              </a:solidFill>
+            </a:endParaRPr>
+          </a:p>
+        </p:txBody>
+      </p:sp>
+      <p:sp>
+        <p:nvSpPr>
+          <p:cNvPr id="155" name="TextBox 154">
+            <a:extLst>
+              <a:ext uri="{FF2B5EF4-FFF2-40B4-BE49-F238E27FC236}">
+                <a16:creationId xmlns:a16="http://schemas.microsoft.com/office/drawing/2014/main" id="{920B0199-1783-F04A-9D2F-88002C3FC544}"/>
+              </a:ext>
+            </a:extLst>
+          </p:cNvPr>
+          <p:cNvSpPr txBox="1"/>
+          <p:nvPr/>
+        </p:nvSpPr>
+        <p:spPr>
+          <a:xfrm>
+            <a:off x="5292984" y="1166523"/>
+            <a:ext cx="189257" cy="178683"/>
+          </a:xfrm>
+          <a:prstGeom prst="rect">
+            <a:avLst/>
+          </a:prstGeom>
+          <a:noFill/>
+        </p:spPr>
+        <p:txBody>
+          <a:bodyPr wrap="square" lIns="0" tIns="0" rIns="0" bIns="0" rtlCol="0">
+            <a:noAutofit/>
+          </a:bodyPr>
+          <a:lstStyle/>
+          <a:p>
+            <a:pPr algn="ctr"/>
+            <a:r>
+              <a:rPr lang="en-US" sz="1100" dirty="0">
+                <a:solidFill>
+                  <a:srgbClr val="7030A0"/>
+                </a:solidFill>
+              </a:rPr>
+              <a:t>*</a:t>
+            </a:r>
+            <a:endParaRPr lang="en-SG" sz="1100" dirty="0">
+              <a:solidFill>
+                <a:srgbClr val="7030A0"/>
+              </a:solidFill>
+            </a:endParaRPr>
+          </a:p>
+        </p:txBody>
+      </p:sp>
+      <p:sp>
+        <p:nvSpPr>
+          <p:cNvPr id="84" name="Rectangle 8">
+            <a:extLst>
+              <a:ext uri="{FF2B5EF4-FFF2-40B4-BE49-F238E27FC236}">
+                <a16:creationId xmlns:a16="http://schemas.microsoft.com/office/drawing/2014/main" id="{4F5E1DEE-525A-4242-8498-345874A3FD3B}"/>
+              </a:ext>
+            </a:extLst>
+          </p:cNvPr>
+          <p:cNvSpPr/>
+          <p:nvPr/>
+        </p:nvSpPr>
+        <p:spPr>
+          <a:xfrm>
+            <a:off x="6873593" y="4458942"/>
+            <a:ext cx="708186" cy="273969"/>
+          </a:xfrm>
+          <a:prstGeom prst="rect">
+            <a:avLst/>
+          </a:prstGeom>
+          <a:ln w="19050">
+            <a:solidFill>
+              <a:srgbClr val="7030A0"/>
+            </a:solidFill>
+          </a:ln>
+          <a:effectLst/>
+        </p:spPr>
+        <p:style>
+          <a:lnRef idx="1">
+            <a:schemeClr val="accent4"/>
+          </a:lnRef>
+          <a:fillRef idx="2">
+            <a:schemeClr val="accent4"/>
+          </a:fillRef>
+          <a:effectRef idx="1">
+            <a:schemeClr val="accent4"/>
+          </a:effectRef>
+          <a:fontRef idx="minor">
+            <a:schemeClr val="dk1"/>
+          </a:fontRef>
+        </p:style>
+        <p:txBody>
+          <a:bodyPr lIns="0" rIns="0" rtlCol="0" anchor="ctr"/>
+          <a:lstStyle/>
+          <a:p>
+            <a:pPr algn="ctr"/>
+            <a:r>
+              <a:rPr lang="en-US" sz="900" dirty="0">
+                <a:solidFill>
+                  <a:srgbClr val="7030A0"/>
+                </a:solidFill>
+              </a:rPr>
+              <a:t>ProfilePhoto</a:t>
+            </a:r>
+            <a:endParaRPr lang="en-SG" sz="900" dirty="0">
+              <a:solidFill>
+                <a:srgbClr val="7030A0"/>
+              </a:solidFill>
+            </a:endParaRPr>
+          </a:p>
+        </p:txBody>
+      </p:sp>
+      <p:sp>
+        <p:nvSpPr>
+          <p:cNvPr id="85" name="Rectangle 8">
+            <a:extLst>
+              <a:ext uri="{FF2B5EF4-FFF2-40B4-BE49-F238E27FC236}">
+                <a16:creationId xmlns:a16="http://schemas.microsoft.com/office/drawing/2014/main" id="{42EA6582-67A1-9C4C-968B-882A72A20803}"/>
+              </a:ext>
+            </a:extLst>
+          </p:cNvPr>
+          <p:cNvSpPr/>
+          <p:nvPr/>
+        </p:nvSpPr>
+        <p:spPr>
+          <a:xfrm>
+            <a:off x="6869807" y="4778635"/>
+            <a:ext cx="708186" cy="227343"/>
+          </a:xfrm>
+          <a:prstGeom prst="rect">
+            <a:avLst/>
+          </a:prstGeom>
+          <a:ln w="19050">
+            <a:solidFill>
+              <a:srgbClr val="7030A0"/>
+            </a:solidFill>
+          </a:ln>
+          <a:effectLst/>
+        </p:spPr>
+        <p:style>
+          <a:lnRef idx="1">
+            <a:schemeClr val="accent4"/>
+          </a:lnRef>
+          <a:fillRef idx="2">
+            <a:schemeClr val="accent4"/>
+          </a:fillRef>
+          <a:effectRef idx="1">
+            <a:schemeClr val="accent4"/>
+          </a:effectRef>
+          <a:fontRef idx="minor">
+            <a:schemeClr val="dk1"/>
+          </a:fontRef>
+        </p:style>
+        <p:txBody>
+          <a:bodyPr rtlCol="0" anchor="ctr"/>
+          <a:lstStyle/>
+          <a:p>
+            <a:pPr algn="ctr"/>
+            <a:r>
+              <a:rPr lang="en-US" sz="1050" dirty="0">
+                <a:solidFill>
+                  <a:srgbClr val="7030A0"/>
+                </a:solidFill>
+              </a:rPr>
+              <a:t>Note</a:t>
+            </a:r>
+            <a:endParaRPr lang="en-SG" sz="1050" dirty="0">
+              <a:solidFill>
+                <a:srgbClr val="7030A0"/>
+              </a:solidFill>
+            </a:endParaRPr>
+          </a:p>
+        </p:txBody>
+      </p:sp>
+      <p:cxnSp>
+        <p:nvCxnSpPr>
+          <p:cNvPr id="110" name="Elbow Connector 85">
+            <a:extLst>
+              <a:ext uri="{FF2B5EF4-FFF2-40B4-BE49-F238E27FC236}">
+                <a16:creationId xmlns:a16="http://schemas.microsoft.com/office/drawing/2014/main" id="{4743360E-B095-9F4E-A027-7B01488D068A}"/>
+              </a:ext>
+            </a:extLst>
+          </p:cNvPr>
+          <p:cNvCxnSpPr>
+            <a:cxnSpLocks/>
+            <a:endCxn id="85" idx="1"/>
+          </p:cNvCxnSpPr>
+          <p:nvPr/>
+        </p:nvCxnSpPr>
+        <p:spPr>
+          <a:xfrm rot="16200000" flipH="1">
+            <a:off x="6120628" y="4143128"/>
+            <a:ext cx="1287588" cy="210770"/>
+          </a:xfrm>
+          <a:prstGeom prst="bentConnector2">
+            <a:avLst/>
+          </a:prstGeom>
+          <a:ln w="19050">
+            <a:solidFill>
+              <a:srgbClr val="7030A0"/>
+            </a:solidFill>
+            <a:headEnd type="none" w="med" len="med"/>
+            <a:tailEnd type="arrow" w="med" len="med"/>
+          </a:ln>
+          <a:effectLst/>
+        </p:spPr>
+        <p:style>
+          <a:lnRef idx="1">
+            <a:schemeClr val="accent2"/>
+          </a:lnRef>
+          <a:fillRef idx="2">
+            <a:schemeClr val="accent2"/>
+          </a:fillRef>
+          <a:effectRef idx="1">
+            <a:schemeClr val="accent2"/>
+          </a:effectRef>
+          <a:fontRef idx="minor">
+            <a:schemeClr val="dk1"/>
+          </a:fontRef>
+        </p:style>
+      </p:cxnSp>
+      <p:cxnSp>
+        <p:nvCxnSpPr>
+          <p:cNvPr id="134" name="Elbow Connector 85">
+            <a:extLst>
+              <a:ext uri="{FF2B5EF4-FFF2-40B4-BE49-F238E27FC236}">
+                <a16:creationId xmlns:a16="http://schemas.microsoft.com/office/drawing/2014/main" id="{A6D4B5C3-5743-8340-8011-A7B72E25D1AB}"/>
+              </a:ext>
+            </a:extLst>
+          </p:cNvPr>
+          <p:cNvCxnSpPr>
+            <a:cxnSpLocks/>
+            <a:stCxn id="96" idx="3"/>
+            <a:endCxn id="150" idx="1"/>
+          </p:cNvCxnSpPr>
+          <p:nvPr/>
+        </p:nvCxnSpPr>
+        <p:spPr>
+          <a:xfrm>
+            <a:off x="6439771" y="3625678"/>
+            <a:ext cx="430036" cy="1900865"/>
+          </a:xfrm>
+          <a:prstGeom prst="bentConnector3">
+            <a:avLst>
+              <a:gd name="adj1" fmla="val 50000"/>
+            </a:avLst>
+          </a:prstGeom>
+          <a:ln w="19050">
+            <a:solidFill>
+              <a:srgbClr val="7030A0"/>
+            </a:solidFill>
+            <a:headEnd type="none" w="med" len="med"/>
+            <a:tailEnd type="arrow" w="med" len="med"/>
+          </a:ln>
+          <a:effectLst/>
+        </p:spPr>
+        <p:style>
+          <a:lnRef idx="1">
+            <a:schemeClr val="accent2"/>
+          </a:lnRef>
+          <a:fillRef idx="2">
+            <a:schemeClr val="accent2"/>
+          </a:fillRef>
+          <a:effectRef idx="1">
+            <a:schemeClr val="accent2"/>
+          </a:effectRef>
+          <a:fontRef idx="minor">
+            <a:schemeClr val="dk1"/>
           </a:fontRef>
         </p:style>
       </p:cxnSp>
